--- a/2025_Б_ККП_ПЗПІ-22-6_Білецький_Д_А/2025_Б_ККП_ПЗПІ-22-6_Білецький_Д_А.pptx
+++ b/2025_Б_ККП_ПЗПІ-22-6_Білецький_Д_А/2025_Б_ККП_ПЗПІ-22-6_Білецький_Д_А.pptx
@@ -5,26 +5,24 @@
     <p:sldMasterId id="2147483648" r:id="rId1"/>
   </p:sldMasterIdLst>
   <p:notesMasterIdLst>
-    <p:notesMasterId r:id="rId16"/>
+    <p:notesMasterId r:id="rId14"/>
   </p:notesMasterIdLst>
   <p:handoutMasterIdLst>
-    <p:handoutMasterId r:id="rId17"/>
+    <p:handoutMasterId r:id="rId15"/>
   </p:handoutMasterIdLst>
   <p:sldIdLst>
     <p:sldId id="261" r:id="rId2"/>
     <p:sldId id="271" r:id="rId3"/>
-    <p:sldId id="257" r:id="rId4"/>
-    <p:sldId id="262" r:id="rId5"/>
-    <p:sldId id="263" r:id="rId6"/>
-    <p:sldId id="272" r:id="rId7"/>
-    <p:sldId id="273" r:id="rId8"/>
-    <p:sldId id="264" r:id="rId9"/>
-    <p:sldId id="274" r:id="rId10"/>
-    <p:sldId id="266" r:id="rId11"/>
-    <p:sldId id="267" r:id="rId12"/>
-    <p:sldId id="275" r:id="rId13"/>
-    <p:sldId id="276" r:id="rId14"/>
-    <p:sldId id="270" r:id="rId15"/>
+    <p:sldId id="262" r:id="rId4"/>
+    <p:sldId id="263" r:id="rId5"/>
+    <p:sldId id="277" r:id="rId6"/>
+    <p:sldId id="273" r:id="rId7"/>
+    <p:sldId id="266" r:id="rId8"/>
+    <p:sldId id="274" r:id="rId9"/>
+    <p:sldId id="267" r:id="rId10"/>
+    <p:sldId id="275" r:id="rId11"/>
+    <p:sldId id="276" r:id="rId12"/>
+    <p:sldId id="270" r:id="rId13"/>
   </p:sldIdLst>
   <p:sldSz cx="12192000" cy="6858000"/>
   <p:notesSz cx="6858000" cy="9144000"/>
@@ -145,3066 +143,6 @@
 </p:presentation>
 </file>
 
-<file path=ppt/diagrams/colors1.xml><?xml version="1.0" encoding="utf-8"?>
-<dgm:colorsDef xmlns:dgm="http://schemas.openxmlformats.org/drawingml/2006/diagram" xmlns:a="http://schemas.openxmlformats.org/drawingml/2006/main" uniqueId="urn:microsoft.com/office/officeart/2005/8/colors/accent1_1">
-  <dgm:title val=""/>
-  <dgm:desc val=""/>
-  <dgm:catLst>
-    <dgm:cat type="accent1" pri="11100"/>
-  </dgm:catLst>
-  <dgm:styleLbl name="node0">
-    <dgm:fillClrLst meth="repeat">
-      <a:schemeClr val="lt1"/>
-    </dgm:fillClrLst>
-    <dgm:linClrLst meth="repeat">
-      <a:schemeClr val="accent1">
-        <a:shade val="80000"/>
-      </a:schemeClr>
-    </dgm:linClrLst>
-    <dgm:effectClrLst/>
-    <dgm:txLinClrLst/>
-    <dgm:txFillClrLst meth="repeat">
-      <a:schemeClr val="dk1"/>
-    </dgm:txFillClrLst>
-    <dgm:txEffectClrLst/>
-  </dgm:styleLbl>
-  <dgm:styleLbl name="alignNode1">
-    <dgm:fillClrLst meth="repeat">
-      <a:schemeClr val="lt1"/>
-    </dgm:fillClrLst>
-    <dgm:linClrLst meth="repeat">
-      <a:schemeClr val="accent1">
-        <a:shade val="80000"/>
-      </a:schemeClr>
-    </dgm:linClrLst>
-    <dgm:effectClrLst/>
-    <dgm:txLinClrLst/>
-    <dgm:txFillClrLst meth="repeat">
-      <a:schemeClr val="dk1"/>
-    </dgm:txFillClrLst>
-    <dgm:txEffectClrLst/>
-  </dgm:styleLbl>
-  <dgm:styleLbl name="node1">
-    <dgm:fillClrLst meth="repeat">
-      <a:schemeClr val="lt1"/>
-    </dgm:fillClrLst>
-    <dgm:linClrLst meth="repeat">
-      <a:schemeClr val="accent1">
-        <a:shade val="80000"/>
-      </a:schemeClr>
-    </dgm:linClrLst>
-    <dgm:effectClrLst/>
-    <dgm:txLinClrLst/>
-    <dgm:txFillClrLst meth="repeat">
-      <a:schemeClr val="dk1"/>
-    </dgm:txFillClrLst>
-    <dgm:txEffectClrLst/>
-  </dgm:styleLbl>
-  <dgm:styleLbl name="lnNode1">
-    <dgm:fillClrLst meth="repeat">
-      <a:schemeClr val="lt1"/>
-    </dgm:fillClrLst>
-    <dgm:linClrLst meth="repeat">
-      <a:schemeClr val="accent1">
-        <a:shade val="80000"/>
-      </a:schemeClr>
-    </dgm:linClrLst>
-    <dgm:effectClrLst/>
-    <dgm:txLinClrLst/>
-    <dgm:txFillClrLst meth="repeat">
-      <a:schemeClr val="dk1"/>
-    </dgm:txFillClrLst>
-    <dgm:txEffectClrLst/>
-  </dgm:styleLbl>
-  <dgm:styleLbl name="vennNode1">
-    <dgm:fillClrLst meth="repeat">
-      <a:schemeClr val="lt1">
-        <a:alpha val="50000"/>
-      </a:schemeClr>
-    </dgm:fillClrLst>
-    <dgm:linClrLst meth="repeat">
-      <a:schemeClr val="accent1">
-        <a:shade val="80000"/>
-      </a:schemeClr>
-    </dgm:linClrLst>
-    <dgm:effectClrLst/>
-    <dgm:txLinClrLst/>
-    <dgm:txFillClrLst/>
-    <dgm:txEffectClrLst/>
-  </dgm:styleLbl>
-  <dgm:styleLbl name="node2">
-    <dgm:fillClrLst meth="repeat">
-      <a:schemeClr val="lt1"/>
-    </dgm:fillClrLst>
-    <dgm:linClrLst meth="repeat">
-      <a:schemeClr val="accent1">
-        <a:shade val="80000"/>
-      </a:schemeClr>
-    </dgm:linClrLst>
-    <dgm:effectClrLst/>
-    <dgm:txLinClrLst/>
-    <dgm:txFillClrLst meth="repeat">
-      <a:schemeClr val="dk1"/>
-    </dgm:txFillClrLst>
-    <dgm:txEffectClrLst/>
-  </dgm:styleLbl>
-  <dgm:styleLbl name="node3">
-    <dgm:fillClrLst meth="repeat">
-      <a:schemeClr val="lt1"/>
-    </dgm:fillClrLst>
-    <dgm:linClrLst meth="repeat">
-      <a:schemeClr val="accent1">
-        <a:shade val="80000"/>
-      </a:schemeClr>
-    </dgm:linClrLst>
-    <dgm:effectClrLst/>
-    <dgm:txLinClrLst/>
-    <dgm:txFillClrLst meth="repeat">
-      <a:schemeClr val="dk1"/>
-    </dgm:txFillClrLst>
-    <dgm:txEffectClrLst/>
-  </dgm:styleLbl>
-  <dgm:styleLbl name="node4">
-    <dgm:fillClrLst meth="repeat">
-      <a:schemeClr val="lt1"/>
-    </dgm:fillClrLst>
-    <dgm:linClrLst meth="repeat">
-      <a:schemeClr val="accent1">
-        <a:shade val="80000"/>
-      </a:schemeClr>
-    </dgm:linClrLst>
-    <dgm:effectClrLst/>
-    <dgm:txLinClrLst/>
-    <dgm:txFillClrLst meth="repeat">
-      <a:schemeClr val="dk1"/>
-    </dgm:txFillClrLst>
-    <dgm:txEffectClrLst/>
-  </dgm:styleLbl>
-  <dgm:styleLbl name="fgImgPlace1">
-    <dgm:fillClrLst meth="repeat">
-      <a:schemeClr val="accent1">
-        <a:tint val="40000"/>
-      </a:schemeClr>
-    </dgm:fillClrLst>
-    <dgm:linClrLst meth="repeat">
-      <a:schemeClr val="accent1">
-        <a:shade val="80000"/>
-      </a:schemeClr>
-    </dgm:linClrLst>
-    <dgm:effectClrLst/>
-    <dgm:txLinClrLst/>
-    <dgm:txFillClrLst meth="repeat">
-      <a:schemeClr val="lt1"/>
-    </dgm:txFillClrLst>
-    <dgm:txEffectClrLst/>
-  </dgm:styleLbl>
-  <dgm:styleLbl name="alignImgPlace1">
-    <dgm:fillClrLst meth="repeat">
-      <a:schemeClr val="accent1">
-        <a:tint val="40000"/>
-      </a:schemeClr>
-    </dgm:fillClrLst>
-    <dgm:linClrLst meth="repeat">
-      <a:schemeClr val="accent1">
-        <a:shade val="80000"/>
-      </a:schemeClr>
-    </dgm:linClrLst>
-    <dgm:effectClrLst/>
-    <dgm:txLinClrLst/>
-    <dgm:txFillClrLst meth="repeat">
-      <a:schemeClr val="lt1"/>
-    </dgm:txFillClrLst>
-    <dgm:txEffectClrLst/>
-  </dgm:styleLbl>
-  <dgm:styleLbl name="bgImgPlace1">
-    <dgm:fillClrLst meth="repeat">
-      <a:schemeClr val="accent1">
-        <a:tint val="40000"/>
-      </a:schemeClr>
-    </dgm:fillClrLst>
-    <dgm:linClrLst meth="repeat">
-      <a:schemeClr val="accent1">
-        <a:shade val="80000"/>
-      </a:schemeClr>
-    </dgm:linClrLst>
-    <dgm:effectClrLst/>
-    <dgm:txLinClrLst/>
-    <dgm:txFillClrLst meth="repeat">
-      <a:schemeClr val="lt1"/>
-    </dgm:txFillClrLst>
-    <dgm:txEffectClrLst/>
-  </dgm:styleLbl>
-  <dgm:styleLbl name="sibTrans2D1">
-    <dgm:fillClrLst meth="repeat">
-      <a:schemeClr val="accent1">
-        <a:tint val="60000"/>
-      </a:schemeClr>
-    </dgm:fillClrLst>
-    <dgm:linClrLst meth="repeat">
-      <a:schemeClr val="accent1">
-        <a:tint val="60000"/>
-      </a:schemeClr>
-    </dgm:linClrLst>
-    <dgm:effectClrLst/>
-    <dgm:txLinClrLst/>
-    <dgm:txFillClrLst meth="repeat">
-      <a:schemeClr val="dk1"/>
-    </dgm:txFillClrLst>
-    <dgm:txEffectClrLst/>
-  </dgm:styleLbl>
-  <dgm:styleLbl name="fgSibTrans2D1">
-    <dgm:fillClrLst meth="repeat">
-      <a:schemeClr val="accent1">
-        <a:tint val="60000"/>
-      </a:schemeClr>
-    </dgm:fillClrLst>
-    <dgm:linClrLst meth="repeat">
-      <a:schemeClr val="accent1">
-        <a:tint val="60000"/>
-      </a:schemeClr>
-    </dgm:linClrLst>
-    <dgm:effectClrLst/>
-    <dgm:txLinClrLst/>
-    <dgm:txFillClrLst meth="repeat">
-      <a:schemeClr val="dk1"/>
-    </dgm:txFillClrLst>
-    <dgm:txEffectClrLst/>
-  </dgm:styleLbl>
-  <dgm:styleLbl name="bgSibTrans2D1">
-    <dgm:fillClrLst meth="repeat">
-      <a:schemeClr val="accent1">
-        <a:tint val="60000"/>
-      </a:schemeClr>
-    </dgm:fillClrLst>
-    <dgm:linClrLst meth="repeat">
-      <a:schemeClr val="accent1">
-        <a:tint val="60000"/>
-      </a:schemeClr>
-    </dgm:linClrLst>
-    <dgm:effectClrLst/>
-    <dgm:txLinClrLst/>
-    <dgm:txFillClrLst meth="repeat">
-      <a:schemeClr val="dk1"/>
-    </dgm:txFillClrLst>
-    <dgm:txEffectClrLst/>
-  </dgm:styleLbl>
-  <dgm:styleLbl name="sibTrans1D1">
-    <dgm:fillClrLst meth="repeat">
-      <a:schemeClr val="accent1"/>
-    </dgm:fillClrLst>
-    <dgm:linClrLst meth="repeat">
-      <a:schemeClr val="accent1"/>
-    </dgm:linClrLst>
-    <dgm:effectClrLst/>
-    <dgm:txLinClrLst/>
-    <dgm:txFillClrLst meth="repeat">
-      <a:schemeClr val="tx1"/>
-    </dgm:txFillClrLst>
-    <dgm:txEffectClrLst/>
-  </dgm:styleLbl>
-  <dgm:styleLbl name="callout">
-    <dgm:fillClrLst meth="repeat">
-      <a:schemeClr val="accent1"/>
-    </dgm:fillClrLst>
-    <dgm:linClrLst meth="repeat">
-      <a:schemeClr val="accent1"/>
-    </dgm:linClrLst>
-    <dgm:effectClrLst/>
-    <dgm:txLinClrLst/>
-    <dgm:txFillClrLst meth="repeat">
-      <a:schemeClr val="tx1"/>
-    </dgm:txFillClrLst>
-    <dgm:txEffectClrLst/>
-  </dgm:styleLbl>
-  <dgm:styleLbl name="asst0">
-    <dgm:fillClrLst meth="repeat">
-      <a:schemeClr val="lt1"/>
-    </dgm:fillClrLst>
-    <dgm:linClrLst meth="repeat">
-      <a:schemeClr val="accent1">
-        <a:shade val="80000"/>
-      </a:schemeClr>
-    </dgm:linClrLst>
-    <dgm:effectClrLst/>
-    <dgm:txLinClrLst/>
-    <dgm:txFillClrLst meth="repeat">
-      <a:schemeClr val="dk1"/>
-    </dgm:txFillClrLst>
-    <dgm:txEffectClrLst/>
-  </dgm:styleLbl>
-  <dgm:styleLbl name="asst1">
-    <dgm:fillClrLst meth="repeat">
-      <a:schemeClr val="lt1"/>
-    </dgm:fillClrLst>
-    <dgm:linClrLst meth="repeat">
-      <a:schemeClr val="accent1">
-        <a:shade val="80000"/>
-      </a:schemeClr>
-    </dgm:linClrLst>
-    <dgm:effectClrLst/>
-    <dgm:txLinClrLst/>
-    <dgm:txFillClrLst meth="repeat">
-      <a:schemeClr val="dk1"/>
-    </dgm:txFillClrLst>
-    <dgm:txEffectClrLst/>
-  </dgm:styleLbl>
-  <dgm:styleLbl name="asst2">
-    <dgm:fillClrLst meth="repeat">
-      <a:schemeClr val="lt1"/>
-    </dgm:fillClrLst>
-    <dgm:linClrLst meth="repeat">
-      <a:schemeClr val="accent1">
-        <a:shade val="80000"/>
-      </a:schemeClr>
-    </dgm:linClrLst>
-    <dgm:effectClrLst/>
-    <dgm:txLinClrLst/>
-    <dgm:txFillClrLst meth="repeat">
-      <a:schemeClr val="dk1"/>
-    </dgm:txFillClrLst>
-    <dgm:txEffectClrLst/>
-  </dgm:styleLbl>
-  <dgm:styleLbl name="asst3">
-    <dgm:fillClrLst meth="repeat">
-      <a:schemeClr val="lt1"/>
-    </dgm:fillClrLst>
-    <dgm:linClrLst meth="repeat">
-      <a:schemeClr val="accent1">
-        <a:shade val="80000"/>
-      </a:schemeClr>
-    </dgm:linClrLst>
-    <dgm:effectClrLst/>
-    <dgm:txLinClrLst/>
-    <dgm:txFillClrLst meth="repeat">
-      <a:schemeClr val="dk1"/>
-    </dgm:txFillClrLst>
-    <dgm:txEffectClrLst/>
-  </dgm:styleLbl>
-  <dgm:styleLbl name="asst4">
-    <dgm:fillClrLst meth="repeat">
-      <a:schemeClr val="lt1"/>
-    </dgm:fillClrLst>
-    <dgm:linClrLst meth="repeat">
-      <a:schemeClr val="accent1">
-        <a:shade val="80000"/>
-      </a:schemeClr>
-    </dgm:linClrLst>
-    <dgm:effectClrLst/>
-    <dgm:txLinClrLst/>
-    <dgm:txFillClrLst meth="repeat">
-      <a:schemeClr val="dk1"/>
-    </dgm:txFillClrLst>
-    <dgm:txEffectClrLst/>
-  </dgm:styleLbl>
-  <dgm:styleLbl name="parChTrans2D1">
-    <dgm:fillClrLst meth="repeat">
-      <a:schemeClr val="accent1">
-        <a:tint val="60000"/>
-      </a:schemeClr>
-    </dgm:fillClrLst>
-    <dgm:linClrLst meth="repeat">
-      <a:schemeClr val="accent1">
-        <a:tint val="60000"/>
-      </a:schemeClr>
-    </dgm:linClrLst>
-    <dgm:effectClrLst/>
-    <dgm:txLinClrLst/>
-    <dgm:txFillClrLst/>
-    <dgm:txEffectClrLst/>
-  </dgm:styleLbl>
-  <dgm:styleLbl name="parChTrans2D2">
-    <dgm:fillClrLst meth="repeat">
-      <a:schemeClr val="accent1"/>
-    </dgm:fillClrLst>
-    <dgm:linClrLst meth="repeat">
-      <a:schemeClr val="accent1"/>
-    </dgm:linClrLst>
-    <dgm:effectClrLst/>
-    <dgm:txLinClrLst/>
-    <dgm:txFillClrLst/>
-    <dgm:txEffectClrLst/>
-  </dgm:styleLbl>
-  <dgm:styleLbl name="parChTrans2D3">
-    <dgm:fillClrLst meth="repeat">
-      <a:schemeClr val="accent1"/>
-    </dgm:fillClrLst>
-    <dgm:linClrLst meth="repeat">
-      <a:schemeClr val="accent1"/>
-    </dgm:linClrLst>
-    <dgm:effectClrLst/>
-    <dgm:txLinClrLst/>
-    <dgm:txFillClrLst/>
-    <dgm:txEffectClrLst/>
-  </dgm:styleLbl>
-  <dgm:styleLbl name="parChTrans2D4">
-    <dgm:fillClrLst meth="repeat">
-      <a:schemeClr val="accent1"/>
-    </dgm:fillClrLst>
-    <dgm:linClrLst meth="repeat">
-      <a:schemeClr val="accent1"/>
-    </dgm:linClrLst>
-    <dgm:effectClrLst/>
-    <dgm:txLinClrLst/>
-    <dgm:txFillClrLst meth="repeat">
-      <a:schemeClr val="lt1"/>
-    </dgm:txFillClrLst>
-    <dgm:txEffectClrLst/>
-  </dgm:styleLbl>
-  <dgm:styleLbl name="parChTrans1D1">
-    <dgm:fillClrLst meth="repeat">
-      <a:schemeClr val="accent1"/>
-    </dgm:fillClrLst>
-    <dgm:linClrLst meth="repeat">
-      <a:schemeClr val="accent1">
-        <a:shade val="60000"/>
-      </a:schemeClr>
-    </dgm:linClrLst>
-    <dgm:effectClrLst/>
-    <dgm:txLinClrLst/>
-    <dgm:txFillClrLst meth="repeat">
-      <a:schemeClr val="tx1"/>
-    </dgm:txFillClrLst>
-    <dgm:txEffectClrLst/>
-  </dgm:styleLbl>
-  <dgm:styleLbl name="parChTrans1D2">
-    <dgm:fillClrLst meth="repeat">
-      <a:schemeClr val="accent1"/>
-    </dgm:fillClrLst>
-    <dgm:linClrLst meth="repeat">
-      <a:schemeClr val="accent1">
-        <a:shade val="60000"/>
-      </a:schemeClr>
-    </dgm:linClrLst>
-    <dgm:effectClrLst/>
-    <dgm:txLinClrLst/>
-    <dgm:txFillClrLst meth="repeat">
-      <a:schemeClr val="tx1"/>
-    </dgm:txFillClrLst>
-    <dgm:txEffectClrLst/>
-  </dgm:styleLbl>
-  <dgm:styleLbl name="parChTrans1D3">
-    <dgm:fillClrLst meth="repeat">
-      <a:schemeClr val="accent1"/>
-    </dgm:fillClrLst>
-    <dgm:linClrLst meth="repeat">
-      <a:schemeClr val="accent1">
-        <a:shade val="80000"/>
-      </a:schemeClr>
-    </dgm:linClrLst>
-    <dgm:effectClrLst/>
-    <dgm:txLinClrLst/>
-    <dgm:txFillClrLst meth="repeat">
-      <a:schemeClr val="tx1"/>
-    </dgm:txFillClrLst>
-    <dgm:txEffectClrLst/>
-  </dgm:styleLbl>
-  <dgm:styleLbl name="parChTrans1D4">
-    <dgm:fillClrLst meth="repeat">
-      <a:schemeClr val="accent1"/>
-    </dgm:fillClrLst>
-    <dgm:linClrLst meth="repeat">
-      <a:schemeClr val="accent1">
-        <a:shade val="80000"/>
-      </a:schemeClr>
-    </dgm:linClrLst>
-    <dgm:effectClrLst/>
-    <dgm:txLinClrLst/>
-    <dgm:txFillClrLst meth="repeat">
-      <a:schemeClr val="tx1"/>
-    </dgm:txFillClrLst>
-    <dgm:txEffectClrLst/>
-  </dgm:styleLbl>
-  <dgm:styleLbl name="fgAcc1">
-    <dgm:fillClrLst meth="repeat">
-      <a:schemeClr val="accent1">
-        <a:alpha val="90000"/>
-        <a:tint val="40000"/>
-      </a:schemeClr>
-    </dgm:fillClrLst>
-    <dgm:linClrLst meth="repeat">
-      <a:schemeClr val="accent1"/>
-    </dgm:linClrLst>
-    <dgm:effectClrLst/>
-    <dgm:txLinClrLst/>
-    <dgm:txFillClrLst meth="repeat">
-      <a:schemeClr val="dk1"/>
-    </dgm:txFillClrLst>
-    <dgm:txEffectClrLst/>
-  </dgm:styleLbl>
-  <dgm:styleLbl name="conFgAcc1">
-    <dgm:fillClrLst meth="repeat">
-      <a:schemeClr val="accent1">
-        <a:alpha val="90000"/>
-        <a:tint val="40000"/>
-      </a:schemeClr>
-    </dgm:fillClrLst>
-    <dgm:linClrLst meth="repeat">
-      <a:schemeClr val="accent1"/>
-    </dgm:linClrLst>
-    <dgm:effectClrLst/>
-    <dgm:txLinClrLst/>
-    <dgm:txFillClrLst meth="repeat">
-      <a:schemeClr val="dk1"/>
-    </dgm:txFillClrLst>
-    <dgm:txEffectClrLst/>
-  </dgm:styleLbl>
-  <dgm:styleLbl name="alignAcc1">
-    <dgm:fillClrLst meth="repeat">
-      <a:schemeClr val="accent1">
-        <a:alpha val="90000"/>
-        <a:tint val="40000"/>
-      </a:schemeClr>
-    </dgm:fillClrLst>
-    <dgm:linClrLst meth="repeat">
-      <a:schemeClr val="accent1"/>
-    </dgm:linClrLst>
-    <dgm:effectClrLst/>
-    <dgm:txLinClrLst/>
-    <dgm:txFillClrLst meth="repeat">
-      <a:schemeClr val="dk1"/>
-    </dgm:txFillClrLst>
-    <dgm:txEffectClrLst/>
-  </dgm:styleLbl>
-  <dgm:styleLbl name="trAlignAcc1">
-    <dgm:fillClrLst meth="repeat">
-      <a:schemeClr val="accent1">
-        <a:alpha val="40000"/>
-        <a:tint val="40000"/>
-      </a:schemeClr>
-    </dgm:fillClrLst>
-    <dgm:linClrLst meth="repeat">
-      <a:schemeClr val="accent1"/>
-    </dgm:linClrLst>
-    <dgm:effectClrLst/>
-    <dgm:txLinClrLst/>
-    <dgm:txFillClrLst meth="repeat">
-      <a:schemeClr val="dk1"/>
-    </dgm:txFillClrLst>
-    <dgm:txEffectClrLst/>
-  </dgm:styleLbl>
-  <dgm:styleLbl name="bgAcc1">
-    <dgm:fillClrLst meth="repeat">
-      <a:schemeClr val="accent1">
-        <a:alpha val="90000"/>
-        <a:tint val="40000"/>
-      </a:schemeClr>
-    </dgm:fillClrLst>
-    <dgm:linClrLst meth="repeat">
-      <a:schemeClr val="accent1"/>
-    </dgm:linClrLst>
-    <dgm:effectClrLst/>
-    <dgm:txLinClrLst/>
-    <dgm:txFillClrLst meth="repeat">
-      <a:schemeClr val="dk1"/>
-    </dgm:txFillClrLst>
-    <dgm:txEffectClrLst/>
-  </dgm:styleLbl>
-  <dgm:styleLbl name="solidFgAcc1">
-    <dgm:fillClrLst meth="repeat">
-      <a:schemeClr val="lt1"/>
-    </dgm:fillClrLst>
-    <dgm:linClrLst meth="repeat">
-      <a:schemeClr val="accent1"/>
-    </dgm:linClrLst>
-    <dgm:effectClrLst/>
-    <dgm:txLinClrLst/>
-    <dgm:txFillClrLst meth="repeat">
-      <a:schemeClr val="dk1"/>
-    </dgm:txFillClrLst>
-    <dgm:txEffectClrLst/>
-  </dgm:styleLbl>
-  <dgm:styleLbl name="solidAlignAcc1">
-    <dgm:fillClrLst meth="repeat">
-      <a:schemeClr val="lt1"/>
-    </dgm:fillClrLst>
-    <dgm:linClrLst meth="repeat">
-      <a:schemeClr val="accent1"/>
-    </dgm:linClrLst>
-    <dgm:effectClrLst/>
-    <dgm:txLinClrLst/>
-    <dgm:txFillClrLst meth="repeat">
-      <a:schemeClr val="dk1"/>
-    </dgm:txFillClrLst>
-    <dgm:txEffectClrLst/>
-  </dgm:styleLbl>
-  <dgm:styleLbl name="solidBgAcc1">
-    <dgm:fillClrLst meth="repeat">
-      <a:schemeClr val="lt1"/>
-    </dgm:fillClrLst>
-    <dgm:linClrLst meth="repeat">
-      <a:schemeClr val="accent1"/>
-    </dgm:linClrLst>
-    <dgm:effectClrLst/>
-    <dgm:txLinClrLst/>
-    <dgm:txFillClrLst meth="repeat">
-      <a:schemeClr val="dk1"/>
-    </dgm:txFillClrLst>
-    <dgm:txEffectClrLst/>
-  </dgm:styleLbl>
-  <dgm:styleLbl name="fgAccFollowNode1">
-    <dgm:fillClrLst meth="repeat">
-      <a:schemeClr val="lt1">
-        <a:alpha val="90000"/>
-        <a:tint val="40000"/>
-      </a:schemeClr>
-    </dgm:fillClrLst>
-    <dgm:linClrLst meth="repeat">
-      <a:schemeClr val="accent1">
-        <a:alpha val="90000"/>
-      </a:schemeClr>
-    </dgm:linClrLst>
-    <dgm:effectClrLst/>
-    <dgm:txLinClrLst/>
-    <dgm:txFillClrLst meth="repeat">
-      <a:schemeClr val="dk1"/>
-    </dgm:txFillClrLst>
-    <dgm:txEffectClrLst/>
-  </dgm:styleLbl>
-  <dgm:styleLbl name="alignAccFollowNode1">
-    <dgm:fillClrLst meth="repeat">
-      <a:schemeClr val="lt1">
-        <a:alpha val="90000"/>
-        <a:tint val="40000"/>
-      </a:schemeClr>
-    </dgm:fillClrLst>
-    <dgm:linClrLst meth="repeat">
-      <a:schemeClr val="accent1">
-        <a:alpha val="90000"/>
-      </a:schemeClr>
-    </dgm:linClrLst>
-    <dgm:effectClrLst/>
-    <dgm:txLinClrLst/>
-    <dgm:txFillClrLst meth="repeat">
-      <a:schemeClr val="dk1"/>
-    </dgm:txFillClrLst>
-    <dgm:txEffectClrLst/>
-  </dgm:styleLbl>
-  <dgm:styleLbl name="bgAccFollowNode1">
-    <dgm:fillClrLst meth="repeat">
-      <a:schemeClr val="lt1">
-        <a:alpha val="90000"/>
-        <a:tint val="40000"/>
-      </a:schemeClr>
-    </dgm:fillClrLst>
-    <dgm:linClrLst meth="repeat">
-      <a:schemeClr val="accent1">
-        <a:alpha val="90000"/>
-      </a:schemeClr>
-    </dgm:linClrLst>
-    <dgm:effectClrLst/>
-    <dgm:txLinClrLst/>
-    <dgm:txFillClrLst meth="repeat">
-      <a:schemeClr val="dk1"/>
-    </dgm:txFillClrLst>
-    <dgm:txEffectClrLst/>
-  </dgm:styleLbl>
-  <dgm:styleLbl name="fgAcc0">
-    <dgm:fillClrLst meth="repeat">
-      <a:schemeClr val="accent1">
-        <a:alpha val="90000"/>
-        <a:tint val="40000"/>
-      </a:schemeClr>
-    </dgm:fillClrLst>
-    <dgm:linClrLst meth="repeat">
-      <a:schemeClr val="accent1"/>
-    </dgm:linClrLst>
-    <dgm:effectClrLst/>
-    <dgm:txLinClrLst/>
-    <dgm:txFillClrLst meth="repeat">
-      <a:schemeClr val="dk1"/>
-    </dgm:txFillClrLst>
-    <dgm:txEffectClrLst/>
-  </dgm:styleLbl>
-  <dgm:styleLbl name="fgAcc2">
-    <dgm:fillClrLst meth="repeat">
-      <a:schemeClr val="accent1">
-        <a:alpha val="90000"/>
-        <a:tint val="40000"/>
-      </a:schemeClr>
-    </dgm:fillClrLst>
-    <dgm:linClrLst meth="repeat">
-      <a:schemeClr val="accent1"/>
-    </dgm:linClrLst>
-    <dgm:effectClrLst/>
-    <dgm:txLinClrLst/>
-    <dgm:txFillClrLst meth="repeat">
-      <a:schemeClr val="dk1"/>
-    </dgm:txFillClrLst>
-    <dgm:txEffectClrLst/>
-  </dgm:styleLbl>
-  <dgm:styleLbl name="fgAcc3">
-    <dgm:fillClrLst meth="repeat">
-      <a:schemeClr val="accent1">
-        <a:alpha val="90000"/>
-        <a:tint val="40000"/>
-      </a:schemeClr>
-    </dgm:fillClrLst>
-    <dgm:linClrLst meth="repeat">
-      <a:schemeClr val="accent1"/>
-    </dgm:linClrLst>
-    <dgm:effectClrLst/>
-    <dgm:txLinClrLst/>
-    <dgm:txFillClrLst meth="repeat">
-      <a:schemeClr val="dk1"/>
-    </dgm:txFillClrLst>
-    <dgm:txEffectClrLst/>
-  </dgm:styleLbl>
-  <dgm:styleLbl name="fgAcc4">
-    <dgm:fillClrLst meth="repeat">
-      <a:schemeClr val="accent1">
-        <a:alpha val="90000"/>
-        <a:tint val="40000"/>
-      </a:schemeClr>
-    </dgm:fillClrLst>
-    <dgm:linClrLst meth="repeat">
-      <a:schemeClr val="accent1"/>
-    </dgm:linClrLst>
-    <dgm:effectClrLst/>
-    <dgm:txLinClrLst/>
-    <dgm:txFillClrLst meth="repeat">
-      <a:schemeClr val="dk1"/>
-    </dgm:txFillClrLst>
-    <dgm:txEffectClrLst/>
-  </dgm:styleLbl>
-  <dgm:styleLbl name="bgShp">
-    <dgm:fillClrLst meth="repeat">
-      <a:schemeClr val="accent1">
-        <a:tint val="40000"/>
-      </a:schemeClr>
-    </dgm:fillClrLst>
-    <dgm:linClrLst meth="repeat">
-      <a:schemeClr val="accent1"/>
-    </dgm:linClrLst>
-    <dgm:effectClrLst/>
-    <dgm:txLinClrLst/>
-    <dgm:txFillClrLst meth="repeat">
-      <a:schemeClr val="dk1"/>
-    </dgm:txFillClrLst>
-    <dgm:txEffectClrLst/>
-  </dgm:styleLbl>
-  <dgm:styleLbl name="dkBgShp">
-    <dgm:fillClrLst meth="repeat">
-      <a:schemeClr val="accent1">
-        <a:shade val="80000"/>
-      </a:schemeClr>
-    </dgm:fillClrLst>
-    <dgm:linClrLst meth="repeat">
-      <a:schemeClr val="accent1"/>
-    </dgm:linClrLst>
-    <dgm:effectClrLst/>
-    <dgm:txLinClrLst/>
-    <dgm:txFillClrLst meth="repeat">
-      <a:schemeClr val="lt1"/>
-    </dgm:txFillClrLst>
-    <dgm:txEffectClrLst/>
-  </dgm:styleLbl>
-  <dgm:styleLbl name="trBgShp">
-    <dgm:fillClrLst meth="repeat">
-      <a:schemeClr val="accent1">
-        <a:tint val="50000"/>
-        <a:alpha val="40000"/>
-      </a:schemeClr>
-    </dgm:fillClrLst>
-    <dgm:linClrLst meth="repeat">
-      <a:schemeClr val="accent1"/>
-    </dgm:linClrLst>
-    <dgm:effectClrLst/>
-    <dgm:txLinClrLst/>
-    <dgm:txFillClrLst meth="repeat">
-      <a:schemeClr val="lt1"/>
-    </dgm:txFillClrLst>
-    <dgm:txEffectClrLst/>
-  </dgm:styleLbl>
-  <dgm:styleLbl name="fgShp">
-    <dgm:fillClrLst meth="repeat">
-      <a:schemeClr val="accent1">
-        <a:tint val="60000"/>
-      </a:schemeClr>
-    </dgm:fillClrLst>
-    <dgm:linClrLst meth="repeat">
-      <a:schemeClr val="lt1"/>
-    </dgm:linClrLst>
-    <dgm:effectClrLst/>
-    <dgm:txLinClrLst/>
-    <dgm:txFillClrLst meth="repeat">
-      <a:schemeClr val="dk1"/>
-    </dgm:txFillClrLst>
-    <dgm:txEffectClrLst/>
-  </dgm:styleLbl>
-  <dgm:styleLbl name="revTx">
-    <dgm:fillClrLst meth="repeat">
-      <a:schemeClr val="lt1">
-        <a:alpha val="0"/>
-      </a:schemeClr>
-    </dgm:fillClrLst>
-    <dgm:linClrLst meth="repeat">
-      <a:schemeClr val="dk1">
-        <a:alpha val="0"/>
-      </a:schemeClr>
-    </dgm:linClrLst>
-    <dgm:effectClrLst/>
-    <dgm:txLinClrLst/>
-    <dgm:txFillClrLst meth="repeat">
-      <a:schemeClr val="tx1"/>
-    </dgm:txFillClrLst>
-    <dgm:txEffectClrLst/>
-  </dgm:styleLbl>
-</dgm:colorsDef>
-</file>
-
-<file path=ppt/diagrams/data1.xml><?xml version="1.0" encoding="utf-8"?>
-<dgm:dataModel xmlns:dgm="http://schemas.openxmlformats.org/drawingml/2006/diagram" xmlns:a="http://schemas.openxmlformats.org/drawingml/2006/main">
-  <dgm:ptLst>
-    <dgm:pt modelId="{FBA29113-7A70-4E0E-B036-871C49B835F1}" type="doc">
-      <dgm:prSet loTypeId="urn:microsoft.com/office/officeart/2005/8/layout/hProcess6" loCatId="process" qsTypeId="urn:microsoft.com/office/officeart/2005/8/quickstyle/simple1" qsCatId="simple" csTypeId="urn:microsoft.com/office/officeart/2005/8/colors/accent1_1" csCatId="accent1" phldr="1"/>
-      <dgm:spPr/>
-      <dgm:t>
-        <a:bodyPr rtlCol="0"/>
-        <a:lstStyle/>
-        <a:p>
-          <a:pPr rtl="0"/>
-          <a:endParaRPr lang="en-US"/>
-        </a:p>
-      </dgm:t>
-    </dgm:pt>
-    <dgm:pt modelId="{A6406C01-7E83-4650-8EF5-394419DCB348}">
-      <dgm:prSet phldrT="[Text]"/>
-      <dgm:spPr/>
-      <dgm:t>
-        <a:bodyPr rtlCol="0"/>
-        <a:lstStyle/>
-        <a:p>
-          <a:pPr rtl="0"/>
-          <a:r>
-            <a:rPr lang="uk-UA" noProof="0" dirty="0"/>
-            <a:t>Назва кроку 1</a:t>
-          </a:r>
-        </a:p>
-      </dgm:t>
-      <dgm:extLst>
-        <a:ext uri="{E40237B7-FDA0-4F09-8148-C483321AD2D9}">
-          <dgm14:cNvPr xmlns:dgm14="http://schemas.microsoft.com/office/drawing/2010/diagram" id="0" name="" title="Step 1 title"/>
-        </a:ext>
-      </dgm:extLst>
-    </dgm:pt>
-    <dgm:pt modelId="{2586B3BB-DA8B-42DF-AC9A-77CE21607FD0}" type="parTrans" cxnId="{4D956F8D-5727-488A-93AF-F33602655A44}">
-      <dgm:prSet/>
-      <dgm:spPr/>
-      <dgm:t>
-        <a:bodyPr rtlCol="0"/>
-        <a:lstStyle/>
-        <a:p>
-          <a:pPr rtl="0"/>
-          <a:endParaRPr lang="uk-UA" noProof="0" dirty="0"/>
-        </a:p>
-      </dgm:t>
-    </dgm:pt>
-    <dgm:pt modelId="{7C5B61F0-A4F6-4FCA-B552-36151F31051E}" type="sibTrans" cxnId="{4D956F8D-5727-488A-93AF-F33602655A44}">
-      <dgm:prSet/>
-      <dgm:spPr/>
-      <dgm:t>
-        <a:bodyPr rtlCol="0"/>
-        <a:lstStyle/>
-        <a:p>
-          <a:pPr rtl="0"/>
-          <a:endParaRPr lang="uk-UA" noProof="0" dirty="0"/>
-        </a:p>
-      </dgm:t>
-    </dgm:pt>
-    <dgm:pt modelId="{E4E9F0D0-FF23-4B59-9B97-973BCBE5DC65}">
-      <dgm:prSet phldrT="[Text]"/>
-      <dgm:spPr/>
-      <dgm:t>
-        <a:bodyPr rtlCol="0"/>
-        <a:lstStyle/>
-        <a:p>
-          <a:pPr rtl="0"/>
-          <a:r>
-            <a:rPr lang="uk-UA" noProof="0" dirty="0"/>
-            <a:t>Опис завдання</a:t>
-          </a:r>
-        </a:p>
-      </dgm:t>
-      <dgm:extLst>
-        <a:ext uri="{E40237B7-FDA0-4F09-8148-C483321AD2D9}">
-          <dgm14:cNvPr xmlns:dgm14="http://schemas.microsoft.com/office/drawing/2010/diagram" id="0" name="" title="Step 1 - task description"/>
-        </a:ext>
-      </dgm:extLst>
-    </dgm:pt>
-    <dgm:pt modelId="{E9237435-F938-45D4-8BF4-6D5D4DFF850F}" type="parTrans" cxnId="{37A3A996-9723-4BDB-8959-9D9B7799BD9A}">
-      <dgm:prSet/>
-      <dgm:spPr/>
-      <dgm:t>
-        <a:bodyPr rtlCol="0"/>
-        <a:lstStyle/>
-        <a:p>
-          <a:pPr rtl="0"/>
-          <a:endParaRPr lang="uk-UA" noProof="0" dirty="0"/>
-        </a:p>
-      </dgm:t>
-    </dgm:pt>
-    <dgm:pt modelId="{D32B195A-7CAD-474B-B79C-BE4BB171E742}" type="sibTrans" cxnId="{37A3A996-9723-4BDB-8959-9D9B7799BD9A}">
-      <dgm:prSet/>
-      <dgm:spPr/>
-      <dgm:t>
-        <a:bodyPr rtlCol="0"/>
-        <a:lstStyle/>
-        <a:p>
-          <a:pPr rtl="0"/>
-          <a:endParaRPr lang="uk-UA" noProof="0" dirty="0"/>
-        </a:p>
-      </dgm:t>
-    </dgm:pt>
-    <dgm:pt modelId="{5D952622-A79E-41E4-BBC2-6212DEFFA91C}">
-      <dgm:prSet phldrT="[Text]"/>
-      <dgm:spPr/>
-      <dgm:t>
-        <a:bodyPr rtlCol="0"/>
-        <a:lstStyle/>
-        <a:p>
-          <a:pPr rtl="0"/>
-          <a:r>
-            <a:rPr lang="uk-UA" noProof="0" dirty="0"/>
-            <a:t>Назва кроку 2</a:t>
-          </a:r>
-        </a:p>
-      </dgm:t>
-      <dgm:extLst>
-        <a:ext uri="{E40237B7-FDA0-4F09-8148-C483321AD2D9}">
-          <dgm14:cNvPr xmlns:dgm14="http://schemas.microsoft.com/office/drawing/2010/diagram" id="0" name="" title="Step 2 title"/>
-        </a:ext>
-      </dgm:extLst>
-    </dgm:pt>
-    <dgm:pt modelId="{10627A68-BE4B-4A4A-9EC9-4CFEF1E4DF39}" type="parTrans" cxnId="{A22BDB9A-90BB-4DA2-8850-00D4F1D3B898}">
-      <dgm:prSet/>
-      <dgm:spPr/>
-      <dgm:t>
-        <a:bodyPr rtlCol="0"/>
-        <a:lstStyle/>
-        <a:p>
-          <a:pPr rtl="0"/>
-          <a:endParaRPr lang="uk-UA" noProof="0" dirty="0"/>
-        </a:p>
-      </dgm:t>
-    </dgm:pt>
-    <dgm:pt modelId="{092BAEF3-D9F2-476B-9A0B-6F14CC814529}" type="sibTrans" cxnId="{A22BDB9A-90BB-4DA2-8850-00D4F1D3B898}">
-      <dgm:prSet/>
-      <dgm:spPr/>
-      <dgm:t>
-        <a:bodyPr rtlCol="0"/>
-        <a:lstStyle/>
-        <a:p>
-          <a:pPr rtl="0"/>
-          <a:endParaRPr lang="uk-UA" noProof="0" dirty="0"/>
-        </a:p>
-      </dgm:t>
-    </dgm:pt>
-    <dgm:pt modelId="{5248D9DA-6444-46F6-8D28-C8BB2253AAD1}">
-      <dgm:prSet phldrT="[Text]"/>
-      <dgm:spPr/>
-      <dgm:t>
-        <a:bodyPr rtlCol="0"/>
-        <a:lstStyle/>
-        <a:p>
-          <a:pPr rtl="0"/>
-          <a:r>
-            <a:rPr lang="uk-UA" noProof="0" dirty="0"/>
-            <a:t>Опис завдання</a:t>
-          </a:r>
-        </a:p>
-      </dgm:t>
-      <dgm:extLst>
-        <a:ext uri="{E40237B7-FDA0-4F09-8148-C483321AD2D9}">
-          <dgm14:cNvPr xmlns:dgm14="http://schemas.microsoft.com/office/drawing/2010/diagram" id="0" name="" title="Step 2 - task description"/>
-        </a:ext>
-      </dgm:extLst>
-    </dgm:pt>
-    <dgm:pt modelId="{A8533F77-F094-4EDB-BCC7-35E0D6A46B71}" type="parTrans" cxnId="{35AF286C-A401-4C08-B8A3-F38B03322BD8}">
-      <dgm:prSet/>
-      <dgm:spPr/>
-      <dgm:t>
-        <a:bodyPr rtlCol="0"/>
-        <a:lstStyle/>
-        <a:p>
-          <a:pPr rtl="0"/>
-          <a:endParaRPr lang="uk-UA" noProof="0" dirty="0"/>
-        </a:p>
-      </dgm:t>
-    </dgm:pt>
-    <dgm:pt modelId="{011B552E-515A-4C41-B810-0D2552861422}" type="sibTrans" cxnId="{35AF286C-A401-4C08-B8A3-F38B03322BD8}">
-      <dgm:prSet/>
-      <dgm:spPr/>
-      <dgm:t>
-        <a:bodyPr rtlCol="0"/>
-        <a:lstStyle/>
-        <a:p>
-          <a:pPr rtl="0"/>
-          <a:endParaRPr lang="uk-UA" noProof="0" dirty="0"/>
-        </a:p>
-      </dgm:t>
-    </dgm:pt>
-    <dgm:pt modelId="{50706FFE-8A00-485D-9FF7-8D310692C602}">
-      <dgm:prSet phldrT="[Text]"/>
-      <dgm:spPr/>
-      <dgm:t>
-        <a:bodyPr rtlCol="0"/>
-        <a:lstStyle/>
-        <a:p>
-          <a:pPr rtl="0"/>
-          <a:r>
-            <a:rPr lang="uk-UA" noProof="0" dirty="0"/>
-            <a:t>Назва кроку 3</a:t>
-          </a:r>
-        </a:p>
-      </dgm:t>
-      <dgm:extLst>
-        <a:ext uri="{E40237B7-FDA0-4F09-8148-C483321AD2D9}">
-          <dgm14:cNvPr xmlns:dgm14="http://schemas.microsoft.com/office/drawing/2010/diagram" id="0" name="" title="Step 3 title"/>
-        </a:ext>
-      </dgm:extLst>
-    </dgm:pt>
-    <dgm:pt modelId="{EF44BD91-19A4-424B-BA32-4A5492B6E40B}" type="parTrans" cxnId="{7599CECE-5293-4C57-A979-D096C99254C7}">
-      <dgm:prSet/>
-      <dgm:spPr/>
-      <dgm:t>
-        <a:bodyPr rtlCol="0"/>
-        <a:lstStyle/>
-        <a:p>
-          <a:pPr rtl="0"/>
-          <a:endParaRPr lang="uk-UA" noProof="0" dirty="0"/>
-        </a:p>
-      </dgm:t>
-    </dgm:pt>
-    <dgm:pt modelId="{CD03DFF4-D962-46D6-AFFA-2A87FD08403E}" type="sibTrans" cxnId="{7599CECE-5293-4C57-A979-D096C99254C7}">
-      <dgm:prSet/>
-      <dgm:spPr/>
-      <dgm:t>
-        <a:bodyPr rtlCol="0"/>
-        <a:lstStyle/>
-        <a:p>
-          <a:pPr rtl="0"/>
-          <a:endParaRPr lang="uk-UA" noProof="0" dirty="0"/>
-        </a:p>
-      </dgm:t>
-    </dgm:pt>
-    <dgm:pt modelId="{3A9B5D84-CB00-4BC9-ADB2-5CF832F36763}">
-      <dgm:prSet phldrT="[Text]"/>
-      <dgm:spPr/>
-      <dgm:t>
-        <a:bodyPr rtlCol="0"/>
-        <a:lstStyle/>
-        <a:p>
-          <a:pPr rtl="0"/>
-          <a:r>
-            <a:rPr lang="uk-UA" noProof="0" dirty="0"/>
-            <a:t>Опис завдання</a:t>
-          </a:r>
-        </a:p>
-      </dgm:t>
-      <dgm:extLst>
-        <a:ext uri="{E40237B7-FDA0-4F09-8148-C483321AD2D9}">
-          <dgm14:cNvPr xmlns:dgm14="http://schemas.microsoft.com/office/drawing/2010/diagram" id="0" name="" title="Step 3 - task description"/>
-        </a:ext>
-      </dgm:extLst>
-    </dgm:pt>
-    <dgm:pt modelId="{BD57EC4A-052D-4824-8820-064BAC997A9B}" type="parTrans" cxnId="{11A0AF47-4BCA-470E-92BF-7B388FFB0DE8}">
-      <dgm:prSet/>
-      <dgm:spPr/>
-      <dgm:t>
-        <a:bodyPr rtlCol="0"/>
-        <a:lstStyle/>
-        <a:p>
-          <a:pPr rtl="0"/>
-          <a:endParaRPr lang="uk-UA" noProof="0" dirty="0"/>
-        </a:p>
-      </dgm:t>
-    </dgm:pt>
-    <dgm:pt modelId="{98E878CF-4A49-4E76-BD23-AE7C5290BAFD}" type="sibTrans" cxnId="{11A0AF47-4BCA-470E-92BF-7B388FFB0DE8}">
-      <dgm:prSet/>
-      <dgm:spPr/>
-      <dgm:t>
-        <a:bodyPr rtlCol="0"/>
-        <a:lstStyle/>
-        <a:p>
-          <a:pPr rtl="0"/>
-          <a:endParaRPr lang="uk-UA" noProof="0" dirty="0"/>
-        </a:p>
-      </dgm:t>
-    </dgm:pt>
-    <dgm:pt modelId="{8734DFB3-ADD8-4FD2-87D8-1981AA0ADD0B}" type="pres">
-      <dgm:prSet presAssocID="{FBA29113-7A70-4E0E-B036-871C49B835F1}" presName="theList" presStyleCnt="0">
-        <dgm:presLayoutVars>
-          <dgm:dir/>
-          <dgm:animLvl val="lvl"/>
-          <dgm:resizeHandles val="exact"/>
-        </dgm:presLayoutVars>
-      </dgm:prSet>
-      <dgm:spPr/>
-    </dgm:pt>
-    <dgm:pt modelId="{5C04AEFB-7132-4B28-A7D3-862245070A8D}" type="pres">
-      <dgm:prSet presAssocID="{A6406C01-7E83-4650-8EF5-394419DCB348}" presName="compNode" presStyleCnt="0"/>
-      <dgm:spPr/>
-    </dgm:pt>
-    <dgm:pt modelId="{358F74AC-FC7D-465B-BD12-B6CCC00F3D29}" type="pres">
-      <dgm:prSet presAssocID="{A6406C01-7E83-4650-8EF5-394419DCB348}" presName="noGeometry" presStyleCnt="0"/>
-      <dgm:spPr/>
-    </dgm:pt>
-    <dgm:pt modelId="{610B5FFC-C0C9-444C-9F7A-14D1B54F604D}" type="pres">
-      <dgm:prSet presAssocID="{A6406C01-7E83-4650-8EF5-394419DCB348}" presName="childTextVisible" presStyleLbl="bgAccFollowNode1" presStyleIdx="0" presStyleCnt="3">
-        <dgm:presLayoutVars>
-          <dgm:bulletEnabled val="1"/>
-        </dgm:presLayoutVars>
-      </dgm:prSet>
-      <dgm:spPr/>
-    </dgm:pt>
-    <dgm:pt modelId="{FB705FC1-639E-4064-8E9A-A79870DE5273}" type="pres">
-      <dgm:prSet presAssocID="{A6406C01-7E83-4650-8EF5-394419DCB348}" presName="childTextHidden" presStyleLbl="bgAccFollowNode1" presStyleIdx="0" presStyleCnt="3"/>
-      <dgm:spPr/>
-    </dgm:pt>
-    <dgm:pt modelId="{47DA5750-48DC-4E4F-815D-0B05DBC30DAB}" type="pres">
-      <dgm:prSet presAssocID="{A6406C01-7E83-4650-8EF5-394419DCB348}" presName="parentText" presStyleLbl="node1" presStyleIdx="0" presStyleCnt="3">
-        <dgm:presLayoutVars>
-          <dgm:chMax val="1"/>
-          <dgm:bulletEnabled val="1"/>
-        </dgm:presLayoutVars>
-      </dgm:prSet>
-      <dgm:spPr/>
-    </dgm:pt>
-    <dgm:pt modelId="{6319C676-A7DE-4777-9BB4-3B6D30ED3F5C}" type="pres">
-      <dgm:prSet presAssocID="{A6406C01-7E83-4650-8EF5-394419DCB348}" presName="aSpace" presStyleCnt="0"/>
-      <dgm:spPr/>
-    </dgm:pt>
-    <dgm:pt modelId="{CA708D38-D093-4C16-A955-CF2CAC7F0A99}" type="pres">
-      <dgm:prSet presAssocID="{5D952622-A79E-41E4-BBC2-6212DEFFA91C}" presName="compNode" presStyleCnt="0"/>
-      <dgm:spPr/>
-    </dgm:pt>
-    <dgm:pt modelId="{6F3066E9-E96F-489D-8A4B-6D55FBE389F2}" type="pres">
-      <dgm:prSet presAssocID="{5D952622-A79E-41E4-BBC2-6212DEFFA91C}" presName="noGeometry" presStyleCnt="0"/>
-      <dgm:spPr/>
-    </dgm:pt>
-    <dgm:pt modelId="{00D2DC2C-7CA2-4A4B-B66D-3DDCAB7DC8E9}" type="pres">
-      <dgm:prSet presAssocID="{5D952622-A79E-41E4-BBC2-6212DEFFA91C}" presName="childTextVisible" presStyleLbl="bgAccFollowNode1" presStyleIdx="1" presStyleCnt="3">
-        <dgm:presLayoutVars>
-          <dgm:bulletEnabled val="1"/>
-        </dgm:presLayoutVars>
-      </dgm:prSet>
-      <dgm:spPr/>
-    </dgm:pt>
-    <dgm:pt modelId="{072FB640-0A28-40E8-9C0C-86BAF45C6EF0}" type="pres">
-      <dgm:prSet presAssocID="{5D952622-A79E-41E4-BBC2-6212DEFFA91C}" presName="childTextHidden" presStyleLbl="bgAccFollowNode1" presStyleIdx="1" presStyleCnt="3"/>
-      <dgm:spPr/>
-    </dgm:pt>
-    <dgm:pt modelId="{EE8733A1-7662-4D0A-B39E-2218596CC81C}" type="pres">
-      <dgm:prSet presAssocID="{5D952622-A79E-41E4-BBC2-6212DEFFA91C}" presName="parentText" presStyleLbl="node1" presStyleIdx="1" presStyleCnt="3">
-        <dgm:presLayoutVars>
-          <dgm:chMax val="1"/>
-          <dgm:bulletEnabled val="1"/>
-        </dgm:presLayoutVars>
-      </dgm:prSet>
-      <dgm:spPr/>
-    </dgm:pt>
-    <dgm:pt modelId="{E0D7C734-E391-436F-996C-E60442F50A17}" type="pres">
-      <dgm:prSet presAssocID="{5D952622-A79E-41E4-BBC2-6212DEFFA91C}" presName="aSpace" presStyleCnt="0"/>
-      <dgm:spPr/>
-    </dgm:pt>
-    <dgm:pt modelId="{E8F3A685-8F9F-4BAC-8C8B-A1DE5AA41F3A}" type="pres">
-      <dgm:prSet presAssocID="{50706FFE-8A00-485D-9FF7-8D310692C602}" presName="compNode" presStyleCnt="0"/>
-      <dgm:spPr/>
-    </dgm:pt>
-    <dgm:pt modelId="{84BFA617-6CAF-4DA9-A086-82BCA61093BE}" type="pres">
-      <dgm:prSet presAssocID="{50706FFE-8A00-485D-9FF7-8D310692C602}" presName="noGeometry" presStyleCnt="0"/>
-      <dgm:spPr/>
-    </dgm:pt>
-    <dgm:pt modelId="{4BF699B1-BE15-42D1-9784-AA33CF29870E}" type="pres">
-      <dgm:prSet presAssocID="{50706FFE-8A00-485D-9FF7-8D310692C602}" presName="childTextVisible" presStyleLbl="bgAccFollowNode1" presStyleIdx="2" presStyleCnt="3">
-        <dgm:presLayoutVars>
-          <dgm:bulletEnabled val="1"/>
-        </dgm:presLayoutVars>
-      </dgm:prSet>
-      <dgm:spPr/>
-    </dgm:pt>
-    <dgm:pt modelId="{F0925EF4-86E2-4748-BA70-94AAF55AB064}" type="pres">
-      <dgm:prSet presAssocID="{50706FFE-8A00-485D-9FF7-8D310692C602}" presName="childTextHidden" presStyleLbl="bgAccFollowNode1" presStyleIdx="2" presStyleCnt="3"/>
-      <dgm:spPr/>
-    </dgm:pt>
-    <dgm:pt modelId="{78E9A4E4-18A9-4B73-8007-A63A71C71937}" type="pres">
-      <dgm:prSet presAssocID="{50706FFE-8A00-485D-9FF7-8D310692C602}" presName="parentText" presStyleLbl="node1" presStyleIdx="2" presStyleCnt="3">
-        <dgm:presLayoutVars>
-          <dgm:chMax val="1"/>
-          <dgm:bulletEnabled val="1"/>
-        </dgm:presLayoutVars>
-      </dgm:prSet>
-      <dgm:spPr/>
-    </dgm:pt>
-  </dgm:ptLst>
-  <dgm:cxnLst>
-    <dgm:cxn modelId="{99E34304-5770-4691-A3EE-6A7C8B9ACD53}" type="presOf" srcId="{E4E9F0D0-FF23-4B59-9B97-973BCBE5DC65}" destId="{610B5FFC-C0C9-444C-9F7A-14D1B54F604D}" srcOrd="0" destOrd="0" presId="urn:microsoft.com/office/officeart/2005/8/layout/hProcess6"/>
-    <dgm:cxn modelId="{81ACEA16-295B-4802-A889-1DC375F525AB}" type="presOf" srcId="{A6406C01-7E83-4650-8EF5-394419DCB348}" destId="{47DA5750-48DC-4E4F-815D-0B05DBC30DAB}" srcOrd="0" destOrd="0" presId="urn:microsoft.com/office/officeart/2005/8/layout/hProcess6"/>
-    <dgm:cxn modelId="{130B0544-2388-4104-A721-8D29E7C77420}" type="presOf" srcId="{5D952622-A79E-41E4-BBC2-6212DEFFA91C}" destId="{EE8733A1-7662-4D0A-B39E-2218596CC81C}" srcOrd="0" destOrd="0" presId="urn:microsoft.com/office/officeart/2005/8/layout/hProcess6"/>
-    <dgm:cxn modelId="{31498E67-CEA0-4571-B7AB-26A2113144F6}" type="presOf" srcId="{FBA29113-7A70-4E0E-B036-871C49B835F1}" destId="{8734DFB3-ADD8-4FD2-87D8-1981AA0ADD0B}" srcOrd="0" destOrd="0" presId="urn:microsoft.com/office/officeart/2005/8/layout/hProcess6"/>
-    <dgm:cxn modelId="{11A0AF47-4BCA-470E-92BF-7B388FFB0DE8}" srcId="{50706FFE-8A00-485D-9FF7-8D310692C602}" destId="{3A9B5D84-CB00-4BC9-ADB2-5CF832F36763}" srcOrd="0" destOrd="0" parTransId="{BD57EC4A-052D-4824-8820-064BAC997A9B}" sibTransId="{98E878CF-4A49-4E76-BD23-AE7C5290BAFD}"/>
-    <dgm:cxn modelId="{019AA969-1A2B-48C0-B7C9-005E817BC2CB}" type="presOf" srcId="{E4E9F0D0-FF23-4B59-9B97-973BCBE5DC65}" destId="{FB705FC1-639E-4064-8E9A-A79870DE5273}" srcOrd="1" destOrd="0" presId="urn:microsoft.com/office/officeart/2005/8/layout/hProcess6"/>
-    <dgm:cxn modelId="{35AF286C-A401-4C08-B8A3-F38B03322BD8}" srcId="{5D952622-A79E-41E4-BBC2-6212DEFFA91C}" destId="{5248D9DA-6444-46F6-8D28-C8BB2253AAD1}" srcOrd="0" destOrd="0" parTransId="{A8533F77-F094-4EDB-BCC7-35E0D6A46B71}" sibTransId="{011B552E-515A-4C41-B810-0D2552861422}"/>
-    <dgm:cxn modelId="{F36BB86E-E9BB-4DBF-9DFE-F8050046ED1F}" type="presOf" srcId="{3A9B5D84-CB00-4BC9-ADB2-5CF832F36763}" destId="{4BF699B1-BE15-42D1-9784-AA33CF29870E}" srcOrd="0" destOrd="0" presId="urn:microsoft.com/office/officeart/2005/8/layout/hProcess6"/>
-    <dgm:cxn modelId="{BA539253-48E3-447C-8770-C31D10399C4A}" type="presOf" srcId="{50706FFE-8A00-485D-9FF7-8D310692C602}" destId="{78E9A4E4-18A9-4B73-8007-A63A71C71937}" srcOrd="0" destOrd="0" presId="urn:microsoft.com/office/officeart/2005/8/layout/hProcess6"/>
-    <dgm:cxn modelId="{D2E26D7D-A939-4166-987B-3E9E5A080266}" type="presOf" srcId="{3A9B5D84-CB00-4BC9-ADB2-5CF832F36763}" destId="{F0925EF4-86E2-4748-BA70-94AAF55AB064}" srcOrd="1" destOrd="0" presId="urn:microsoft.com/office/officeart/2005/8/layout/hProcess6"/>
-    <dgm:cxn modelId="{4D956F8D-5727-488A-93AF-F33602655A44}" srcId="{FBA29113-7A70-4E0E-B036-871C49B835F1}" destId="{A6406C01-7E83-4650-8EF5-394419DCB348}" srcOrd="0" destOrd="0" parTransId="{2586B3BB-DA8B-42DF-AC9A-77CE21607FD0}" sibTransId="{7C5B61F0-A4F6-4FCA-B552-36151F31051E}"/>
-    <dgm:cxn modelId="{37A3A996-9723-4BDB-8959-9D9B7799BD9A}" srcId="{A6406C01-7E83-4650-8EF5-394419DCB348}" destId="{E4E9F0D0-FF23-4B59-9B97-973BCBE5DC65}" srcOrd="0" destOrd="0" parTransId="{E9237435-F938-45D4-8BF4-6D5D4DFF850F}" sibTransId="{D32B195A-7CAD-474B-B79C-BE4BB171E742}"/>
-    <dgm:cxn modelId="{E23D729A-C2FC-40CD-8A08-F5EBB66CF80B}" type="presOf" srcId="{5248D9DA-6444-46F6-8D28-C8BB2253AAD1}" destId="{072FB640-0A28-40E8-9C0C-86BAF45C6EF0}" srcOrd="1" destOrd="0" presId="urn:microsoft.com/office/officeart/2005/8/layout/hProcess6"/>
-    <dgm:cxn modelId="{A22BDB9A-90BB-4DA2-8850-00D4F1D3B898}" srcId="{FBA29113-7A70-4E0E-B036-871C49B835F1}" destId="{5D952622-A79E-41E4-BBC2-6212DEFFA91C}" srcOrd="1" destOrd="0" parTransId="{10627A68-BE4B-4A4A-9EC9-4CFEF1E4DF39}" sibTransId="{092BAEF3-D9F2-476B-9A0B-6F14CC814529}"/>
-    <dgm:cxn modelId="{AE4FA1B2-1FFD-4999-BFB4-0E2A9E4BEBBB}" type="presOf" srcId="{5248D9DA-6444-46F6-8D28-C8BB2253AAD1}" destId="{00D2DC2C-7CA2-4A4B-B66D-3DDCAB7DC8E9}" srcOrd="0" destOrd="0" presId="urn:microsoft.com/office/officeart/2005/8/layout/hProcess6"/>
-    <dgm:cxn modelId="{7599CECE-5293-4C57-A979-D096C99254C7}" srcId="{FBA29113-7A70-4E0E-B036-871C49B835F1}" destId="{50706FFE-8A00-485D-9FF7-8D310692C602}" srcOrd="2" destOrd="0" parTransId="{EF44BD91-19A4-424B-BA32-4A5492B6E40B}" sibTransId="{CD03DFF4-D962-46D6-AFFA-2A87FD08403E}"/>
-    <dgm:cxn modelId="{FF0D50D3-9477-4407-8F44-B60B9728DED7}" type="presParOf" srcId="{8734DFB3-ADD8-4FD2-87D8-1981AA0ADD0B}" destId="{5C04AEFB-7132-4B28-A7D3-862245070A8D}" srcOrd="0" destOrd="0" presId="urn:microsoft.com/office/officeart/2005/8/layout/hProcess6"/>
-    <dgm:cxn modelId="{126CE751-65CF-4E60-902C-2D0B01478834}" type="presParOf" srcId="{5C04AEFB-7132-4B28-A7D3-862245070A8D}" destId="{358F74AC-FC7D-465B-BD12-B6CCC00F3D29}" srcOrd="0" destOrd="0" presId="urn:microsoft.com/office/officeart/2005/8/layout/hProcess6"/>
-    <dgm:cxn modelId="{C6915109-771C-43AE-A4C7-A411D8E5978F}" type="presParOf" srcId="{5C04AEFB-7132-4B28-A7D3-862245070A8D}" destId="{610B5FFC-C0C9-444C-9F7A-14D1B54F604D}" srcOrd="1" destOrd="0" presId="urn:microsoft.com/office/officeart/2005/8/layout/hProcess6"/>
-    <dgm:cxn modelId="{954FE73F-9595-47D0-9AB9-6EB7EDC39F8E}" type="presParOf" srcId="{5C04AEFB-7132-4B28-A7D3-862245070A8D}" destId="{FB705FC1-639E-4064-8E9A-A79870DE5273}" srcOrd="2" destOrd="0" presId="urn:microsoft.com/office/officeart/2005/8/layout/hProcess6"/>
-    <dgm:cxn modelId="{362B7B1C-776A-481A-B10E-B2136C044DB5}" type="presParOf" srcId="{5C04AEFB-7132-4B28-A7D3-862245070A8D}" destId="{47DA5750-48DC-4E4F-815D-0B05DBC30DAB}" srcOrd="3" destOrd="0" presId="urn:microsoft.com/office/officeart/2005/8/layout/hProcess6"/>
-    <dgm:cxn modelId="{AB361918-49A4-4458-A6B4-A38162139DB4}" type="presParOf" srcId="{8734DFB3-ADD8-4FD2-87D8-1981AA0ADD0B}" destId="{6319C676-A7DE-4777-9BB4-3B6D30ED3F5C}" srcOrd="1" destOrd="0" presId="urn:microsoft.com/office/officeart/2005/8/layout/hProcess6"/>
-    <dgm:cxn modelId="{3E32ED31-FAFA-41FB-A502-0C9269827B55}" type="presParOf" srcId="{8734DFB3-ADD8-4FD2-87D8-1981AA0ADD0B}" destId="{CA708D38-D093-4C16-A955-CF2CAC7F0A99}" srcOrd="2" destOrd="0" presId="urn:microsoft.com/office/officeart/2005/8/layout/hProcess6"/>
-    <dgm:cxn modelId="{38B5F8BF-C6A8-4D51-8681-B847070CD1C0}" type="presParOf" srcId="{CA708D38-D093-4C16-A955-CF2CAC7F0A99}" destId="{6F3066E9-E96F-489D-8A4B-6D55FBE389F2}" srcOrd="0" destOrd="0" presId="urn:microsoft.com/office/officeart/2005/8/layout/hProcess6"/>
-    <dgm:cxn modelId="{B873A9F4-217E-473A-8D65-14527890AC34}" type="presParOf" srcId="{CA708D38-D093-4C16-A955-CF2CAC7F0A99}" destId="{00D2DC2C-7CA2-4A4B-B66D-3DDCAB7DC8E9}" srcOrd="1" destOrd="0" presId="urn:microsoft.com/office/officeart/2005/8/layout/hProcess6"/>
-    <dgm:cxn modelId="{F573A08D-1388-4362-9D10-155655876363}" type="presParOf" srcId="{CA708D38-D093-4C16-A955-CF2CAC7F0A99}" destId="{072FB640-0A28-40E8-9C0C-86BAF45C6EF0}" srcOrd="2" destOrd="0" presId="urn:microsoft.com/office/officeart/2005/8/layout/hProcess6"/>
-    <dgm:cxn modelId="{7ADF5CCF-F26A-45B5-9692-98B07AFD46A1}" type="presParOf" srcId="{CA708D38-D093-4C16-A955-CF2CAC7F0A99}" destId="{EE8733A1-7662-4D0A-B39E-2218596CC81C}" srcOrd="3" destOrd="0" presId="urn:microsoft.com/office/officeart/2005/8/layout/hProcess6"/>
-    <dgm:cxn modelId="{985C18C8-95A3-4479-821C-610A2BAFFFF3}" type="presParOf" srcId="{8734DFB3-ADD8-4FD2-87D8-1981AA0ADD0B}" destId="{E0D7C734-E391-436F-996C-E60442F50A17}" srcOrd="3" destOrd="0" presId="urn:microsoft.com/office/officeart/2005/8/layout/hProcess6"/>
-    <dgm:cxn modelId="{951CD7FA-A9B4-463F-BD0D-452C521FF523}" type="presParOf" srcId="{8734DFB3-ADD8-4FD2-87D8-1981AA0ADD0B}" destId="{E8F3A685-8F9F-4BAC-8C8B-A1DE5AA41F3A}" srcOrd="4" destOrd="0" presId="urn:microsoft.com/office/officeart/2005/8/layout/hProcess6"/>
-    <dgm:cxn modelId="{E08D8862-B273-4AA6-9A90-754366CE4945}" type="presParOf" srcId="{E8F3A685-8F9F-4BAC-8C8B-A1DE5AA41F3A}" destId="{84BFA617-6CAF-4DA9-A086-82BCA61093BE}" srcOrd="0" destOrd="0" presId="urn:microsoft.com/office/officeart/2005/8/layout/hProcess6"/>
-    <dgm:cxn modelId="{69392B4C-2A7B-41A4-A48C-35E312A6434A}" type="presParOf" srcId="{E8F3A685-8F9F-4BAC-8C8B-A1DE5AA41F3A}" destId="{4BF699B1-BE15-42D1-9784-AA33CF29870E}" srcOrd="1" destOrd="0" presId="urn:microsoft.com/office/officeart/2005/8/layout/hProcess6"/>
-    <dgm:cxn modelId="{29F5DEAB-A9C8-47F8-A089-1585C323795A}" type="presParOf" srcId="{E8F3A685-8F9F-4BAC-8C8B-A1DE5AA41F3A}" destId="{F0925EF4-86E2-4748-BA70-94AAF55AB064}" srcOrd="2" destOrd="0" presId="urn:microsoft.com/office/officeart/2005/8/layout/hProcess6"/>
-    <dgm:cxn modelId="{E9A57A1B-DDAF-4905-B46C-246DB5E9FB2A}" type="presParOf" srcId="{E8F3A685-8F9F-4BAC-8C8B-A1DE5AA41F3A}" destId="{78E9A4E4-18A9-4B73-8007-A63A71C71937}" srcOrd="3" destOrd="0" presId="urn:microsoft.com/office/officeart/2005/8/layout/hProcess6"/>
-  </dgm:cxnLst>
-  <dgm:bg/>
-  <dgm:whole/>
-  <dgm:extLst>
-    <a:ext uri="http://schemas.microsoft.com/office/drawing/2008/diagram">
-      <dsp:dataModelExt xmlns:dsp="http://schemas.microsoft.com/office/drawing/2008/diagram" relId="rId7" minVer="http://schemas.openxmlformats.org/drawingml/2006/diagram"/>
-    </a:ext>
-  </dgm:extLst>
-</dgm:dataModel>
-</file>
-
-<file path=ppt/diagrams/drawing1.xml><?xml version="1.0" encoding="utf-8"?>
-<dsp:drawing xmlns:dgm="http://schemas.openxmlformats.org/drawingml/2006/diagram" xmlns:dsp="http://schemas.microsoft.com/office/drawing/2008/diagram" xmlns:a="http://schemas.openxmlformats.org/drawingml/2006/main">
-  <dsp:spTree>
-    <dsp:nvGrpSpPr>
-      <dsp:cNvPr id="0" name=""/>
-      <dsp:cNvGrpSpPr/>
-    </dsp:nvGrpSpPr>
-    <dsp:grpSpPr/>
-    <dsp:sp modelId="{610B5FFC-C0C9-444C-9F7A-14D1B54F604D}">
-      <dsp:nvSpPr>
-        <dsp:cNvPr id="0" name=""/>
-        <dsp:cNvSpPr/>
-      </dsp:nvSpPr>
-      <dsp:spPr>
-        <a:xfrm>
-          <a:off x="623515" y="823134"/>
-          <a:ext cx="2475309" cy="2163731"/>
-        </a:xfrm>
-        <a:prstGeom prst="rightArrow">
-          <a:avLst>
-            <a:gd name="adj1" fmla="val 70000"/>
-            <a:gd name="adj2" fmla="val 50000"/>
-          </a:avLst>
-        </a:prstGeom>
-        <a:solidFill>
-          <a:schemeClr val="lt1">
-            <a:alpha val="90000"/>
-            <a:tint val="40000"/>
-            <a:hueOff val="0"/>
-            <a:satOff val="0"/>
-            <a:lumOff val="0"/>
-            <a:alphaOff val="0"/>
-          </a:schemeClr>
-        </a:solidFill>
-        <a:ln w="12700" cap="flat" cmpd="sng" algn="ctr">
-          <a:solidFill>
-            <a:schemeClr val="accent1">
-              <a:alpha val="90000"/>
-              <a:hueOff val="0"/>
-              <a:satOff val="0"/>
-              <a:lumOff val="0"/>
-              <a:alphaOff val="0"/>
-            </a:schemeClr>
-          </a:solidFill>
-          <a:prstDash val="solid"/>
-          <a:miter lim="800000"/>
-        </a:ln>
-        <a:effectLst/>
-      </dsp:spPr>
-      <dsp:style>
-        <a:lnRef idx="2">
-          <a:scrgbClr r="0" g="0" b="0"/>
-        </a:lnRef>
-        <a:fillRef idx="1">
-          <a:scrgbClr r="0" g="0" b="0"/>
-        </a:fillRef>
-        <a:effectRef idx="0">
-          <a:scrgbClr r="0" g="0" b="0"/>
-        </a:effectRef>
-        <a:fontRef idx="minor"/>
-      </dsp:style>
-      <dsp:txBody>
-        <a:bodyPr spcFirstLastPara="0" vert="horz" wrap="square" lIns="50800" tIns="12700" rIns="25400" bIns="12700" numCol="1" spcCol="1270" rtlCol="0" anchor="ctr" anchorCtr="0">
-          <a:noAutofit/>
-        </a:bodyPr>
-        <a:lstStyle/>
-        <a:p>
-          <a:pPr marL="0" lvl="0" indent="0" algn="ctr" defTabSz="889000" rtl="0">
-            <a:lnSpc>
-              <a:spcPct val="90000"/>
-            </a:lnSpc>
-            <a:spcBef>
-              <a:spcPct val="0"/>
-            </a:spcBef>
-            <a:spcAft>
-              <a:spcPct val="35000"/>
-            </a:spcAft>
-            <a:buNone/>
-          </a:pPr>
-          <a:r>
-            <a:rPr lang="uk-UA" sz="2000" kern="1200" noProof="0" dirty="0"/>
-            <a:t>Опис завдання</a:t>
-          </a:r>
-        </a:p>
-      </dsp:txBody>
-      <dsp:txXfrm>
-        <a:off x="1242342" y="1147694"/>
-        <a:ext cx="1206713" cy="1514611"/>
-      </dsp:txXfrm>
-    </dsp:sp>
-    <dsp:sp modelId="{47DA5750-48DC-4E4F-815D-0B05DBC30DAB}">
-      <dsp:nvSpPr>
-        <dsp:cNvPr id="0" name=""/>
-        <dsp:cNvSpPr/>
-      </dsp:nvSpPr>
-      <dsp:spPr>
-        <a:xfrm>
-          <a:off x="4688" y="1286172"/>
-          <a:ext cx="1237654" cy="1237654"/>
-        </a:xfrm>
-        <a:prstGeom prst="ellipse">
-          <a:avLst/>
-        </a:prstGeom>
-        <a:solidFill>
-          <a:schemeClr val="lt1">
-            <a:hueOff val="0"/>
-            <a:satOff val="0"/>
-            <a:lumOff val="0"/>
-            <a:alphaOff val="0"/>
-          </a:schemeClr>
-        </a:solidFill>
-        <a:ln w="12700" cap="flat" cmpd="sng" algn="ctr">
-          <a:solidFill>
-            <a:schemeClr val="accent1">
-              <a:shade val="80000"/>
-              <a:hueOff val="0"/>
-              <a:satOff val="0"/>
-              <a:lumOff val="0"/>
-              <a:alphaOff val="0"/>
-            </a:schemeClr>
-          </a:solidFill>
-          <a:prstDash val="solid"/>
-          <a:miter lim="800000"/>
-        </a:ln>
-        <a:effectLst/>
-      </dsp:spPr>
-      <dsp:style>
-        <a:lnRef idx="2">
-          <a:scrgbClr r="0" g="0" b="0"/>
-        </a:lnRef>
-        <a:fillRef idx="1">
-          <a:scrgbClr r="0" g="0" b="0"/>
-        </a:fillRef>
-        <a:effectRef idx="0">
-          <a:scrgbClr r="0" g="0" b="0"/>
-        </a:effectRef>
-        <a:fontRef idx="minor">
-          <a:schemeClr val="lt1"/>
-        </a:fontRef>
-      </dsp:style>
-      <dsp:txBody>
-        <a:bodyPr spcFirstLastPara="0" vert="horz" wrap="square" lIns="13335" tIns="13335" rIns="13335" bIns="13335" numCol="1" spcCol="1270" rtlCol="0" anchor="ctr" anchorCtr="0">
-          <a:noAutofit/>
-        </a:bodyPr>
-        <a:lstStyle/>
-        <a:p>
-          <a:pPr marL="0" lvl="0" indent="0" algn="ctr" defTabSz="933450" rtl="0">
-            <a:lnSpc>
-              <a:spcPct val="90000"/>
-            </a:lnSpc>
-            <a:spcBef>
-              <a:spcPct val="0"/>
-            </a:spcBef>
-            <a:spcAft>
-              <a:spcPct val="35000"/>
-            </a:spcAft>
-            <a:buNone/>
-          </a:pPr>
-          <a:r>
-            <a:rPr lang="uk-UA" sz="2100" kern="1200" noProof="0" dirty="0"/>
-            <a:t>Назва кроку 1</a:t>
-          </a:r>
-        </a:p>
-      </dsp:txBody>
-      <dsp:txXfrm>
-        <a:off x="185938" y="1467422"/>
-        <a:ext cx="875154" cy="875154"/>
-      </dsp:txXfrm>
-    </dsp:sp>
-    <dsp:sp modelId="{00D2DC2C-7CA2-4A4B-B66D-3DDCAB7DC8E9}">
-      <dsp:nvSpPr>
-        <dsp:cNvPr id="0" name=""/>
-        <dsp:cNvSpPr/>
-      </dsp:nvSpPr>
-      <dsp:spPr>
-        <a:xfrm>
-          <a:off x="3872358" y="823134"/>
-          <a:ext cx="2475309" cy="2163731"/>
-        </a:xfrm>
-        <a:prstGeom prst="rightArrow">
-          <a:avLst>
-            <a:gd name="adj1" fmla="val 70000"/>
-            <a:gd name="adj2" fmla="val 50000"/>
-          </a:avLst>
-        </a:prstGeom>
-        <a:solidFill>
-          <a:schemeClr val="lt1">
-            <a:alpha val="90000"/>
-            <a:tint val="40000"/>
-            <a:hueOff val="0"/>
-            <a:satOff val="0"/>
-            <a:lumOff val="0"/>
-            <a:alphaOff val="0"/>
-          </a:schemeClr>
-        </a:solidFill>
-        <a:ln w="12700" cap="flat" cmpd="sng" algn="ctr">
-          <a:solidFill>
-            <a:schemeClr val="accent1">
-              <a:alpha val="90000"/>
-              <a:hueOff val="0"/>
-              <a:satOff val="0"/>
-              <a:lumOff val="0"/>
-              <a:alphaOff val="0"/>
-            </a:schemeClr>
-          </a:solidFill>
-          <a:prstDash val="solid"/>
-          <a:miter lim="800000"/>
-        </a:ln>
-        <a:effectLst/>
-      </dsp:spPr>
-      <dsp:style>
-        <a:lnRef idx="2">
-          <a:scrgbClr r="0" g="0" b="0"/>
-        </a:lnRef>
-        <a:fillRef idx="1">
-          <a:scrgbClr r="0" g="0" b="0"/>
-        </a:fillRef>
-        <a:effectRef idx="0">
-          <a:scrgbClr r="0" g="0" b="0"/>
-        </a:effectRef>
-        <a:fontRef idx="minor"/>
-      </dsp:style>
-      <dsp:txBody>
-        <a:bodyPr spcFirstLastPara="0" vert="horz" wrap="square" lIns="50800" tIns="12700" rIns="25400" bIns="12700" numCol="1" spcCol="1270" rtlCol="0" anchor="ctr" anchorCtr="0">
-          <a:noAutofit/>
-        </a:bodyPr>
-        <a:lstStyle/>
-        <a:p>
-          <a:pPr marL="0" lvl="0" indent="0" algn="ctr" defTabSz="889000" rtl="0">
-            <a:lnSpc>
-              <a:spcPct val="90000"/>
-            </a:lnSpc>
-            <a:spcBef>
-              <a:spcPct val="0"/>
-            </a:spcBef>
-            <a:spcAft>
-              <a:spcPct val="35000"/>
-            </a:spcAft>
-            <a:buNone/>
-          </a:pPr>
-          <a:r>
-            <a:rPr lang="uk-UA" sz="2000" kern="1200" noProof="0" dirty="0"/>
-            <a:t>Опис завдання</a:t>
-          </a:r>
-        </a:p>
-      </dsp:txBody>
-      <dsp:txXfrm>
-        <a:off x="4491186" y="1147694"/>
-        <a:ext cx="1206713" cy="1514611"/>
-      </dsp:txXfrm>
-    </dsp:sp>
-    <dsp:sp modelId="{EE8733A1-7662-4D0A-B39E-2218596CC81C}">
-      <dsp:nvSpPr>
-        <dsp:cNvPr id="0" name=""/>
-        <dsp:cNvSpPr/>
-      </dsp:nvSpPr>
-      <dsp:spPr>
-        <a:xfrm>
-          <a:off x="3253531" y="1286172"/>
-          <a:ext cx="1237654" cy="1237654"/>
-        </a:xfrm>
-        <a:prstGeom prst="ellipse">
-          <a:avLst/>
-        </a:prstGeom>
-        <a:solidFill>
-          <a:schemeClr val="lt1">
-            <a:hueOff val="0"/>
-            <a:satOff val="0"/>
-            <a:lumOff val="0"/>
-            <a:alphaOff val="0"/>
-          </a:schemeClr>
-        </a:solidFill>
-        <a:ln w="12700" cap="flat" cmpd="sng" algn="ctr">
-          <a:solidFill>
-            <a:schemeClr val="accent1">
-              <a:shade val="80000"/>
-              <a:hueOff val="0"/>
-              <a:satOff val="0"/>
-              <a:lumOff val="0"/>
-              <a:alphaOff val="0"/>
-            </a:schemeClr>
-          </a:solidFill>
-          <a:prstDash val="solid"/>
-          <a:miter lim="800000"/>
-        </a:ln>
-        <a:effectLst/>
-      </dsp:spPr>
-      <dsp:style>
-        <a:lnRef idx="2">
-          <a:scrgbClr r="0" g="0" b="0"/>
-        </a:lnRef>
-        <a:fillRef idx="1">
-          <a:scrgbClr r="0" g="0" b="0"/>
-        </a:fillRef>
-        <a:effectRef idx="0">
-          <a:scrgbClr r="0" g="0" b="0"/>
-        </a:effectRef>
-        <a:fontRef idx="minor">
-          <a:schemeClr val="lt1"/>
-        </a:fontRef>
-      </dsp:style>
-      <dsp:txBody>
-        <a:bodyPr spcFirstLastPara="0" vert="horz" wrap="square" lIns="13335" tIns="13335" rIns="13335" bIns="13335" numCol="1" spcCol="1270" rtlCol="0" anchor="ctr" anchorCtr="0">
-          <a:noAutofit/>
-        </a:bodyPr>
-        <a:lstStyle/>
-        <a:p>
-          <a:pPr marL="0" lvl="0" indent="0" algn="ctr" defTabSz="933450" rtl="0">
-            <a:lnSpc>
-              <a:spcPct val="90000"/>
-            </a:lnSpc>
-            <a:spcBef>
-              <a:spcPct val="0"/>
-            </a:spcBef>
-            <a:spcAft>
-              <a:spcPct val="35000"/>
-            </a:spcAft>
-            <a:buNone/>
-          </a:pPr>
-          <a:r>
-            <a:rPr lang="uk-UA" sz="2100" kern="1200" noProof="0" dirty="0"/>
-            <a:t>Назва кроку 2</a:t>
-          </a:r>
-        </a:p>
-      </dsp:txBody>
-      <dsp:txXfrm>
-        <a:off x="3434781" y="1467422"/>
-        <a:ext cx="875154" cy="875154"/>
-      </dsp:txXfrm>
-    </dsp:sp>
-    <dsp:sp modelId="{4BF699B1-BE15-42D1-9784-AA33CF29870E}">
-      <dsp:nvSpPr>
-        <dsp:cNvPr id="0" name=""/>
-        <dsp:cNvSpPr/>
-      </dsp:nvSpPr>
-      <dsp:spPr>
-        <a:xfrm>
-          <a:off x="7121202" y="823134"/>
-          <a:ext cx="2475309" cy="2163731"/>
-        </a:xfrm>
-        <a:prstGeom prst="rightArrow">
-          <a:avLst>
-            <a:gd name="adj1" fmla="val 70000"/>
-            <a:gd name="adj2" fmla="val 50000"/>
-          </a:avLst>
-        </a:prstGeom>
-        <a:solidFill>
-          <a:schemeClr val="lt1">
-            <a:alpha val="90000"/>
-            <a:tint val="40000"/>
-            <a:hueOff val="0"/>
-            <a:satOff val="0"/>
-            <a:lumOff val="0"/>
-            <a:alphaOff val="0"/>
-          </a:schemeClr>
-        </a:solidFill>
-        <a:ln w="12700" cap="flat" cmpd="sng" algn="ctr">
-          <a:solidFill>
-            <a:schemeClr val="accent1">
-              <a:alpha val="90000"/>
-              <a:hueOff val="0"/>
-              <a:satOff val="0"/>
-              <a:lumOff val="0"/>
-              <a:alphaOff val="0"/>
-            </a:schemeClr>
-          </a:solidFill>
-          <a:prstDash val="solid"/>
-          <a:miter lim="800000"/>
-        </a:ln>
-        <a:effectLst/>
-      </dsp:spPr>
-      <dsp:style>
-        <a:lnRef idx="2">
-          <a:scrgbClr r="0" g="0" b="0"/>
-        </a:lnRef>
-        <a:fillRef idx="1">
-          <a:scrgbClr r="0" g="0" b="0"/>
-        </a:fillRef>
-        <a:effectRef idx="0">
-          <a:scrgbClr r="0" g="0" b="0"/>
-        </a:effectRef>
-        <a:fontRef idx="minor"/>
-      </dsp:style>
-      <dsp:txBody>
-        <a:bodyPr spcFirstLastPara="0" vert="horz" wrap="square" lIns="50800" tIns="12700" rIns="25400" bIns="12700" numCol="1" spcCol="1270" rtlCol="0" anchor="ctr" anchorCtr="0">
-          <a:noAutofit/>
-        </a:bodyPr>
-        <a:lstStyle/>
-        <a:p>
-          <a:pPr marL="0" lvl="0" indent="0" algn="ctr" defTabSz="889000" rtl="0">
-            <a:lnSpc>
-              <a:spcPct val="90000"/>
-            </a:lnSpc>
-            <a:spcBef>
-              <a:spcPct val="0"/>
-            </a:spcBef>
-            <a:spcAft>
-              <a:spcPct val="35000"/>
-            </a:spcAft>
-            <a:buNone/>
-          </a:pPr>
-          <a:r>
-            <a:rPr lang="uk-UA" sz="2000" kern="1200" noProof="0" dirty="0"/>
-            <a:t>Опис завдання</a:t>
-          </a:r>
-        </a:p>
-      </dsp:txBody>
-      <dsp:txXfrm>
-        <a:off x="7740029" y="1147694"/>
-        <a:ext cx="1206713" cy="1514611"/>
-      </dsp:txXfrm>
-    </dsp:sp>
-    <dsp:sp modelId="{78E9A4E4-18A9-4B73-8007-A63A71C71937}">
-      <dsp:nvSpPr>
-        <dsp:cNvPr id="0" name=""/>
-        <dsp:cNvSpPr/>
-      </dsp:nvSpPr>
-      <dsp:spPr>
-        <a:xfrm>
-          <a:off x="6502375" y="1286172"/>
-          <a:ext cx="1237654" cy="1237654"/>
-        </a:xfrm>
-        <a:prstGeom prst="ellipse">
-          <a:avLst/>
-        </a:prstGeom>
-        <a:solidFill>
-          <a:schemeClr val="lt1">
-            <a:hueOff val="0"/>
-            <a:satOff val="0"/>
-            <a:lumOff val="0"/>
-            <a:alphaOff val="0"/>
-          </a:schemeClr>
-        </a:solidFill>
-        <a:ln w="12700" cap="flat" cmpd="sng" algn="ctr">
-          <a:solidFill>
-            <a:schemeClr val="accent1">
-              <a:shade val="80000"/>
-              <a:hueOff val="0"/>
-              <a:satOff val="0"/>
-              <a:lumOff val="0"/>
-              <a:alphaOff val="0"/>
-            </a:schemeClr>
-          </a:solidFill>
-          <a:prstDash val="solid"/>
-          <a:miter lim="800000"/>
-        </a:ln>
-        <a:effectLst/>
-      </dsp:spPr>
-      <dsp:style>
-        <a:lnRef idx="2">
-          <a:scrgbClr r="0" g="0" b="0"/>
-        </a:lnRef>
-        <a:fillRef idx="1">
-          <a:scrgbClr r="0" g="0" b="0"/>
-        </a:fillRef>
-        <a:effectRef idx="0">
-          <a:scrgbClr r="0" g="0" b="0"/>
-        </a:effectRef>
-        <a:fontRef idx="minor">
-          <a:schemeClr val="lt1"/>
-        </a:fontRef>
-      </dsp:style>
-      <dsp:txBody>
-        <a:bodyPr spcFirstLastPara="0" vert="horz" wrap="square" lIns="13335" tIns="13335" rIns="13335" bIns="13335" numCol="1" spcCol="1270" rtlCol="0" anchor="ctr" anchorCtr="0">
-          <a:noAutofit/>
-        </a:bodyPr>
-        <a:lstStyle/>
-        <a:p>
-          <a:pPr marL="0" lvl="0" indent="0" algn="ctr" defTabSz="933450" rtl="0">
-            <a:lnSpc>
-              <a:spcPct val="90000"/>
-            </a:lnSpc>
-            <a:spcBef>
-              <a:spcPct val="0"/>
-            </a:spcBef>
-            <a:spcAft>
-              <a:spcPct val="35000"/>
-            </a:spcAft>
-            <a:buNone/>
-          </a:pPr>
-          <a:r>
-            <a:rPr lang="uk-UA" sz="2100" kern="1200" noProof="0" dirty="0"/>
-            <a:t>Назва кроку 3</a:t>
-          </a:r>
-        </a:p>
-      </dsp:txBody>
-      <dsp:txXfrm>
-        <a:off x="6683625" y="1467422"/>
-        <a:ext cx="875154" cy="875154"/>
-      </dsp:txXfrm>
-    </dsp:sp>
-  </dsp:spTree>
-</dsp:drawing>
-</file>
-
-<file path=ppt/diagrams/layout1.xml><?xml version="1.0" encoding="utf-8"?>
-<dgm:layoutDef xmlns:dgm="http://schemas.openxmlformats.org/drawingml/2006/diagram" xmlns:a="http://schemas.openxmlformats.org/drawingml/2006/main" uniqueId="urn:microsoft.com/office/officeart/2005/8/layout/hProcess6">
-  <dgm:title val=""/>
-  <dgm:desc val=""/>
-  <dgm:catLst>
-    <dgm:cat type="process" pri="7000"/>
-  </dgm:catLst>
-  <dgm:sampData>
-    <dgm:dataModel>
-      <dgm:ptLst>
-        <dgm:pt modelId="0" type="doc"/>
-        <dgm:pt modelId="1">
-          <dgm:prSet phldr="1"/>
-        </dgm:pt>
-        <dgm:pt modelId="11">
-          <dgm:prSet phldr="1"/>
-        </dgm:pt>
-        <dgm:pt modelId="12">
-          <dgm:prSet phldr="1"/>
-        </dgm:pt>
-        <dgm:pt modelId="2">
-          <dgm:prSet phldr="1"/>
-        </dgm:pt>
-        <dgm:pt modelId="21">
-          <dgm:prSet phldr="1"/>
-        </dgm:pt>
-        <dgm:pt modelId="22">
-          <dgm:prSet phldr="1"/>
-        </dgm:pt>
-        <dgm:pt modelId="3">
-          <dgm:prSet phldr="1"/>
-        </dgm:pt>
-        <dgm:pt modelId="31">
-          <dgm:prSet phldr="1"/>
-        </dgm:pt>
-        <dgm:pt modelId="32">
-          <dgm:prSet phldr="1"/>
-        </dgm:pt>
-      </dgm:ptLst>
-      <dgm:cxnLst>
-        <dgm:cxn modelId="4" srcId="0" destId="1" srcOrd="0" destOrd="0"/>
-        <dgm:cxn modelId="5" srcId="0" destId="2" srcOrd="1" destOrd="0"/>
-        <dgm:cxn modelId="13" srcId="1" destId="11" srcOrd="0" destOrd="0"/>
-        <dgm:cxn modelId="14" srcId="1" destId="12" srcOrd="0" destOrd="0"/>
-        <dgm:cxn modelId="23" srcId="2" destId="21" srcOrd="0" destOrd="0"/>
-        <dgm:cxn modelId="24" srcId="2" destId="22" srcOrd="0" destOrd="0"/>
-        <dgm:cxn modelId="33" srcId="3" destId="31" srcOrd="0" destOrd="0"/>
-        <dgm:cxn modelId="34" srcId="3" destId="32" srcOrd="0" destOrd="0"/>
-      </dgm:cxnLst>
-      <dgm:bg/>
-      <dgm:whole/>
-    </dgm:dataModel>
-  </dgm:sampData>
-  <dgm:styleData>
-    <dgm:dataModel>
-      <dgm:ptLst>
-        <dgm:pt modelId="0" type="doc"/>
-        <dgm:pt modelId="1"/>
-        <dgm:pt modelId="11"/>
-        <dgm:pt modelId="2"/>
-        <dgm:pt modelId="21"/>
-      </dgm:ptLst>
-      <dgm:cxnLst>
-        <dgm:cxn modelId="4" srcId="0" destId="1" srcOrd="0" destOrd="0"/>
-        <dgm:cxn modelId="5" srcId="0" destId="2" srcOrd="1" destOrd="0"/>
-        <dgm:cxn modelId="13" srcId="1" destId="11" srcOrd="0" destOrd="0"/>
-        <dgm:cxn modelId="23" srcId="2" destId="21" srcOrd="0" destOrd="0"/>
-      </dgm:cxnLst>
-      <dgm:bg/>
-      <dgm:whole/>
-    </dgm:dataModel>
-  </dgm:styleData>
-  <dgm:clrData>
-    <dgm:dataModel>
-      <dgm:ptLst>
-        <dgm:pt modelId="0" type="doc"/>
-        <dgm:pt modelId="1"/>
-        <dgm:pt modelId="11"/>
-        <dgm:pt modelId="2"/>
-        <dgm:pt modelId="21"/>
-        <dgm:pt modelId="3"/>
-        <dgm:pt modelId="31"/>
-        <dgm:pt modelId="4"/>
-        <dgm:pt modelId="41"/>
-      </dgm:ptLst>
-      <dgm:cxnLst>
-        <dgm:cxn modelId="5" srcId="0" destId="1" srcOrd="0" destOrd="0"/>
-        <dgm:cxn modelId="6" srcId="0" destId="2" srcOrd="1" destOrd="0"/>
-        <dgm:cxn modelId="7" srcId="0" destId="3" srcOrd="2" destOrd="0"/>
-        <dgm:cxn modelId="8" srcId="0" destId="4" srcOrd="3" destOrd="0"/>
-        <dgm:cxn modelId="13" srcId="1" destId="11" srcOrd="0" destOrd="0"/>
-        <dgm:cxn modelId="23" srcId="2" destId="21" srcOrd="0" destOrd="0"/>
-        <dgm:cxn modelId="33" srcId="3" destId="31" srcOrd="0" destOrd="0"/>
-        <dgm:cxn modelId="43" srcId="4" destId="41" srcOrd="0" destOrd="0"/>
-      </dgm:cxnLst>
-      <dgm:bg/>
-      <dgm:whole/>
-    </dgm:dataModel>
-  </dgm:clrData>
-  <dgm:layoutNode name="theList">
-    <dgm:varLst>
-      <dgm:dir/>
-      <dgm:animLvl val="lvl"/>
-      <dgm:resizeHandles val="exact"/>
-    </dgm:varLst>
-    <dgm:choose name="Name0">
-      <dgm:if name="Name1" func="var" arg="dir" op="equ" val="norm">
-        <dgm:alg type="lin">
-          <dgm:param type="linDir" val="fromL"/>
-          <dgm:param type="nodeHorzAlign" val="l"/>
-        </dgm:alg>
-      </dgm:if>
-      <dgm:else name="Name2">
-        <dgm:alg type="lin">
-          <dgm:param type="linDir" val="fromR"/>
-          <dgm:param type="nodeHorzAlign" val="r"/>
-        </dgm:alg>
-      </dgm:else>
-    </dgm:choose>
-    <dgm:shape xmlns:r="http://schemas.openxmlformats.org/officeDocument/2006/relationships" r:blip="">
-      <dgm:adjLst/>
-    </dgm:shape>
-    <dgm:presOf/>
-    <dgm:constrLst>
-      <dgm:constr type="w" for="ch" forName="compNode" refType="w"/>
-      <dgm:constr type="h" for="ch" forName="compNode" refType="w" refFor="ch" refForName="compNode" fact="0.7"/>
-      <dgm:constr type="ctrY" for="ch" forName="compNode" refType="h" fact="0.5"/>
-      <dgm:constr type="w" for="ch" forName="aSpace" refType="w" fact="0.05"/>
-      <dgm:constr type="primFontSz" for="des" forName="childTextHidden" op="equ" val="65"/>
-      <dgm:constr type="primFontSz" for="des" forName="parentText" op="equ"/>
-    </dgm:constrLst>
-    <dgm:ruleLst/>
-    <dgm:forEach name="aNodeForEach" axis="ch" ptType="node">
-      <dgm:layoutNode name="compNode">
-        <dgm:alg type="composite">
-          <dgm:param type="ar" val="1.43"/>
-        </dgm:alg>
-        <dgm:shape xmlns:r="http://schemas.openxmlformats.org/officeDocument/2006/relationships" r:blip="">
-          <dgm:adjLst/>
-        </dgm:shape>
-        <dgm:presOf/>
-        <dgm:choose name="Name3">
-          <dgm:if name="Name4" func="var" arg="dir" op="equ" val="norm">
-            <dgm:constrLst>
-              <dgm:constr type="w" for="ch" forName="childTextVisible" refType="w" fact="0.8"/>
-              <dgm:constr type="h" for="ch" forName="childTextVisible" refType="h"/>
-              <dgm:constr type="r" for="ch" forName="childTextVisible" refType="w"/>
-              <dgm:constr type="w" for="ch" forName="childTextHidden" refType="w" fact="0.6"/>
-              <dgm:constr type="h" for="ch" forName="childTextHidden" refType="h"/>
-              <dgm:constr type="r" for="ch" forName="childTextHidden" refType="w"/>
-              <dgm:constr type="l" for="ch" forName="parentText"/>
-              <dgm:constr type="w" for="ch" forName="parentText" refType="w" fact="0.4"/>
-              <dgm:constr type="h" for="ch" forName="parentText" refType="w" refFor="ch" refForName="parentText" op="equ"/>
-              <dgm:constr type="ctrY" for="ch" forName="parentText" refType="h" fact="0.5"/>
-            </dgm:constrLst>
-          </dgm:if>
-          <dgm:else name="Name5">
-            <dgm:constrLst>
-              <dgm:constr type="w" for="ch" forName="childTextVisible" refType="w" fact="0.8"/>
-              <dgm:constr type="h" for="ch" forName="childTextVisible" refType="h"/>
-              <dgm:constr type="l" for="ch" forName="childTextVisible"/>
-              <dgm:constr type="w" for="ch" forName="childTextHidden" refType="w" fact="0.6"/>
-              <dgm:constr type="h" for="ch" forName="childTextHidden" refType="h"/>
-              <dgm:constr type="l" for="ch" forName="childTextHidden"/>
-              <dgm:constr type="r" for="ch" forName="parentText" refType="w"/>
-              <dgm:constr type="w" for="ch" forName="parentText" refType="w" fact="0.4"/>
-              <dgm:constr type="h" for="ch" forName="parentText" refType="w" refFor="ch" refForName="parentText" op="equ"/>
-              <dgm:constr type="ctrY" for="ch" forName="parentText" refType="h" fact="0.5"/>
-            </dgm:constrLst>
-          </dgm:else>
-        </dgm:choose>
-        <dgm:ruleLst/>
-        <dgm:layoutNode name="noGeometry">
-          <dgm:alg type="sp"/>
-          <dgm:shape xmlns:r="http://schemas.openxmlformats.org/officeDocument/2006/relationships" r:blip="">
-            <dgm:adjLst/>
-          </dgm:shape>
-          <dgm:presOf/>
-          <dgm:constrLst/>
-          <dgm:ruleLst/>
-        </dgm:layoutNode>
-        <dgm:layoutNode name="childTextVisible" styleLbl="bgAccFollowNode1">
-          <dgm:varLst>
-            <dgm:bulletEnabled val="1"/>
-          </dgm:varLst>
-          <dgm:alg type="sp"/>
-          <dgm:choose name="Name6">
-            <dgm:if name="Name7" func="var" arg="dir" op="equ" val="norm">
-              <dgm:shape xmlns:r="http://schemas.openxmlformats.org/officeDocument/2006/relationships" type="rightArrow" r:blip="">
-                <dgm:adjLst>
-                  <dgm:adj idx="1" val="0.7"/>
-                  <dgm:adj idx="2" val="0.5"/>
-                </dgm:adjLst>
-              </dgm:shape>
-            </dgm:if>
-            <dgm:else name="Name8">
-              <dgm:shape xmlns:r="http://schemas.openxmlformats.org/officeDocument/2006/relationships" type="leftArrow" r:blip="">
-                <dgm:adjLst>
-                  <dgm:adj idx="1" val="0.7"/>
-                  <dgm:adj idx="2" val="0.5"/>
-                </dgm:adjLst>
-              </dgm:shape>
-            </dgm:else>
-          </dgm:choose>
-          <dgm:presOf axis="des" ptType="node"/>
-          <dgm:constrLst/>
-          <dgm:ruleLst/>
-        </dgm:layoutNode>
-        <dgm:layoutNode name="childTextHidden" styleLbl="bgAccFollowNode1">
-          <dgm:choose name="Name9">
-            <dgm:if name="Name10" axis="des followSib" ptType="node node" st="1 1" cnt="1 0" func="cnt" op="gte" val="1">
-              <dgm:alg type="tx">
-                <dgm:param type="stBulletLvl" val="1"/>
-                <dgm:param type="txAnchorVertCh" val="mid"/>
-              </dgm:alg>
-            </dgm:if>
-            <dgm:else name="Name11">
-              <dgm:alg type="tx">
-                <dgm:param type="stBulletLvl" val="2"/>
-                <dgm:param type="txAnchorVertCh" val="mid"/>
-              </dgm:alg>
-            </dgm:else>
-          </dgm:choose>
-          <dgm:choose name="Name12">
-            <dgm:if name="Name13" func="var" arg="dir" op="equ" val="norm">
-              <dgm:shape xmlns:r="http://schemas.openxmlformats.org/officeDocument/2006/relationships" type="rightArrow" r:blip="" hideGeom="1">
-                <dgm:adjLst>
-                  <dgm:adj idx="1" val="0.7"/>
-                  <dgm:adj idx="2" val="0.5"/>
-                </dgm:adjLst>
-              </dgm:shape>
-            </dgm:if>
-            <dgm:else name="Name14">
-              <dgm:shape xmlns:r="http://schemas.openxmlformats.org/officeDocument/2006/relationships" type="leftArrow" r:blip="" hideGeom="1">
-                <dgm:adjLst>
-                  <dgm:adj idx="1" val="0.7"/>
-                  <dgm:adj idx="2" val="0.5"/>
-                </dgm:adjLst>
-              </dgm:shape>
-            </dgm:else>
-          </dgm:choose>
-          <dgm:presOf axis="des" ptType="node"/>
-          <dgm:constrLst>
-            <dgm:constr type="secFontSz" refType="primFontSz"/>
-            <dgm:constr type="tMarg" refType="primFontSz" fact="0.05"/>
-            <dgm:constr type="bMarg" refType="primFontSz" fact="0.05"/>
-            <dgm:constr type="rMarg" refType="primFontSz" fact="0.1"/>
-            <dgm:constr type="lMarg" refType="primFontSz" fact="0.2"/>
-          </dgm:constrLst>
-          <dgm:ruleLst>
-            <dgm:rule type="primFontSz" val="5" fact="NaN" max="NaN"/>
-          </dgm:ruleLst>
-        </dgm:layoutNode>
-        <dgm:layoutNode name="parentText" styleLbl="node1">
-          <dgm:varLst>
-            <dgm:chMax val="1"/>
-            <dgm:bulletEnabled val="1"/>
-          </dgm:varLst>
-          <dgm:alg type="tx"/>
-          <dgm:shape xmlns:r="http://schemas.openxmlformats.org/officeDocument/2006/relationships" type="ellipse" r:blip="">
-            <dgm:adjLst/>
-          </dgm:shape>
-          <dgm:presOf axis="self"/>
-          <dgm:constrLst>
-            <dgm:constr type="primFontSz" val="65"/>
-            <dgm:constr type="tMarg" refType="primFontSz" fact="0.05"/>
-            <dgm:constr type="bMarg" refType="primFontSz" fact="0.05"/>
-            <dgm:constr type="lMarg" refType="primFontSz" fact="0.05"/>
-            <dgm:constr type="rMarg" refType="primFontSz" fact="0.05"/>
-          </dgm:constrLst>
-          <dgm:ruleLst>
-            <dgm:rule type="primFontSz" val="5" fact="NaN" max="NaN"/>
-          </dgm:ruleLst>
-        </dgm:layoutNode>
-      </dgm:layoutNode>
-      <dgm:choose name="Name15">
-        <dgm:if name="Name16" axis="self" ptType="node" func="revPos" op="gte" val="2">
-          <dgm:layoutNode name="aSpace">
-            <dgm:alg type="sp"/>
-            <dgm:shape xmlns:r="http://schemas.openxmlformats.org/officeDocument/2006/relationships" r:blip="">
-              <dgm:adjLst/>
-            </dgm:shape>
-            <dgm:presOf/>
-            <dgm:constrLst/>
-            <dgm:ruleLst/>
-          </dgm:layoutNode>
-        </dgm:if>
-        <dgm:else name="Name17"/>
-      </dgm:choose>
-    </dgm:forEach>
-  </dgm:layoutNode>
-</dgm:layoutDef>
-</file>
-
-<file path=ppt/diagrams/quickStyle1.xml><?xml version="1.0" encoding="utf-8"?>
-<dgm:styleDef xmlns:dgm="http://schemas.openxmlformats.org/drawingml/2006/diagram" xmlns:a="http://schemas.openxmlformats.org/drawingml/2006/main" uniqueId="urn:microsoft.com/office/officeart/2005/8/quickstyle/simple1">
-  <dgm:title val=""/>
-  <dgm:desc val=""/>
-  <dgm:catLst>
-    <dgm:cat type="simple" pri="10100"/>
-  </dgm:catLst>
-  <dgm:scene3d>
-    <a:camera prst="orthographicFront"/>
-    <a:lightRig rig="threePt" dir="t"/>
-  </dgm:scene3d>
-  <dgm:styleLbl name="node0">
-    <dgm:scene3d>
-      <a:camera prst="orthographicFront"/>
-      <a:lightRig rig="threePt" dir="t"/>
-    </dgm:scene3d>
-    <dgm:sp3d/>
-    <dgm:txPr/>
-    <dgm:style>
-      <a:lnRef idx="2">
-        <a:scrgbClr r="0" g="0" b="0"/>
-      </a:lnRef>
-      <a:fillRef idx="1">
-        <a:scrgbClr r="0" g="0" b="0"/>
-      </a:fillRef>
-      <a:effectRef idx="0">
-        <a:scrgbClr r="0" g="0" b="0"/>
-      </a:effectRef>
-      <a:fontRef idx="minor">
-        <a:schemeClr val="lt1"/>
-      </a:fontRef>
-    </dgm:style>
-  </dgm:styleLbl>
-  <dgm:styleLbl name="lnNode1">
-    <dgm:scene3d>
-      <a:camera prst="orthographicFront"/>
-      <a:lightRig rig="threePt" dir="t"/>
-    </dgm:scene3d>
-    <dgm:sp3d/>
-    <dgm:txPr/>
-    <dgm:style>
-      <a:lnRef idx="2">
-        <a:scrgbClr r="0" g="0" b="0"/>
-      </a:lnRef>
-      <a:fillRef idx="1">
-        <a:scrgbClr r="0" g="0" b="0"/>
-      </a:fillRef>
-      <a:effectRef idx="0">
-        <a:scrgbClr r="0" g="0" b="0"/>
-      </a:effectRef>
-      <a:fontRef idx="minor">
-        <a:schemeClr val="lt1"/>
-      </a:fontRef>
-    </dgm:style>
-  </dgm:styleLbl>
-  <dgm:styleLbl name="vennNode1">
-    <dgm:scene3d>
-      <a:camera prst="orthographicFront"/>
-      <a:lightRig rig="threePt" dir="t"/>
-    </dgm:scene3d>
-    <dgm:sp3d/>
-    <dgm:txPr/>
-    <dgm:style>
-      <a:lnRef idx="2">
-        <a:scrgbClr r="0" g="0" b="0"/>
-      </a:lnRef>
-      <a:fillRef idx="1">
-        <a:scrgbClr r="0" g="0" b="0"/>
-      </a:fillRef>
-      <a:effectRef idx="0">
-        <a:scrgbClr r="0" g="0" b="0"/>
-      </a:effectRef>
-      <a:fontRef idx="minor">
-        <a:schemeClr val="tx1"/>
-      </a:fontRef>
-    </dgm:style>
-  </dgm:styleLbl>
-  <dgm:styleLbl name="alignNode1">
-    <dgm:scene3d>
-      <a:camera prst="orthographicFront"/>
-      <a:lightRig rig="threePt" dir="t"/>
-    </dgm:scene3d>
-    <dgm:sp3d/>
-    <dgm:txPr/>
-    <dgm:style>
-      <a:lnRef idx="2">
-        <a:scrgbClr r="0" g="0" b="0"/>
-      </a:lnRef>
-      <a:fillRef idx="1">
-        <a:scrgbClr r="0" g="0" b="0"/>
-      </a:fillRef>
-      <a:effectRef idx="0">
-        <a:scrgbClr r="0" g="0" b="0"/>
-      </a:effectRef>
-      <a:fontRef idx="minor">
-        <a:schemeClr val="lt1"/>
-      </a:fontRef>
-    </dgm:style>
-  </dgm:styleLbl>
-  <dgm:styleLbl name="node1">
-    <dgm:scene3d>
-      <a:camera prst="orthographicFront"/>
-      <a:lightRig rig="threePt" dir="t"/>
-    </dgm:scene3d>
-    <dgm:sp3d/>
-    <dgm:txPr/>
-    <dgm:style>
-      <a:lnRef idx="2">
-        <a:scrgbClr r="0" g="0" b="0"/>
-      </a:lnRef>
-      <a:fillRef idx="1">
-        <a:scrgbClr r="0" g="0" b="0"/>
-      </a:fillRef>
-      <a:effectRef idx="0">
-        <a:scrgbClr r="0" g="0" b="0"/>
-      </a:effectRef>
-      <a:fontRef idx="minor">
-        <a:schemeClr val="lt1"/>
-      </a:fontRef>
-    </dgm:style>
-  </dgm:styleLbl>
-  <dgm:styleLbl name="node2">
-    <dgm:scene3d>
-      <a:camera prst="orthographicFront"/>
-      <a:lightRig rig="threePt" dir="t"/>
-    </dgm:scene3d>
-    <dgm:sp3d/>
-    <dgm:txPr/>
-    <dgm:style>
-      <a:lnRef idx="2">
-        <a:scrgbClr r="0" g="0" b="0"/>
-      </a:lnRef>
-      <a:fillRef idx="1">
-        <a:scrgbClr r="0" g="0" b="0"/>
-      </a:fillRef>
-      <a:effectRef idx="0">
-        <a:scrgbClr r="0" g="0" b="0"/>
-      </a:effectRef>
-      <a:fontRef idx="minor">
-        <a:schemeClr val="lt1"/>
-      </a:fontRef>
-    </dgm:style>
-  </dgm:styleLbl>
-  <dgm:styleLbl name="node3">
-    <dgm:scene3d>
-      <a:camera prst="orthographicFront"/>
-      <a:lightRig rig="threePt" dir="t"/>
-    </dgm:scene3d>
-    <dgm:sp3d/>
-    <dgm:txPr/>
-    <dgm:style>
-      <a:lnRef idx="2">
-        <a:scrgbClr r="0" g="0" b="0"/>
-      </a:lnRef>
-      <a:fillRef idx="1">
-        <a:scrgbClr r="0" g="0" b="0"/>
-      </a:fillRef>
-      <a:effectRef idx="0">
-        <a:scrgbClr r="0" g="0" b="0"/>
-      </a:effectRef>
-      <a:fontRef idx="minor">
-        <a:schemeClr val="lt1"/>
-      </a:fontRef>
-    </dgm:style>
-  </dgm:styleLbl>
-  <dgm:styleLbl name="node4">
-    <dgm:scene3d>
-      <a:camera prst="orthographicFront"/>
-      <a:lightRig rig="threePt" dir="t"/>
-    </dgm:scene3d>
-    <dgm:sp3d/>
-    <dgm:txPr/>
-    <dgm:style>
-      <a:lnRef idx="2">
-        <a:scrgbClr r="0" g="0" b="0"/>
-      </a:lnRef>
-      <a:fillRef idx="1">
-        <a:scrgbClr r="0" g="0" b="0"/>
-      </a:fillRef>
-      <a:effectRef idx="0">
-        <a:scrgbClr r="0" g="0" b="0"/>
-      </a:effectRef>
-      <a:fontRef idx="minor">
-        <a:schemeClr val="lt1"/>
-      </a:fontRef>
-    </dgm:style>
-  </dgm:styleLbl>
-  <dgm:styleLbl name="fgImgPlace1">
-    <dgm:scene3d>
-      <a:camera prst="orthographicFront"/>
-      <a:lightRig rig="threePt" dir="t"/>
-    </dgm:scene3d>
-    <dgm:sp3d/>
-    <dgm:txPr/>
-    <dgm:style>
-      <a:lnRef idx="2">
-        <a:scrgbClr r="0" g="0" b="0"/>
-      </a:lnRef>
-      <a:fillRef idx="1">
-        <a:scrgbClr r="0" g="0" b="0"/>
-      </a:fillRef>
-      <a:effectRef idx="0">
-        <a:scrgbClr r="0" g="0" b="0"/>
-      </a:effectRef>
-      <a:fontRef idx="minor"/>
-    </dgm:style>
-  </dgm:styleLbl>
-  <dgm:styleLbl name="alignImgPlace1">
-    <dgm:scene3d>
-      <a:camera prst="orthographicFront"/>
-      <a:lightRig rig="threePt" dir="t"/>
-    </dgm:scene3d>
-    <dgm:sp3d/>
-    <dgm:txPr/>
-    <dgm:style>
-      <a:lnRef idx="2">
-        <a:scrgbClr r="0" g="0" b="0"/>
-      </a:lnRef>
-      <a:fillRef idx="1">
-        <a:scrgbClr r="0" g="0" b="0"/>
-      </a:fillRef>
-      <a:effectRef idx="0">
-        <a:scrgbClr r="0" g="0" b="0"/>
-      </a:effectRef>
-      <a:fontRef idx="minor"/>
-    </dgm:style>
-  </dgm:styleLbl>
-  <dgm:styleLbl name="bgImgPlace1">
-    <dgm:scene3d>
-      <a:camera prst="orthographicFront"/>
-      <a:lightRig rig="threePt" dir="t"/>
-    </dgm:scene3d>
-    <dgm:sp3d/>
-    <dgm:txPr/>
-    <dgm:style>
-      <a:lnRef idx="2">
-        <a:scrgbClr r="0" g="0" b="0"/>
-      </a:lnRef>
-      <a:fillRef idx="1">
-        <a:scrgbClr r="0" g="0" b="0"/>
-      </a:fillRef>
-      <a:effectRef idx="0">
-        <a:scrgbClr r="0" g="0" b="0"/>
-      </a:effectRef>
-      <a:fontRef idx="minor"/>
-    </dgm:style>
-  </dgm:styleLbl>
-  <dgm:styleLbl name="sibTrans2D1">
-    <dgm:scene3d>
-      <a:camera prst="orthographicFront"/>
-      <a:lightRig rig="threePt" dir="t"/>
-    </dgm:scene3d>
-    <dgm:sp3d/>
-    <dgm:txPr/>
-    <dgm:style>
-      <a:lnRef idx="0">
-        <a:scrgbClr r="0" g="0" b="0"/>
-      </a:lnRef>
-      <a:fillRef idx="1">
-        <a:scrgbClr r="0" g="0" b="0"/>
-      </a:fillRef>
-      <a:effectRef idx="0">
-        <a:scrgbClr r="0" g="0" b="0"/>
-      </a:effectRef>
-      <a:fontRef idx="minor">
-        <a:schemeClr val="lt1"/>
-      </a:fontRef>
-    </dgm:style>
-  </dgm:styleLbl>
-  <dgm:styleLbl name="fgSibTrans2D1">
-    <dgm:scene3d>
-      <a:camera prst="orthographicFront"/>
-      <a:lightRig rig="threePt" dir="t"/>
-    </dgm:scene3d>
-    <dgm:sp3d/>
-    <dgm:txPr/>
-    <dgm:style>
-      <a:lnRef idx="0">
-        <a:scrgbClr r="0" g="0" b="0"/>
-      </a:lnRef>
-      <a:fillRef idx="1">
-        <a:scrgbClr r="0" g="0" b="0"/>
-      </a:fillRef>
-      <a:effectRef idx="0">
-        <a:scrgbClr r="0" g="0" b="0"/>
-      </a:effectRef>
-      <a:fontRef idx="minor">
-        <a:schemeClr val="lt1"/>
-      </a:fontRef>
-    </dgm:style>
-  </dgm:styleLbl>
-  <dgm:styleLbl name="bgSibTrans2D1">
-    <dgm:scene3d>
-      <a:camera prst="orthographicFront"/>
-      <a:lightRig rig="threePt" dir="t"/>
-    </dgm:scene3d>
-    <dgm:sp3d/>
-    <dgm:txPr/>
-    <dgm:style>
-      <a:lnRef idx="0">
-        <a:scrgbClr r="0" g="0" b="0"/>
-      </a:lnRef>
-      <a:fillRef idx="1">
-        <a:scrgbClr r="0" g="0" b="0"/>
-      </a:fillRef>
-      <a:effectRef idx="0">
-        <a:scrgbClr r="0" g="0" b="0"/>
-      </a:effectRef>
-      <a:fontRef idx="minor">
-        <a:schemeClr val="lt1"/>
-      </a:fontRef>
-    </dgm:style>
-  </dgm:styleLbl>
-  <dgm:styleLbl name="sibTrans1D1">
-    <dgm:scene3d>
-      <a:camera prst="orthographicFront"/>
-      <a:lightRig rig="threePt" dir="t"/>
-    </dgm:scene3d>
-    <dgm:sp3d/>
-    <dgm:txPr/>
-    <dgm:style>
-      <a:lnRef idx="1">
-        <a:scrgbClr r="0" g="0" b="0"/>
-      </a:lnRef>
-      <a:fillRef idx="0">
-        <a:scrgbClr r="0" g="0" b="0"/>
-      </a:fillRef>
-      <a:effectRef idx="0">
-        <a:scrgbClr r="0" g="0" b="0"/>
-      </a:effectRef>
-      <a:fontRef idx="minor"/>
-    </dgm:style>
-  </dgm:styleLbl>
-  <dgm:styleLbl name="callout">
-    <dgm:scene3d>
-      <a:camera prst="orthographicFront"/>
-      <a:lightRig rig="threePt" dir="t"/>
-    </dgm:scene3d>
-    <dgm:sp3d/>
-    <dgm:txPr/>
-    <dgm:style>
-      <a:lnRef idx="2">
-        <a:scrgbClr r="0" g="0" b="0"/>
-      </a:lnRef>
-      <a:fillRef idx="1">
-        <a:scrgbClr r="0" g="0" b="0"/>
-      </a:fillRef>
-      <a:effectRef idx="0">
-        <a:scrgbClr r="0" g="0" b="0"/>
-      </a:effectRef>
-      <a:fontRef idx="minor"/>
-    </dgm:style>
-  </dgm:styleLbl>
-  <dgm:styleLbl name="asst0">
-    <dgm:scene3d>
-      <a:camera prst="orthographicFront"/>
-      <a:lightRig rig="threePt" dir="t"/>
-    </dgm:scene3d>
-    <dgm:sp3d/>
-    <dgm:txPr/>
-    <dgm:style>
-      <a:lnRef idx="2">
-        <a:scrgbClr r="0" g="0" b="0"/>
-      </a:lnRef>
-      <a:fillRef idx="1">
-        <a:scrgbClr r="0" g="0" b="0"/>
-      </a:fillRef>
-      <a:effectRef idx="0">
-        <a:scrgbClr r="0" g="0" b="0"/>
-      </a:effectRef>
-      <a:fontRef idx="minor">
-        <a:schemeClr val="lt1"/>
-      </a:fontRef>
-    </dgm:style>
-  </dgm:styleLbl>
-  <dgm:styleLbl name="asst1">
-    <dgm:scene3d>
-      <a:camera prst="orthographicFront"/>
-      <a:lightRig rig="threePt" dir="t"/>
-    </dgm:scene3d>
-    <dgm:sp3d/>
-    <dgm:txPr/>
-    <dgm:style>
-      <a:lnRef idx="2">
-        <a:scrgbClr r="0" g="0" b="0"/>
-      </a:lnRef>
-      <a:fillRef idx="1">
-        <a:scrgbClr r="0" g="0" b="0"/>
-      </a:fillRef>
-      <a:effectRef idx="0">
-        <a:scrgbClr r="0" g="0" b="0"/>
-      </a:effectRef>
-      <a:fontRef idx="minor">
-        <a:schemeClr val="lt1"/>
-      </a:fontRef>
-    </dgm:style>
-  </dgm:styleLbl>
-  <dgm:styleLbl name="asst2">
-    <dgm:scene3d>
-      <a:camera prst="orthographicFront"/>
-      <a:lightRig rig="threePt" dir="t"/>
-    </dgm:scene3d>
-    <dgm:sp3d/>
-    <dgm:txPr/>
-    <dgm:style>
-      <a:lnRef idx="2">
-        <a:scrgbClr r="0" g="0" b="0"/>
-      </a:lnRef>
-      <a:fillRef idx="1">
-        <a:scrgbClr r="0" g="0" b="0"/>
-      </a:fillRef>
-      <a:effectRef idx="0">
-        <a:scrgbClr r="0" g="0" b="0"/>
-      </a:effectRef>
-      <a:fontRef idx="minor">
-        <a:schemeClr val="lt1"/>
-      </a:fontRef>
-    </dgm:style>
-  </dgm:styleLbl>
-  <dgm:styleLbl name="asst3">
-    <dgm:scene3d>
-      <a:camera prst="orthographicFront"/>
-      <a:lightRig rig="threePt" dir="t"/>
-    </dgm:scene3d>
-    <dgm:sp3d/>
-    <dgm:txPr/>
-    <dgm:style>
-      <a:lnRef idx="2">
-        <a:scrgbClr r="0" g="0" b="0"/>
-      </a:lnRef>
-      <a:fillRef idx="1">
-        <a:scrgbClr r="0" g="0" b="0"/>
-      </a:fillRef>
-      <a:effectRef idx="0">
-        <a:scrgbClr r="0" g="0" b="0"/>
-      </a:effectRef>
-      <a:fontRef idx="minor">
-        <a:schemeClr val="lt1"/>
-      </a:fontRef>
-    </dgm:style>
-  </dgm:styleLbl>
-  <dgm:styleLbl name="asst4">
-    <dgm:scene3d>
-      <a:camera prst="orthographicFront"/>
-      <a:lightRig rig="threePt" dir="t"/>
-    </dgm:scene3d>
-    <dgm:sp3d/>
-    <dgm:txPr/>
-    <dgm:style>
-      <a:lnRef idx="2">
-        <a:scrgbClr r="0" g="0" b="0"/>
-      </a:lnRef>
-      <a:fillRef idx="1">
-        <a:scrgbClr r="0" g="0" b="0"/>
-      </a:fillRef>
-      <a:effectRef idx="0">
-        <a:scrgbClr r="0" g="0" b="0"/>
-      </a:effectRef>
-      <a:fontRef idx="minor">
-        <a:schemeClr val="lt1"/>
-      </a:fontRef>
-    </dgm:style>
-  </dgm:styleLbl>
-  <dgm:styleLbl name="parChTrans2D1">
-    <dgm:scene3d>
-      <a:camera prst="orthographicFront"/>
-      <a:lightRig rig="threePt" dir="t"/>
-    </dgm:scene3d>
-    <dgm:sp3d/>
-    <dgm:txPr/>
-    <dgm:style>
-      <a:lnRef idx="2">
-        <a:scrgbClr r="0" g="0" b="0"/>
-      </a:lnRef>
-      <a:fillRef idx="1">
-        <a:scrgbClr r="0" g="0" b="0"/>
-      </a:fillRef>
-      <a:effectRef idx="0">
-        <a:scrgbClr r="0" g="0" b="0"/>
-      </a:effectRef>
-      <a:fontRef idx="minor">
-        <a:schemeClr val="lt1"/>
-      </a:fontRef>
-    </dgm:style>
-  </dgm:styleLbl>
-  <dgm:styleLbl name="parChTrans2D2">
-    <dgm:scene3d>
-      <a:camera prst="orthographicFront"/>
-      <a:lightRig rig="threePt" dir="t"/>
-    </dgm:scene3d>
-    <dgm:sp3d/>
-    <dgm:txPr/>
-    <dgm:style>
-      <a:lnRef idx="2">
-        <a:scrgbClr r="0" g="0" b="0"/>
-      </a:lnRef>
-      <a:fillRef idx="1">
-        <a:scrgbClr r="0" g="0" b="0"/>
-      </a:fillRef>
-      <a:effectRef idx="0">
-        <a:scrgbClr r="0" g="0" b="0"/>
-      </a:effectRef>
-      <a:fontRef idx="minor">
-        <a:schemeClr val="lt1"/>
-      </a:fontRef>
-    </dgm:style>
-  </dgm:styleLbl>
-  <dgm:styleLbl name="parChTrans2D3">
-    <dgm:scene3d>
-      <a:camera prst="orthographicFront"/>
-      <a:lightRig rig="threePt" dir="t"/>
-    </dgm:scene3d>
-    <dgm:sp3d/>
-    <dgm:txPr/>
-    <dgm:style>
-      <a:lnRef idx="2">
-        <a:scrgbClr r="0" g="0" b="0"/>
-      </a:lnRef>
-      <a:fillRef idx="1">
-        <a:scrgbClr r="0" g="0" b="0"/>
-      </a:fillRef>
-      <a:effectRef idx="0">
-        <a:scrgbClr r="0" g="0" b="0"/>
-      </a:effectRef>
-      <a:fontRef idx="minor">
-        <a:schemeClr val="lt1"/>
-      </a:fontRef>
-    </dgm:style>
-  </dgm:styleLbl>
-  <dgm:styleLbl name="parChTrans2D4">
-    <dgm:scene3d>
-      <a:camera prst="orthographicFront"/>
-      <a:lightRig rig="threePt" dir="t"/>
-    </dgm:scene3d>
-    <dgm:sp3d/>
-    <dgm:txPr/>
-    <dgm:style>
-      <a:lnRef idx="2">
-        <a:scrgbClr r="0" g="0" b="0"/>
-      </a:lnRef>
-      <a:fillRef idx="1">
-        <a:scrgbClr r="0" g="0" b="0"/>
-      </a:fillRef>
-      <a:effectRef idx="0">
-        <a:scrgbClr r="0" g="0" b="0"/>
-      </a:effectRef>
-      <a:fontRef idx="minor">
-        <a:schemeClr val="lt1"/>
-      </a:fontRef>
-    </dgm:style>
-  </dgm:styleLbl>
-  <dgm:styleLbl name="parChTrans1D1">
-    <dgm:scene3d>
-      <a:camera prst="orthographicFront"/>
-      <a:lightRig rig="threePt" dir="t"/>
-    </dgm:scene3d>
-    <dgm:sp3d/>
-    <dgm:txPr/>
-    <dgm:style>
-      <a:lnRef idx="2">
-        <a:scrgbClr r="0" g="0" b="0"/>
-      </a:lnRef>
-      <a:fillRef idx="0">
-        <a:scrgbClr r="0" g="0" b="0"/>
-      </a:fillRef>
-      <a:effectRef idx="0">
-        <a:scrgbClr r="0" g="0" b="0"/>
-      </a:effectRef>
-      <a:fontRef idx="minor"/>
-    </dgm:style>
-  </dgm:styleLbl>
-  <dgm:styleLbl name="parChTrans1D2">
-    <dgm:scene3d>
-      <a:camera prst="orthographicFront"/>
-      <a:lightRig rig="threePt" dir="t"/>
-    </dgm:scene3d>
-    <dgm:sp3d/>
-    <dgm:txPr/>
-    <dgm:style>
-      <a:lnRef idx="2">
-        <a:scrgbClr r="0" g="0" b="0"/>
-      </a:lnRef>
-      <a:fillRef idx="0">
-        <a:scrgbClr r="0" g="0" b="0"/>
-      </a:fillRef>
-      <a:effectRef idx="0">
-        <a:scrgbClr r="0" g="0" b="0"/>
-      </a:effectRef>
-      <a:fontRef idx="minor"/>
-    </dgm:style>
-  </dgm:styleLbl>
-  <dgm:styleLbl name="parChTrans1D3">
-    <dgm:scene3d>
-      <a:camera prst="orthographicFront"/>
-      <a:lightRig rig="threePt" dir="t"/>
-    </dgm:scene3d>
-    <dgm:sp3d/>
-    <dgm:txPr/>
-    <dgm:style>
-      <a:lnRef idx="2">
-        <a:scrgbClr r="0" g="0" b="0"/>
-      </a:lnRef>
-      <a:fillRef idx="0">
-        <a:scrgbClr r="0" g="0" b="0"/>
-      </a:fillRef>
-      <a:effectRef idx="0">
-        <a:scrgbClr r="0" g="0" b="0"/>
-      </a:effectRef>
-      <a:fontRef idx="minor"/>
-    </dgm:style>
-  </dgm:styleLbl>
-  <dgm:styleLbl name="parChTrans1D4">
-    <dgm:scene3d>
-      <a:camera prst="orthographicFront"/>
-      <a:lightRig rig="threePt" dir="t"/>
-    </dgm:scene3d>
-    <dgm:sp3d/>
-    <dgm:txPr/>
-    <dgm:style>
-      <a:lnRef idx="2">
-        <a:scrgbClr r="0" g="0" b="0"/>
-      </a:lnRef>
-      <a:fillRef idx="0">
-        <a:scrgbClr r="0" g="0" b="0"/>
-      </a:fillRef>
-      <a:effectRef idx="0">
-        <a:scrgbClr r="0" g="0" b="0"/>
-      </a:effectRef>
-      <a:fontRef idx="minor"/>
-    </dgm:style>
-  </dgm:styleLbl>
-  <dgm:styleLbl name="fgAcc1">
-    <dgm:scene3d>
-      <a:camera prst="orthographicFront"/>
-      <a:lightRig rig="threePt" dir="t"/>
-    </dgm:scene3d>
-    <dgm:sp3d/>
-    <dgm:txPr/>
-    <dgm:style>
-      <a:lnRef idx="2">
-        <a:scrgbClr r="0" g="0" b="0"/>
-      </a:lnRef>
-      <a:fillRef idx="1">
-        <a:scrgbClr r="0" g="0" b="0"/>
-      </a:fillRef>
-      <a:effectRef idx="0">
-        <a:scrgbClr r="0" g="0" b="0"/>
-      </a:effectRef>
-      <a:fontRef idx="minor"/>
-    </dgm:style>
-  </dgm:styleLbl>
-  <dgm:styleLbl name="conFgAcc1">
-    <dgm:scene3d>
-      <a:camera prst="orthographicFront"/>
-      <a:lightRig rig="threePt" dir="t"/>
-    </dgm:scene3d>
-    <dgm:sp3d/>
-    <dgm:txPr/>
-    <dgm:style>
-      <a:lnRef idx="2">
-        <a:scrgbClr r="0" g="0" b="0"/>
-      </a:lnRef>
-      <a:fillRef idx="1">
-        <a:scrgbClr r="0" g="0" b="0"/>
-      </a:fillRef>
-      <a:effectRef idx="0">
-        <a:scrgbClr r="0" g="0" b="0"/>
-      </a:effectRef>
-      <a:fontRef idx="minor"/>
-    </dgm:style>
-  </dgm:styleLbl>
-  <dgm:styleLbl name="alignAcc1">
-    <dgm:scene3d>
-      <a:camera prst="orthographicFront"/>
-      <a:lightRig rig="threePt" dir="t"/>
-    </dgm:scene3d>
-    <dgm:sp3d/>
-    <dgm:txPr/>
-    <dgm:style>
-      <a:lnRef idx="2">
-        <a:scrgbClr r="0" g="0" b="0"/>
-      </a:lnRef>
-      <a:fillRef idx="1">
-        <a:scrgbClr r="0" g="0" b="0"/>
-      </a:fillRef>
-      <a:effectRef idx="0">
-        <a:scrgbClr r="0" g="0" b="0"/>
-      </a:effectRef>
-      <a:fontRef idx="minor"/>
-    </dgm:style>
-  </dgm:styleLbl>
-  <dgm:styleLbl name="trAlignAcc1">
-    <dgm:scene3d>
-      <a:camera prst="orthographicFront"/>
-      <a:lightRig rig="threePt" dir="t"/>
-    </dgm:scene3d>
-    <dgm:sp3d/>
-    <dgm:txPr/>
-    <dgm:style>
-      <a:lnRef idx="1">
-        <a:scrgbClr r="0" g="0" b="0"/>
-      </a:lnRef>
-      <a:fillRef idx="1">
-        <a:scrgbClr r="0" g="0" b="0"/>
-      </a:fillRef>
-      <a:effectRef idx="0">
-        <a:scrgbClr r="0" g="0" b="0"/>
-      </a:effectRef>
-      <a:fontRef idx="minor"/>
-    </dgm:style>
-  </dgm:styleLbl>
-  <dgm:styleLbl name="bgAcc1">
-    <dgm:scene3d>
-      <a:camera prst="orthographicFront"/>
-      <a:lightRig rig="threePt" dir="t"/>
-    </dgm:scene3d>
-    <dgm:sp3d/>
-    <dgm:txPr/>
-    <dgm:style>
-      <a:lnRef idx="2">
-        <a:scrgbClr r="0" g="0" b="0"/>
-      </a:lnRef>
-      <a:fillRef idx="1">
-        <a:scrgbClr r="0" g="0" b="0"/>
-      </a:fillRef>
-      <a:effectRef idx="0">
-        <a:scrgbClr r="0" g="0" b="0"/>
-      </a:effectRef>
-      <a:fontRef idx="minor"/>
-    </dgm:style>
-  </dgm:styleLbl>
-  <dgm:styleLbl name="solidFgAcc1">
-    <dgm:scene3d>
-      <a:camera prst="orthographicFront"/>
-      <a:lightRig rig="threePt" dir="t"/>
-    </dgm:scene3d>
-    <dgm:sp3d/>
-    <dgm:txPr/>
-    <dgm:style>
-      <a:lnRef idx="2">
-        <a:scrgbClr r="0" g="0" b="0"/>
-      </a:lnRef>
-      <a:fillRef idx="1">
-        <a:scrgbClr r="0" g="0" b="0"/>
-      </a:fillRef>
-      <a:effectRef idx="0">
-        <a:scrgbClr r="0" g="0" b="0"/>
-      </a:effectRef>
-      <a:fontRef idx="minor"/>
-    </dgm:style>
-  </dgm:styleLbl>
-  <dgm:styleLbl name="solidAlignAcc1">
-    <dgm:scene3d>
-      <a:camera prst="orthographicFront"/>
-      <a:lightRig rig="threePt" dir="t"/>
-    </dgm:scene3d>
-    <dgm:sp3d/>
-    <dgm:txPr/>
-    <dgm:style>
-      <a:lnRef idx="2">
-        <a:scrgbClr r="0" g="0" b="0"/>
-      </a:lnRef>
-      <a:fillRef idx="1">
-        <a:scrgbClr r="0" g="0" b="0"/>
-      </a:fillRef>
-      <a:effectRef idx="0">
-        <a:scrgbClr r="0" g="0" b="0"/>
-      </a:effectRef>
-      <a:fontRef idx="minor"/>
-    </dgm:style>
-  </dgm:styleLbl>
-  <dgm:styleLbl name="solidBgAcc1">
-    <dgm:scene3d>
-      <a:camera prst="orthographicFront"/>
-      <a:lightRig rig="threePt" dir="t"/>
-    </dgm:scene3d>
-    <dgm:sp3d/>
-    <dgm:txPr/>
-    <dgm:style>
-      <a:lnRef idx="2">
-        <a:scrgbClr r="0" g="0" b="0"/>
-      </a:lnRef>
-      <a:fillRef idx="1">
-        <a:scrgbClr r="0" g="0" b="0"/>
-      </a:fillRef>
-      <a:effectRef idx="0">
-        <a:scrgbClr r="0" g="0" b="0"/>
-      </a:effectRef>
-      <a:fontRef idx="minor"/>
-    </dgm:style>
-  </dgm:styleLbl>
-  <dgm:styleLbl name="fgAccFollowNode1">
-    <dgm:scene3d>
-      <a:camera prst="orthographicFront"/>
-      <a:lightRig rig="threePt" dir="t"/>
-    </dgm:scene3d>
-    <dgm:sp3d/>
-    <dgm:txPr/>
-    <dgm:style>
-      <a:lnRef idx="2">
-        <a:scrgbClr r="0" g="0" b="0"/>
-      </a:lnRef>
-      <a:fillRef idx="1">
-        <a:scrgbClr r="0" g="0" b="0"/>
-      </a:fillRef>
-      <a:effectRef idx="0">
-        <a:scrgbClr r="0" g="0" b="0"/>
-      </a:effectRef>
-      <a:fontRef idx="minor"/>
-    </dgm:style>
-  </dgm:styleLbl>
-  <dgm:styleLbl name="alignAccFollowNode1">
-    <dgm:scene3d>
-      <a:camera prst="orthographicFront"/>
-      <a:lightRig rig="threePt" dir="t"/>
-    </dgm:scene3d>
-    <dgm:sp3d/>
-    <dgm:txPr/>
-    <dgm:style>
-      <a:lnRef idx="2">
-        <a:scrgbClr r="0" g="0" b="0"/>
-      </a:lnRef>
-      <a:fillRef idx="1">
-        <a:scrgbClr r="0" g="0" b="0"/>
-      </a:fillRef>
-      <a:effectRef idx="0">
-        <a:scrgbClr r="0" g="0" b="0"/>
-      </a:effectRef>
-      <a:fontRef idx="minor"/>
-    </dgm:style>
-  </dgm:styleLbl>
-  <dgm:styleLbl name="bgAccFollowNode1">
-    <dgm:scene3d>
-      <a:camera prst="orthographicFront"/>
-      <a:lightRig rig="threePt" dir="t"/>
-    </dgm:scene3d>
-    <dgm:sp3d/>
-    <dgm:txPr/>
-    <dgm:style>
-      <a:lnRef idx="2">
-        <a:scrgbClr r="0" g="0" b="0"/>
-      </a:lnRef>
-      <a:fillRef idx="1">
-        <a:scrgbClr r="0" g="0" b="0"/>
-      </a:fillRef>
-      <a:effectRef idx="0">
-        <a:scrgbClr r="0" g="0" b="0"/>
-      </a:effectRef>
-      <a:fontRef idx="minor"/>
-    </dgm:style>
-  </dgm:styleLbl>
-  <dgm:styleLbl name="fgAcc0">
-    <dgm:scene3d>
-      <a:camera prst="orthographicFront"/>
-      <a:lightRig rig="threePt" dir="t"/>
-    </dgm:scene3d>
-    <dgm:sp3d/>
-    <dgm:txPr/>
-    <dgm:style>
-      <a:lnRef idx="2">
-        <a:scrgbClr r="0" g="0" b="0"/>
-      </a:lnRef>
-      <a:fillRef idx="1">
-        <a:scrgbClr r="0" g="0" b="0"/>
-      </a:fillRef>
-      <a:effectRef idx="0">
-        <a:scrgbClr r="0" g="0" b="0"/>
-      </a:effectRef>
-      <a:fontRef idx="minor"/>
-    </dgm:style>
-  </dgm:styleLbl>
-  <dgm:styleLbl name="fgAcc2">
-    <dgm:scene3d>
-      <a:camera prst="orthographicFront"/>
-      <a:lightRig rig="threePt" dir="t"/>
-    </dgm:scene3d>
-    <dgm:sp3d/>
-    <dgm:txPr/>
-    <dgm:style>
-      <a:lnRef idx="2">
-        <a:scrgbClr r="0" g="0" b="0"/>
-      </a:lnRef>
-      <a:fillRef idx="1">
-        <a:scrgbClr r="0" g="0" b="0"/>
-      </a:fillRef>
-      <a:effectRef idx="0">
-        <a:scrgbClr r="0" g="0" b="0"/>
-      </a:effectRef>
-      <a:fontRef idx="minor"/>
-    </dgm:style>
-  </dgm:styleLbl>
-  <dgm:styleLbl name="fgAcc3">
-    <dgm:scene3d>
-      <a:camera prst="orthographicFront"/>
-      <a:lightRig rig="threePt" dir="t"/>
-    </dgm:scene3d>
-    <dgm:sp3d/>
-    <dgm:txPr/>
-    <dgm:style>
-      <a:lnRef idx="2">
-        <a:scrgbClr r="0" g="0" b="0"/>
-      </a:lnRef>
-      <a:fillRef idx="1">
-        <a:scrgbClr r="0" g="0" b="0"/>
-      </a:fillRef>
-      <a:effectRef idx="0">
-        <a:scrgbClr r="0" g="0" b="0"/>
-      </a:effectRef>
-      <a:fontRef idx="minor"/>
-    </dgm:style>
-  </dgm:styleLbl>
-  <dgm:styleLbl name="fgAcc4">
-    <dgm:scene3d>
-      <a:camera prst="orthographicFront"/>
-      <a:lightRig rig="threePt" dir="t"/>
-    </dgm:scene3d>
-    <dgm:sp3d/>
-    <dgm:txPr/>
-    <dgm:style>
-      <a:lnRef idx="2">
-        <a:scrgbClr r="0" g="0" b="0"/>
-      </a:lnRef>
-      <a:fillRef idx="1">
-        <a:scrgbClr r="0" g="0" b="0"/>
-      </a:fillRef>
-      <a:effectRef idx="0">
-        <a:scrgbClr r="0" g="0" b="0"/>
-      </a:effectRef>
-      <a:fontRef idx="minor"/>
-    </dgm:style>
-  </dgm:styleLbl>
-  <dgm:styleLbl name="bgShp">
-    <dgm:scene3d>
-      <a:camera prst="orthographicFront"/>
-      <a:lightRig rig="threePt" dir="t"/>
-    </dgm:scene3d>
-    <dgm:sp3d/>
-    <dgm:txPr/>
-    <dgm:style>
-      <a:lnRef idx="0">
-        <a:scrgbClr r="0" g="0" b="0"/>
-      </a:lnRef>
-      <a:fillRef idx="1">
-        <a:scrgbClr r="0" g="0" b="0"/>
-      </a:fillRef>
-      <a:effectRef idx="0">
-        <a:scrgbClr r="0" g="0" b="0"/>
-      </a:effectRef>
-      <a:fontRef idx="minor"/>
-    </dgm:style>
-  </dgm:styleLbl>
-  <dgm:styleLbl name="dkBgShp">
-    <dgm:scene3d>
-      <a:camera prst="orthographicFront"/>
-      <a:lightRig rig="threePt" dir="t"/>
-    </dgm:scene3d>
-    <dgm:sp3d/>
-    <dgm:txPr/>
-    <dgm:style>
-      <a:lnRef idx="0">
-        <a:scrgbClr r="0" g="0" b="0"/>
-      </a:lnRef>
-      <a:fillRef idx="1">
-        <a:scrgbClr r="0" g="0" b="0"/>
-      </a:fillRef>
-      <a:effectRef idx="0">
-        <a:scrgbClr r="0" g="0" b="0"/>
-      </a:effectRef>
-      <a:fontRef idx="minor"/>
-    </dgm:style>
-  </dgm:styleLbl>
-  <dgm:styleLbl name="trBgShp">
-    <dgm:scene3d>
-      <a:camera prst="orthographicFront"/>
-      <a:lightRig rig="threePt" dir="t"/>
-    </dgm:scene3d>
-    <dgm:sp3d/>
-    <dgm:txPr/>
-    <dgm:style>
-      <a:lnRef idx="0">
-        <a:scrgbClr r="0" g="0" b="0"/>
-      </a:lnRef>
-      <a:fillRef idx="1">
-        <a:scrgbClr r="0" g="0" b="0"/>
-      </a:fillRef>
-      <a:effectRef idx="0">
-        <a:scrgbClr r="0" g="0" b="0"/>
-      </a:effectRef>
-      <a:fontRef idx="minor"/>
-    </dgm:style>
-  </dgm:styleLbl>
-  <dgm:styleLbl name="fgShp">
-    <dgm:scene3d>
-      <a:camera prst="orthographicFront"/>
-      <a:lightRig rig="threePt" dir="t"/>
-    </dgm:scene3d>
-    <dgm:sp3d/>
-    <dgm:txPr/>
-    <dgm:style>
-      <a:lnRef idx="2">
-        <a:scrgbClr r="0" g="0" b="0"/>
-      </a:lnRef>
-      <a:fillRef idx="1">
-        <a:scrgbClr r="0" g="0" b="0"/>
-      </a:fillRef>
-      <a:effectRef idx="0">
-        <a:scrgbClr r="0" g="0" b="0"/>
-      </a:effectRef>
-      <a:fontRef idx="minor"/>
-    </dgm:style>
-  </dgm:styleLbl>
-  <dgm:styleLbl name="revTx">
-    <dgm:scene3d>
-      <a:camera prst="orthographicFront"/>
-      <a:lightRig rig="threePt" dir="t"/>
-    </dgm:scene3d>
-    <dgm:sp3d/>
-    <dgm:txPr/>
-    <dgm:style>
-      <a:lnRef idx="0">
-        <a:scrgbClr r="0" g="0" b="0"/>
-      </a:lnRef>
-      <a:fillRef idx="0">
-        <a:scrgbClr r="0" g="0" b="0"/>
-      </a:fillRef>
-      <a:effectRef idx="0">
-        <a:scrgbClr r="0" g="0" b="0"/>
-      </a:effectRef>
-      <a:fontRef idx="minor"/>
-    </dgm:style>
-  </dgm:styleLbl>
-</dgm:styleDef>
-</file>
-
 <file path=ppt/handoutMasters/handoutMaster1.xml><?xml version="1.0" encoding="utf-8"?>
 <p:handoutMaster xmlns:a="http://schemas.openxmlformats.org/drawingml/2006/main" xmlns:r="http://schemas.openxmlformats.org/officeDocument/2006/relationships" xmlns:p="http://schemas.openxmlformats.org/presentationml/2006/main">
   <p:cSld>
@@ -3289,7 +227,7 @@
             <a:pPr rtl="0"/>
             <a:fld id="{26A2FD3C-36E7-4935-B820-DC0DA9826603}" type="datetime1">
               <a:rPr lang="uk-UA" smtClean="0"/>
-              <a:t>15.06.2025</a:t>
+              <a:t>20.06.2025</a:t>
             </a:fld>
             <a:endParaRPr lang="uk-UA" dirty="0"/>
           </a:p>
@@ -3459,7 +397,7 @@
             <a:pPr rtl="0"/>
             <a:fld id="{884B78D8-2B98-44EC-A05A-8520659DCF25}" type="datetime1">
               <a:rPr lang="uk-UA" noProof="0" smtClean="0"/>
-              <a:t>15.06.2025</a:t>
+              <a:t>20.06.2025</a:t>
             </a:fld>
             <a:endParaRPr lang="uk-UA" noProof="0" dirty="0"/>
           </a:p>
@@ -3815,7 +753,7 @@
 </p:notes>
 </file>
 
-<file path=ppt/notesSlides/notesSlide10.xml><?xml version="1.0" encoding="utf-8"?>
+<file path=ppt/notesSlides/notesSlide2.xml><?xml version="1.0" encoding="utf-8"?>
 <p:notes xmlns:a="http://schemas.openxmlformats.org/drawingml/2006/main" xmlns:r="http://schemas.openxmlformats.org/officeDocument/2006/relationships" xmlns:p="http://schemas.openxmlformats.org/presentationml/2006/main">
   <p:cSld>
     <p:spTree>
@@ -3881,92 +819,6 @@
             <a:pPr rtl="0"/>
             <a:fld id="{82869989-EB00-4EE7-BCB5-25BDC5BB29F8}" type="slidenum">
               <a:rPr lang="uk-UA" smtClean="0"/>
-              <a:t>14</a:t>
-            </a:fld>
-            <a:endParaRPr lang="uk-UA" dirty="0"/>
-          </a:p>
-        </p:txBody>
-      </p:sp>
-    </p:spTree>
-    <p:extLst>
-      <p:ext uri="{BB962C8B-B14F-4D97-AF65-F5344CB8AC3E}">
-        <p14:creationId xmlns:p14="http://schemas.microsoft.com/office/powerpoint/2010/main" val="1147521486"/>
-      </p:ext>
-    </p:extLst>
-  </p:cSld>
-  <p:clrMapOvr>
-    <a:masterClrMapping/>
-  </p:clrMapOvr>
-</p:notes>
-</file>
-
-<file path=ppt/notesSlides/notesSlide2.xml><?xml version="1.0" encoding="utf-8"?>
-<p:notes xmlns:a="http://schemas.openxmlformats.org/drawingml/2006/main" xmlns:r="http://schemas.openxmlformats.org/officeDocument/2006/relationships" xmlns:p="http://schemas.openxmlformats.org/presentationml/2006/main">
-  <p:cSld>
-    <p:spTree>
-      <p:nvGrpSpPr>
-        <p:cNvPr id="1" name=""/>
-        <p:cNvGrpSpPr/>
-        <p:nvPr/>
-      </p:nvGrpSpPr>
-      <p:grpSpPr>
-        <a:xfrm>
-          <a:off x="0" y="0"/>
-          <a:ext cx="0" cy="0"/>
-          <a:chOff x="0" y="0"/>
-          <a:chExt cx="0" cy="0"/>
-        </a:xfrm>
-      </p:grpSpPr>
-      <p:sp>
-        <p:nvSpPr>
-          <p:cNvPr id="2" name="Місце для зображення 1"/>
-          <p:cNvSpPr>
-            <a:spLocks noGrp="1" noRot="1" noChangeAspect="1"/>
-          </p:cNvSpPr>
-          <p:nvPr>
-            <p:ph type="sldImg"/>
-          </p:nvPr>
-        </p:nvSpPr>
-        <p:spPr/>
-      </p:sp>
-      <p:sp>
-        <p:nvSpPr>
-          <p:cNvPr id="3" name="Місце для нотаток 2"/>
-          <p:cNvSpPr>
-            <a:spLocks noGrp="1"/>
-          </p:cNvSpPr>
-          <p:nvPr>
-            <p:ph type="body" idx="1"/>
-          </p:nvPr>
-        </p:nvSpPr>
-        <p:spPr/>
-        <p:txBody>
-          <a:bodyPr rtlCol="0"/>
-          <a:lstStyle/>
-          <a:p>
-            <a:pPr rtl="0"/>
-            <a:endParaRPr lang="uk-UA" dirty="0"/>
-          </a:p>
-        </p:txBody>
-      </p:sp>
-      <p:sp>
-        <p:nvSpPr>
-          <p:cNvPr id="4" name="Місце для номера слайда 3"/>
-          <p:cNvSpPr>
-            <a:spLocks noGrp="1"/>
-          </p:cNvSpPr>
-          <p:nvPr>
-            <p:ph type="sldNum" sz="quarter" idx="10"/>
-          </p:nvPr>
-        </p:nvSpPr>
-        <p:spPr/>
-        <p:txBody>
-          <a:bodyPr rtlCol="0"/>
-          <a:lstStyle/>
-          <a:p>
-            <a:pPr rtl="0"/>
-            <a:fld id="{82869989-EB00-4EE7-BCB5-25BDC5BB29F8}" type="slidenum">
-              <a:rPr lang="uk-UA" smtClean="0"/>
               <a:t>3</a:t>
             </a:fld>
             <a:endParaRPr lang="uk-UA" dirty="0"/>
@@ -3976,7 +828,7 @@
     </p:spTree>
     <p:extLst>
       <p:ext uri="{BB962C8B-B14F-4D97-AF65-F5344CB8AC3E}">
-        <p14:creationId xmlns:p14="http://schemas.microsoft.com/office/powerpoint/2010/main" val="1980303916"/>
+        <p14:creationId xmlns:p14="http://schemas.microsoft.com/office/powerpoint/2010/main" val="1202533760"/>
       </p:ext>
     </p:extLst>
   </p:cSld>
@@ -4061,7 +913,7 @@
     </p:spTree>
     <p:extLst>
       <p:ext uri="{BB962C8B-B14F-4D97-AF65-F5344CB8AC3E}">
-        <p14:creationId xmlns:p14="http://schemas.microsoft.com/office/powerpoint/2010/main" val="1202533760"/>
+        <p14:creationId xmlns:p14="http://schemas.microsoft.com/office/powerpoint/2010/main" val="4005755292"/>
       </p:ext>
     </p:extLst>
   </p:cSld>
@@ -4076,7 +928,13 @@
   <p:cSld>
     <p:spTree>
       <p:nvGrpSpPr>
-        <p:cNvPr id="1" name=""/>
+        <p:cNvPr id="1" name="">
+          <a:extLst>
+            <a:ext uri="{FF2B5EF4-FFF2-40B4-BE49-F238E27FC236}">
+              <a16:creationId xmlns:a16="http://schemas.microsoft.com/office/drawing/2014/main" id="{663E1421-60F9-72E8-0B36-339AE39EC328}"/>
+            </a:ext>
+          </a:extLst>
+        </p:cNvPr>
         <p:cNvGrpSpPr/>
         <p:nvPr/>
       </p:nvGrpSpPr>
@@ -4090,7 +948,13 @@
       </p:grpSpPr>
       <p:sp>
         <p:nvSpPr>
-          <p:cNvPr id="2" name="Місце для зображення 1"/>
+          <p:cNvPr id="2" name="Місце для зображення 1">
+            <a:extLst>
+              <a:ext uri="{FF2B5EF4-FFF2-40B4-BE49-F238E27FC236}">
+                <a16:creationId xmlns:a16="http://schemas.microsoft.com/office/drawing/2014/main" id="{14820909-144A-417F-3F9D-900661686B3B}"/>
+              </a:ext>
+            </a:extLst>
+          </p:cNvPr>
           <p:cNvSpPr>
             <a:spLocks noGrp="1" noRot="1" noChangeAspect="1"/>
           </p:cNvSpPr>
@@ -4102,7 +966,13 @@
       </p:sp>
       <p:sp>
         <p:nvSpPr>
-          <p:cNvPr id="3" name="Місце для нотаток 2"/>
+          <p:cNvPr id="3" name="Місце для нотаток 2">
+            <a:extLst>
+              <a:ext uri="{FF2B5EF4-FFF2-40B4-BE49-F238E27FC236}">
+                <a16:creationId xmlns:a16="http://schemas.microsoft.com/office/drawing/2014/main" id="{46A0EE5F-D5CF-C38E-64FA-897257AFB96E}"/>
+              </a:ext>
+            </a:extLst>
+          </p:cNvPr>
           <p:cNvSpPr>
             <a:spLocks noGrp="1"/>
           </p:cNvSpPr>
@@ -4121,7 +991,13 @@
       </p:sp>
       <p:sp>
         <p:nvSpPr>
-          <p:cNvPr id="4" name="Місце для номера слайда 3"/>
+          <p:cNvPr id="4" name="Місце для номера слайда 3">
+            <a:extLst>
+              <a:ext uri="{FF2B5EF4-FFF2-40B4-BE49-F238E27FC236}">
+                <a16:creationId xmlns:a16="http://schemas.microsoft.com/office/drawing/2014/main" id="{AE6EAAE9-BC68-9E84-09AD-A698DCE52582}"/>
+              </a:ext>
+            </a:extLst>
+          </p:cNvPr>
           <p:cNvSpPr>
             <a:spLocks noGrp="1"/>
           </p:cNvSpPr>
@@ -4146,7 +1022,7 @@
     </p:spTree>
     <p:extLst>
       <p:ext uri="{BB962C8B-B14F-4D97-AF65-F5344CB8AC3E}">
-        <p14:creationId xmlns:p14="http://schemas.microsoft.com/office/powerpoint/2010/main" val="4005755292"/>
+        <p14:creationId xmlns:p14="http://schemas.microsoft.com/office/powerpoint/2010/main" val="1686811411"/>
       </p:ext>
     </p:extLst>
   </p:cSld>
@@ -4222,7 +1098,7 @@
             <a:pPr rtl="0"/>
             <a:fld id="{82869989-EB00-4EE7-BCB5-25BDC5BB29F8}" type="slidenum">
               <a:rPr lang="uk-UA" smtClean="0"/>
-              <a:t>8</a:t>
+              <a:t>7</a:t>
             </a:fld>
             <a:endParaRPr lang="uk-UA" dirty="0"/>
           </a:p>
@@ -4231,7 +1107,7 @@
     </p:spTree>
     <p:extLst>
       <p:ext uri="{BB962C8B-B14F-4D97-AF65-F5344CB8AC3E}">
-        <p14:creationId xmlns:p14="http://schemas.microsoft.com/office/powerpoint/2010/main" val="1888181019"/>
+        <p14:creationId xmlns:p14="http://schemas.microsoft.com/office/powerpoint/2010/main" val="3310192307"/>
       </p:ext>
     </p:extLst>
   </p:cSld>
@@ -4307,92 +1183,7 @@
             <a:pPr rtl="0"/>
             <a:fld id="{82869989-EB00-4EE7-BCB5-25BDC5BB29F8}" type="slidenum">
               <a:rPr lang="uk-UA" smtClean="0"/>
-              <a:t>10</a:t>
-            </a:fld>
-            <a:endParaRPr lang="uk-UA" dirty="0"/>
-          </a:p>
-        </p:txBody>
-      </p:sp>
-    </p:spTree>
-    <p:extLst>
-      <p:ext uri="{BB962C8B-B14F-4D97-AF65-F5344CB8AC3E}">
-        <p14:creationId xmlns:p14="http://schemas.microsoft.com/office/powerpoint/2010/main" val="3310192307"/>
-      </p:ext>
-    </p:extLst>
-  </p:cSld>
-  <p:clrMapOvr>
-    <a:masterClrMapping/>
-  </p:clrMapOvr>
-</p:notes>
-</file>
-
-<file path=ppt/notesSlides/notesSlide7.xml><?xml version="1.0" encoding="utf-8"?>
-<p:notes xmlns:a="http://schemas.openxmlformats.org/drawingml/2006/main" xmlns:r="http://schemas.openxmlformats.org/officeDocument/2006/relationships" xmlns:p="http://schemas.openxmlformats.org/presentationml/2006/main">
-  <p:cSld>
-    <p:spTree>
-      <p:nvGrpSpPr>
-        <p:cNvPr id="1" name=""/>
-        <p:cNvGrpSpPr/>
-        <p:nvPr/>
-      </p:nvGrpSpPr>
-      <p:grpSpPr>
-        <a:xfrm>
-          <a:off x="0" y="0"/>
-          <a:ext cx="0" cy="0"/>
-          <a:chOff x="0" y="0"/>
-          <a:chExt cx="0" cy="0"/>
-        </a:xfrm>
-      </p:grpSpPr>
-      <p:sp>
-        <p:nvSpPr>
-          <p:cNvPr id="2" name="Місце для зображення 1"/>
-          <p:cNvSpPr>
-            <a:spLocks noGrp="1" noRot="1" noChangeAspect="1"/>
-          </p:cNvSpPr>
-          <p:nvPr>
-            <p:ph type="sldImg"/>
-          </p:nvPr>
-        </p:nvSpPr>
-        <p:spPr/>
-      </p:sp>
-      <p:sp>
-        <p:nvSpPr>
-          <p:cNvPr id="3" name="Місце для нотаток 2"/>
-          <p:cNvSpPr>
-            <a:spLocks noGrp="1"/>
-          </p:cNvSpPr>
-          <p:nvPr>
-            <p:ph type="body" idx="1"/>
-          </p:nvPr>
-        </p:nvSpPr>
-        <p:spPr/>
-        <p:txBody>
-          <a:bodyPr/>
-          <a:lstStyle/>
-          <a:p>
-            <a:endParaRPr lang="uk-UA" dirty="0"/>
-          </a:p>
-        </p:txBody>
-      </p:sp>
-      <p:sp>
-        <p:nvSpPr>
-          <p:cNvPr id="4" name="Місце для номера слайда 3"/>
-          <p:cNvSpPr>
-            <a:spLocks noGrp="1"/>
-          </p:cNvSpPr>
-          <p:nvPr>
-            <p:ph type="sldNum" sz="quarter" idx="10"/>
-          </p:nvPr>
-        </p:nvSpPr>
-        <p:spPr/>
-        <p:txBody>
-          <a:bodyPr/>
-          <a:lstStyle/>
-          <a:p>
-            <a:pPr rtl="0"/>
-            <a:fld id="{82869989-EB00-4EE7-BCB5-25BDC5BB29F8}" type="slidenum">
-              <a:rPr lang="uk-UA" smtClean="0"/>
-              <a:t>11</a:t>
+              <a:t>9</a:t>
             </a:fld>
             <a:endParaRPr lang="uk-UA" dirty="0"/>
           </a:p>
@@ -4411,7 +1202,7 @@
 </p:notes>
 </file>
 
-<file path=ppt/notesSlides/notesSlide8.xml><?xml version="1.0" encoding="utf-8"?>
+<file path=ppt/notesSlides/notesSlide7.xml><?xml version="1.0" encoding="utf-8"?>
 <p:notes xmlns:a="http://schemas.openxmlformats.org/drawingml/2006/main" xmlns:r="http://schemas.openxmlformats.org/officeDocument/2006/relationships" xmlns:p="http://schemas.openxmlformats.org/presentationml/2006/main">
   <p:cSld>
     <p:spTree>
@@ -4501,7 +1292,7 @@
             <a:pPr rtl="0"/>
             <a:fld id="{82869989-EB00-4EE7-BCB5-25BDC5BB29F8}" type="slidenum">
               <a:rPr lang="uk-UA" smtClean="0"/>
-              <a:t>12</a:t>
+              <a:t>10</a:t>
             </a:fld>
             <a:endParaRPr lang="uk-UA" dirty="0"/>
           </a:p>
@@ -4520,7 +1311,7 @@
 </p:notes>
 </file>
 
-<file path=ppt/notesSlides/notesSlide9.xml><?xml version="1.0" encoding="utf-8"?>
+<file path=ppt/notesSlides/notesSlide8.xml><?xml version="1.0" encoding="utf-8"?>
 <p:notes xmlns:a="http://schemas.openxmlformats.org/drawingml/2006/main" xmlns:r="http://schemas.openxmlformats.org/officeDocument/2006/relationships" xmlns:p="http://schemas.openxmlformats.org/presentationml/2006/main">
   <p:cSld>
     <p:spTree>
@@ -4610,7 +1401,7 @@
             <a:pPr rtl="0"/>
             <a:fld id="{82869989-EB00-4EE7-BCB5-25BDC5BB29F8}" type="slidenum">
               <a:rPr lang="uk-UA" smtClean="0"/>
-              <a:t>13</a:t>
+              <a:t>11</a:t>
             </a:fld>
             <a:endParaRPr lang="uk-UA" dirty="0"/>
           </a:p>
@@ -4620,6 +1411,91 @@
     <p:extLst>
       <p:ext uri="{BB962C8B-B14F-4D97-AF65-F5344CB8AC3E}">
         <p14:creationId xmlns:p14="http://schemas.microsoft.com/office/powerpoint/2010/main" val="3031411861"/>
+      </p:ext>
+    </p:extLst>
+  </p:cSld>
+  <p:clrMapOvr>
+    <a:masterClrMapping/>
+  </p:clrMapOvr>
+</p:notes>
+</file>
+
+<file path=ppt/notesSlides/notesSlide9.xml><?xml version="1.0" encoding="utf-8"?>
+<p:notes xmlns:a="http://schemas.openxmlformats.org/drawingml/2006/main" xmlns:r="http://schemas.openxmlformats.org/officeDocument/2006/relationships" xmlns:p="http://schemas.openxmlformats.org/presentationml/2006/main">
+  <p:cSld>
+    <p:spTree>
+      <p:nvGrpSpPr>
+        <p:cNvPr id="1" name=""/>
+        <p:cNvGrpSpPr/>
+        <p:nvPr/>
+      </p:nvGrpSpPr>
+      <p:grpSpPr>
+        <a:xfrm>
+          <a:off x="0" y="0"/>
+          <a:ext cx="0" cy="0"/>
+          <a:chOff x="0" y="0"/>
+          <a:chExt cx="0" cy="0"/>
+        </a:xfrm>
+      </p:grpSpPr>
+      <p:sp>
+        <p:nvSpPr>
+          <p:cNvPr id="2" name="Місце для зображення 1"/>
+          <p:cNvSpPr>
+            <a:spLocks noGrp="1" noRot="1" noChangeAspect="1"/>
+          </p:cNvSpPr>
+          <p:nvPr>
+            <p:ph type="sldImg"/>
+          </p:nvPr>
+        </p:nvSpPr>
+        <p:spPr/>
+      </p:sp>
+      <p:sp>
+        <p:nvSpPr>
+          <p:cNvPr id="3" name="Місце для нотаток 2"/>
+          <p:cNvSpPr>
+            <a:spLocks noGrp="1"/>
+          </p:cNvSpPr>
+          <p:nvPr>
+            <p:ph type="body" idx="1"/>
+          </p:nvPr>
+        </p:nvSpPr>
+        <p:spPr/>
+        <p:txBody>
+          <a:bodyPr/>
+          <a:lstStyle/>
+          <a:p>
+            <a:endParaRPr lang="uk-UA" dirty="0"/>
+          </a:p>
+        </p:txBody>
+      </p:sp>
+      <p:sp>
+        <p:nvSpPr>
+          <p:cNvPr id="4" name="Місце для номера слайда 3"/>
+          <p:cNvSpPr>
+            <a:spLocks noGrp="1"/>
+          </p:cNvSpPr>
+          <p:nvPr>
+            <p:ph type="sldNum" sz="quarter" idx="10"/>
+          </p:nvPr>
+        </p:nvSpPr>
+        <p:spPr/>
+        <p:txBody>
+          <a:bodyPr/>
+          <a:lstStyle/>
+          <a:p>
+            <a:pPr rtl="0"/>
+            <a:fld id="{82869989-EB00-4EE7-BCB5-25BDC5BB29F8}" type="slidenum">
+              <a:rPr lang="uk-UA" smtClean="0"/>
+              <a:t>12</a:t>
+            </a:fld>
+            <a:endParaRPr lang="uk-UA" dirty="0"/>
+          </a:p>
+        </p:txBody>
+      </p:sp>
+    </p:spTree>
+    <p:extLst>
+      <p:ext uri="{BB962C8B-B14F-4D97-AF65-F5344CB8AC3E}">
+        <p14:creationId xmlns:p14="http://schemas.microsoft.com/office/powerpoint/2010/main" val="1147521486"/>
       </p:ext>
     </p:extLst>
   </p:cSld>
@@ -6778,7 +3654,7 @@
             <a:pPr rtl="0"/>
             <a:fld id="{1FBAA6CE-6EEA-4375-AF1D-1128538CA243}" type="datetime1">
               <a:rPr lang="uk-UA" noProof="0" smtClean="0"/>
-              <a:t>15.06.2025</a:t>
+              <a:t>20.06.2025</a:t>
             </a:fld>
             <a:endParaRPr lang="uk-UA" noProof="0" dirty="0"/>
           </a:p>
@@ -6977,7 +3853,7 @@
             <a:pPr rtl="0"/>
             <a:fld id="{5C0FFECF-1C7D-4934-BE95-F2337D25DC25}" type="datetime1">
               <a:rPr lang="uk-UA" noProof="0" smtClean="0"/>
-              <a:t>15.06.2025</a:t>
+              <a:t>20.06.2025</a:t>
             </a:fld>
             <a:endParaRPr lang="uk-UA" noProof="0" dirty="0"/>
           </a:p>
@@ -7166,7 +4042,7 @@
             <a:pPr rtl="0"/>
             <a:fld id="{91552E60-839A-4EFF-B832-51E7811E90F3}" type="datetime1">
               <a:rPr lang="uk-UA" noProof="0" smtClean="0"/>
-              <a:t>15.06.2025</a:t>
+              <a:t>20.06.2025</a:t>
             </a:fld>
             <a:endParaRPr lang="uk-UA" noProof="0" dirty="0"/>
           </a:p>
@@ -9514,7 +6390,7 @@
             <a:pPr rtl="0"/>
             <a:fld id="{688FD6A1-C515-4A30-8304-F617EB6E288C}" type="datetime1">
               <a:rPr lang="uk-UA" noProof="0" smtClean="0"/>
-              <a:t>15.06.2025</a:t>
+              <a:t>20.06.2025</a:t>
             </a:fld>
             <a:endParaRPr lang="uk-UA" noProof="0" dirty="0"/>
           </a:p>
@@ -9973,7 +6849,7 @@
             <a:pPr rtl="0"/>
             <a:fld id="{BBBF8D6F-E1AC-4281-9310-5B48496A32D1}" type="datetime1">
               <a:rPr lang="uk-UA" noProof="0" smtClean="0"/>
-              <a:t>15.06.2025</a:t>
+              <a:t>20.06.2025</a:t>
             </a:fld>
             <a:endParaRPr lang="uk-UA" noProof="0" dirty="0"/>
           </a:p>
@@ -10110,7 +6986,7 @@
             <a:pPr rtl="0"/>
             <a:fld id="{50EE726A-9324-4497-A49E-55B48DC2A53B}" type="datetime1">
               <a:rPr lang="uk-UA" noProof="0" smtClean="0"/>
-              <a:t>15.06.2025</a:t>
+              <a:t>20.06.2025</a:t>
             </a:fld>
             <a:endParaRPr lang="uk-UA" noProof="0" dirty="0"/>
           </a:p>
@@ -12046,7 +8922,7 @@
             <a:pPr rtl="0"/>
             <a:fld id="{6B0DB8B3-1075-4E7E-B714-07F8132BCA03}" type="datetime1">
               <a:rPr lang="uk-UA" noProof="0" smtClean="0"/>
-              <a:t>15.06.2025</a:t>
+              <a:t>20.06.2025</a:t>
             </a:fld>
             <a:endParaRPr lang="uk-UA" noProof="0" dirty="0"/>
           </a:p>
@@ -14308,7 +11184,7 @@
             <a:pPr rtl="0"/>
             <a:fld id="{E0FC5724-4B52-45D8-B622-6EB4A8C93609}" type="datetime1">
               <a:rPr lang="uk-UA" noProof="0" smtClean="0"/>
-              <a:t>15.06.2025</a:t>
+              <a:t>20.06.2025</a:t>
             </a:fld>
             <a:endParaRPr lang="uk-UA" noProof="0" dirty="0"/>
           </a:p>
@@ -18608,7 +15484,7 @@
             <a:pPr rtl="0"/>
             <a:fld id="{650948DC-8C9A-4287-8F33-D5F759A32CC2}" type="datetime1">
               <a:rPr lang="uk-UA" noProof="0" smtClean="0"/>
-              <a:t>15.06.2025</a:t>
+              <a:t>20.06.2025</a:t>
             </a:fld>
             <a:endParaRPr lang="uk-UA" noProof="0" dirty="0"/>
           </a:p>
@@ -19154,8 +16030,8 @@
         </p:nvSpPr>
         <p:spPr>
           <a:xfrm>
-            <a:off x="8530389" y="5360372"/>
-            <a:ext cx="2367766" cy="902063"/>
+            <a:off x="8530388" y="5360372"/>
+            <a:ext cx="2731169" cy="974254"/>
           </a:xfrm>
           <a:prstGeom prst="rect">
             <a:avLst/>
@@ -19163,7 +16039,7 @@
         </p:spPr>
         <p:txBody>
           <a:bodyPr vert="horz" lIns="91440" tIns="45720" rIns="91440" bIns="45720" rtlCol="0">
-            <a:normAutofit fontScale="85000" lnSpcReduction="10000"/>
+            <a:normAutofit/>
           </a:bodyPr>
           <a:lstStyle>
             <a:lvl1pPr marL="0" indent="0" algn="l" defTabSz="914400" rtl="0" eaLnBrk="1" latinLnBrk="0" hangingPunct="1">
@@ -19447,660 +16323,6 @@
   <p:cSld>
     <p:spTree>
       <p:nvGrpSpPr>
-        <p:cNvPr id="1" name=""/>
-        <p:cNvGrpSpPr/>
-        <p:nvPr/>
-      </p:nvGrpSpPr>
-      <p:grpSpPr>
-        <a:xfrm>
-          <a:off x="0" y="0"/>
-          <a:ext cx="0" cy="0"/>
-          <a:chOff x="0" y="0"/>
-          <a:chExt cx="0" cy="0"/>
-        </a:xfrm>
-      </p:grpSpPr>
-      <p:sp>
-        <p:nvSpPr>
-          <p:cNvPr id="2" name="Заголовок 1"/>
-          <p:cNvSpPr>
-            <a:spLocks noGrp="1"/>
-          </p:cNvSpPr>
-          <p:nvPr>
-            <p:ph type="title"/>
-          </p:nvPr>
-        </p:nvSpPr>
-        <p:spPr/>
-        <p:txBody>
-          <a:bodyPr rtlCol="0"/>
-          <a:lstStyle/>
-          <a:p>
-            <a:pPr rtl="0"/>
-            <a:r>
-              <a:rPr lang="uk-UA" dirty="0"/>
-              <a:t>Використані сторонні сервіси</a:t>
-            </a:r>
-          </a:p>
-        </p:txBody>
-      </p:sp>
-      <p:sp>
-        <p:nvSpPr>
-          <p:cNvPr id="3" name="Місце для тексту 2"/>
-          <p:cNvSpPr>
-            <a:spLocks noGrp="1"/>
-          </p:cNvSpPr>
-          <p:nvPr>
-            <p:ph type="body" idx="1"/>
-          </p:nvPr>
-        </p:nvSpPr>
-        <p:spPr/>
-        <p:txBody>
-          <a:bodyPr rtlCol="0"/>
-          <a:lstStyle/>
-          <a:p>
-            <a:pPr rtl="0"/>
-            <a:r>
-              <a:rPr lang="uk-UA" dirty="0"/>
-              <a:t>Хмарний сервіс збереження фото </a:t>
-            </a:r>
-            <a:r>
-              <a:rPr lang="en-US" dirty="0" err="1"/>
-              <a:t>Cloudinary</a:t>
-            </a:r>
-            <a:endParaRPr lang="uk-UA" dirty="0"/>
-          </a:p>
-        </p:txBody>
-      </p:sp>
-      <p:sp>
-        <p:nvSpPr>
-          <p:cNvPr id="4" name="Місце для вмісту 3"/>
-          <p:cNvSpPr>
-            <a:spLocks noGrp="1"/>
-          </p:cNvSpPr>
-          <p:nvPr>
-            <p:ph sz="half" idx="2"/>
-          </p:nvPr>
-        </p:nvSpPr>
-        <p:spPr/>
-        <p:txBody>
-          <a:bodyPr rtlCol="0"/>
-          <a:lstStyle/>
-          <a:p>
-            <a:pPr marL="0" indent="0" algn="just" rtl="0">
-              <a:buNone/>
-            </a:pPr>
-            <a:r>
-              <a:rPr lang="uk-UA" dirty="0"/>
-              <a:t>Цей сервіс дозволяє зберігати та модифікувати фото, що зменшує навантаження на сервер.</a:t>
-            </a:r>
-          </a:p>
-        </p:txBody>
-      </p:sp>
-      <p:sp>
-        <p:nvSpPr>
-          <p:cNvPr id="5" name="Місце для тексту 4"/>
-          <p:cNvSpPr>
-            <a:spLocks noGrp="1"/>
-          </p:cNvSpPr>
-          <p:nvPr>
-            <p:ph type="body" sz="quarter" idx="3"/>
-          </p:nvPr>
-        </p:nvSpPr>
-        <p:spPr>
-          <a:xfrm>
-            <a:off x="6324602" y="1818322"/>
-            <a:ext cx="4572000" cy="641350"/>
-          </a:xfrm>
-        </p:spPr>
-        <p:txBody>
-          <a:bodyPr rtlCol="0"/>
-          <a:lstStyle/>
-          <a:p>
-            <a:pPr rtl="0"/>
-            <a:r>
-              <a:rPr lang="en-US" dirty="0"/>
-              <a:t>SMTP </a:t>
-            </a:r>
-            <a:r>
-              <a:rPr lang="uk-UA" dirty="0"/>
-              <a:t>клієнт для розсилки від </a:t>
-            </a:r>
-            <a:r>
-              <a:rPr lang="en-US" dirty="0"/>
-              <a:t>Google</a:t>
-            </a:r>
-            <a:endParaRPr lang="uk-UA" dirty="0"/>
-          </a:p>
-        </p:txBody>
-      </p:sp>
-      <p:pic>
-        <p:nvPicPr>
-          <p:cNvPr id="8" name="Місце для вмісту 7">
-            <a:extLst>
-              <a:ext uri="{FF2B5EF4-FFF2-40B4-BE49-F238E27FC236}">
-                <a16:creationId xmlns:a16="http://schemas.microsoft.com/office/drawing/2014/main" id="{E783578C-2CEB-E716-F44D-EDBD471CD025}"/>
-              </a:ext>
-            </a:extLst>
-          </p:cNvPr>
-          <p:cNvPicPr>
-            <a:picLocks noGrp="1" noChangeAspect="1"/>
-          </p:cNvPicPr>
-          <p:nvPr>
-            <p:ph sz="quarter" idx="4"/>
-          </p:nvPr>
-        </p:nvPicPr>
-        <p:blipFill>
-          <a:blip r:embed="rId3">
-            <a:extLst>
-              <a:ext uri="{96DAC541-7B7A-43D3-8B79-37D633B846F1}">
-                <asvg:svgBlip xmlns:asvg="http://schemas.microsoft.com/office/drawing/2016/SVG/main" r:embed="rId4"/>
-              </a:ext>
-            </a:extLst>
-          </a:blip>
-          <a:stretch>
-            <a:fillRect/>
-          </a:stretch>
-        </p:blipFill>
-        <p:spPr>
-          <a:xfrm>
-            <a:off x="1921571" y="3429000"/>
-            <a:ext cx="2818558" cy="2453522"/>
-          </a:xfrm>
-        </p:spPr>
-      </p:pic>
-      <p:sp>
-        <p:nvSpPr>
-          <p:cNvPr id="9" name="Місце для вмісту 3">
-            <a:extLst>
-              <a:ext uri="{FF2B5EF4-FFF2-40B4-BE49-F238E27FC236}">
-                <a16:creationId xmlns:a16="http://schemas.microsoft.com/office/drawing/2014/main" id="{67FE1965-601B-FE39-9A3F-62862F3A4E29}"/>
-              </a:ext>
-            </a:extLst>
-          </p:cNvPr>
-          <p:cNvSpPr txBox="1">
-            <a:spLocks/>
-          </p:cNvSpPr>
-          <p:nvPr/>
-        </p:nvSpPr>
-        <p:spPr>
-          <a:xfrm>
-            <a:off x="6324602" y="2631756"/>
-            <a:ext cx="4572000" cy="3287487"/>
-          </a:xfrm>
-          <a:prstGeom prst="rect">
-            <a:avLst/>
-          </a:prstGeom>
-        </p:spPr>
-        <p:txBody>
-          <a:bodyPr vert="horz" lIns="91440" tIns="45720" rIns="91440" bIns="45720" rtlCol="0">
-            <a:normAutofit/>
-          </a:bodyPr>
-          <a:lstStyle>
-            <a:lvl1pPr marL="228600" indent="-228600" algn="l" defTabSz="914400" rtl="0" eaLnBrk="1" latinLnBrk="0" hangingPunct="1">
-              <a:lnSpc>
-                <a:spcPct val="90000"/>
-              </a:lnSpc>
-              <a:spcBef>
-                <a:spcPts val="1800"/>
-              </a:spcBef>
-              <a:buClr>
-                <a:schemeClr val="accent1">
-                  <a:lumMod val="75000"/>
-                </a:schemeClr>
-              </a:buClr>
-              <a:buSzPct val="100000"/>
-              <a:buFont typeface="Arial" pitchFamily="34" charset="0"/>
-              <a:buChar char="▪"/>
-              <a:defRPr sz="2000" kern="1200">
-                <a:solidFill>
-                  <a:schemeClr val="tx1"/>
-                </a:solidFill>
-                <a:latin typeface="+mn-lt"/>
-                <a:ea typeface="+mn-ea"/>
-                <a:cs typeface="+mn-cs"/>
-              </a:defRPr>
-            </a:lvl1pPr>
-            <a:lvl2pPr marL="457200" indent="-182880" algn="l" defTabSz="914400" rtl="0" eaLnBrk="1" latinLnBrk="0" hangingPunct="1">
-              <a:lnSpc>
-                <a:spcPct val="90000"/>
-              </a:lnSpc>
-              <a:spcBef>
-                <a:spcPts val="1200"/>
-              </a:spcBef>
-              <a:buClr>
-                <a:schemeClr val="accent1">
-                  <a:lumMod val="75000"/>
-                </a:schemeClr>
-              </a:buClr>
-              <a:buSzPct val="100000"/>
-              <a:buFont typeface="Arial" pitchFamily="34" charset="0"/>
-              <a:buChar char="▪"/>
-              <a:defRPr sz="1800" kern="1200">
-                <a:solidFill>
-                  <a:schemeClr val="tx1"/>
-                </a:solidFill>
-                <a:latin typeface="+mn-lt"/>
-                <a:ea typeface="+mn-ea"/>
-                <a:cs typeface="+mn-cs"/>
-              </a:defRPr>
-            </a:lvl2pPr>
-            <a:lvl3pPr marL="685800" indent="-179388" algn="l" defTabSz="914400" rtl="0" eaLnBrk="1" latinLnBrk="0" hangingPunct="1">
-              <a:lnSpc>
-                <a:spcPct val="90000"/>
-              </a:lnSpc>
-              <a:spcBef>
-                <a:spcPts val="800"/>
-              </a:spcBef>
-              <a:buClr>
-                <a:schemeClr val="accent1">
-                  <a:lumMod val="75000"/>
-                </a:schemeClr>
-              </a:buClr>
-              <a:buSzPct val="100000"/>
-              <a:buFont typeface="Arial" pitchFamily="34" charset="0"/>
-              <a:buChar char="▪"/>
-              <a:defRPr sz="1600" kern="1200">
-                <a:solidFill>
-                  <a:schemeClr val="tx1"/>
-                </a:solidFill>
-                <a:latin typeface="+mn-lt"/>
-                <a:ea typeface="+mn-ea"/>
-                <a:cs typeface="+mn-cs"/>
-              </a:defRPr>
-            </a:lvl3pPr>
-            <a:lvl4pPr marL="914400" indent="-182880" algn="l" defTabSz="914400" rtl="0" eaLnBrk="1" latinLnBrk="0" hangingPunct="1">
-              <a:lnSpc>
-                <a:spcPct val="90000"/>
-              </a:lnSpc>
-              <a:spcBef>
-                <a:spcPts val="800"/>
-              </a:spcBef>
-              <a:buClr>
-                <a:schemeClr val="accent1">
-                  <a:lumMod val="75000"/>
-                </a:schemeClr>
-              </a:buClr>
-              <a:buSzPct val="100000"/>
-              <a:buFont typeface="Arial" pitchFamily="34" charset="0"/>
-              <a:buChar char="▪"/>
-              <a:defRPr sz="1400" kern="1200">
-                <a:solidFill>
-                  <a:schemeClr val="tx1"/>
-                </a:solidFill>
-                <a:latin typeface="+mn-lt"/>
-                <a:ea typeface="+mn-ea"/>
-                <a:cs typeface="+mn-cs"/>
-              </a:defRPr>
-            </a:lvl4pPr>
-            <a:lvl5pPr marL="1143000" indent="-179388" algn="l" defTabSz="914400" rtl="0" eaLnBrk="1" latinLnBrk="0" hangingPunct="1">
-              <a:lnSpc>
-                <a:spcPct val="90000"/>
-              </a:lnSpc>
-              <a:spcBef>
-                <a:spcPts val="600"/>
-              </a:spcBef>
-              <a:buClr>
-                <a:schemeClr val="accent1">
-                  <a:lumMod val="75000"/>
-                </a:schemeClr>
-              </a:buClr>
-              <a:buSzPct val="100000"/>
-              <a:buFont typeface="Arial" pitchFamily="34" charset="0"/>
-              <a:buChar char="▪"/>
-              <a:defRPr sz="1400" kern="1200">
-                <a:solidFill>
-                  <a:schemeClr val="tx1"/>
-                </a:solidFill>
-                <a:latin typeface="+mn-lt"/>
-                <a:ea typeface="+mn-ea"/>
-                <a:cs typeface="+mn-cs"/>
-              </a:defRPr>
-            </a:lvl5pPr>
-            <a:lvl6pPr marL="1371600" indent="-182880" algn="l" defTabSz="914400" rtl="0" eaLnBrk="1" latinLnBrk="0" hangingPunct="1">
-              <a:lnSpc>
-                <a:spcPct val="90000"/>
-              </a:lnSpc>
-              <a:spcBef>
-                <a:spcPts val="600"/>
-              </a:spcBef>
-              <a:buClr>
-                <a:schemeClr val="accent1">
-                  <a:lumMod val="75000"/>
-                </a:schemeClr>
-              </a:buClr>
-              <a:buSzPct val="100000"/>
-              <a:buFont typeface="Arial" pitchFamily="34" charset="0"/>
-              <a:buChar char="▪"/>
-              <a:defRPr sz="1600" kern="1200">
-                <a:solidFill>
-                  <a:schemeClr val="tx1"/>
-                </a:solidFill>
-                <a:latin typeface="+mn-lt"/>
-                <a:ea typeface="+mn-ea"/>
-                <a:cs typeface="+mn-cs"/>
-              </a:defRPr>
-            </a:lvl6pPr>
-            <a:lvl7pPr marL="1600200" indent="-179388" algn="l" defTabSz="914400" rtl="0" eaLnBrk="1" latinLnBrk="0" hangingPunct="1">
-              <a:lnSpc>
-                <a:spcPct val="90000"/>
-              </a:lnSpc>
-              <a:spcBef>
-                <a:spcPts val="600"/>
-              </a:spcBef>
-              <a:buClr>
-                <a:schemeClr val="accent1">
-                  <a:lumMod val="75000"/>
-                </a:schemeClr>
-              </a:buClr>
-              <a:buSzPct val="100000"/>
-              <a:buFont typeface="Arial" pitchFamily="34" charset="0"/>
-              <a:buChar char="▪"/>
-              <a:defRPr sz="1600" kern="1200">
-                <a:solidFill>
-                  <a:schemeClr val="tx1"/>
-                </a:solidFill>
-                <a:latin typeface="+mn-lt"/>
-                <a:ea typeface="+mn-ea"/>
-                <a:cs typeface="+mn-cs"/>
-              </a:defRPr>
-            </a:lvl7pPr>
-            <a:lvl8pPr marL="1828800" indent="-182880" algn="l" defTabSz="914400" rtl="0" eaLnBrk="1" latinLnBrk="0" hangingPunct="1">
-              <a:lnSpc>
-                <a:spcPct val="90000"/>
-              </a:lnSpc>
-              <a:spcBef>
-                <a:spcPts val="600"/>
-              </a:spcBef>
-              <a:buClr>
-                <a:schemeClr val="accent1">
-                  <a:lumMod val="75000"/>
-                </a:schemeClr>
-              </a:buClr>
-              <a:buSzPct val="100000"/>
-              <a:buFont typeface="Arial" pitchFamily="34" charset="0"/>
-              <a:buChar char="▪"/>
-              <a:defRPr sz="1600" kern="1200">
-                <a:solidFill>
-                  <a:schemeClr val="tx1"/>
-                </a:solidFill>
-                <a:latin typeface="+mn-lt"/>
-                <a:ea typeface="+mn-ea"/>
-                <a:cs typeface="+mn-cs"/>
-              </a:defRPr>
-            </a:lvl8pPr>
-            <a:lvl9pPr marL="1878012" indent="0" algn="l" defTabSz="914400" rtl="0" eaLnBrk="1" latinLnBrk="0" hangingPunct="1">
-              <a:lnSpc>
-                <a:spcPct val="90000"/>
-              </a:lnSpc>
-              <a:spcBef>
-                <a:spcPts val="600"/>
-              </a:spcBef>
-              <a:buClr>
-                <a:schemeClr val="accent1">
-                  <a:lumMod val="75000"/>
-                </a:schemeClr>
-              </a:buClr>
-              <a:buSzPct val="100000"/>
-              <a:buFont typeface="Arial" pitchFamily="34" charset="0"/>
-              <a:buNone/>
-              <a:defRPr sz="1600" kern="1200">
-                <a:solidFill>
-                  <a:schemeClr val="tx1"/>
-                </a:solidFill>
-                <a:latin typeface="+mn-lt"/>
-                <a:ea typeface="+mn-ea"/>
-                <a:cs typeface="+mn-cs"/>
-              </a:defRPr>
-            </a:lvl9pPr>
-          </a:lstStyle>
-          <a:p>
-            <a:pPr marL="0" indent="0" algn="just">
-              <a:buFont typeface="Arial" pitchFamily="34" charset="0"/>
-              <a:buNone/>
-            </a:pPr>
-            <a:r>
-              <a:rPr lang="uk-UA" dirty="0"/>
-              <a:t>Дозволяє виконувати розсилку за електронною поштою користувача і повідомляти про нову публікацію чи певні інші необхідні дані.</a:t>
-            </a:r>
-          </a:p>
-        </p:txBody>
-      </p:sp>
-      <p:pic>
-        <p:nvPicPr>
-          <p:cNvPr id="1026" name="Picture 2" descr="Master the Gmail SMTP in 2025: Complete Setup Guide">
-            <a:extLst>
-              <a:ext uri="{FF2B5EF4-FFF2-40B4-BE49-F238E27FC236}">
-                <a16:creationId xmlns:a16="http://schemas.microsoft.com/office/drawing/2014/main" id="{CFF76CE2-50D9-9CD1-61DA-731B2B6074A5}"/>
-              </a:ext>
-            </a:extLst>
-          </p:cNvPr>
-          <p:cNvPicPr>
-            <a:picLocks noChangeAspect="1" noChangeArrowheads="1"/>
-          </p:cNvPicPr>
-          <p:nvPr/>
-        </p:nvPicPr>
-        <p:blipFill>
-          <a:blip r:embed="rId5">
-            <a:extLst>
-              <a:ext uri="{28A0092B-C50C-407E-A947-70E740481C1C}">
-                <a14:useLocalDpi xmlns:a14="http://schemas.microsoft.com/office/drawing/2010/main" val="0"/>
-              </a:ext>
-            </a:extLst>
-          </a:blip>
-          <a:srcRect/>
-          <a:stretch>
-            <a:fillRect/>
-          </a:stretch>
-        </p:blipFill>
-        <p:spPr bwMode="auto">
-          <a:xfrm>
-            <a:off x="6549191" y="3951122"/>
-            <a:ext cx="4122821" cy="1638660"/>
-          </a:xfrm>
-          <a:prstGeom prst="rect">
-            <a:avLst/>
-          </a:prstGeom>
-          <a:noFill/>
-          <a:extLst>
-            <a:ext uri="{909E8E84-426E-40DD-AFC4-6F175D3DCCD1}">
-              <a14:hiddenFill xmlns:a14="http://schemas.microsoft.com/office/drawing/2010/main">
-                <a:solidFill>
-                  <a:srgbClr val="FFFFFF"/>
-                </a:solidFill>
-              </a14:hiddenFill>
-            </a:ext>
-          </a:extLst>
-        </p:spPr>
-      </p:pic>
-      <p:sp>
-        <p:nvSpPr>
-          <p:cNvPr id="11" name="Місце для номера слайда 10">
-            <a:extLst>
-              <a:ext uri="{FF2B5EF4-FFF2-40B4-BE49-F238E27FC236}">
-                <a16:creationId xmlns:a16="http://schemas.microsoft.com/office/drawing/2014/main" id="{88B200C0-AAE4-9661-AE69-6AE72D161446}"/>
-              </a:ext>
-            </a:extLst>
-          </p:cNvPr>
-          <p:cNvSpPr>
-            <a:spLocks noGrp="1"/>
-          </p:cNvSpPr>
-          <p:nvPr>
-            <p:ph type="sldNum" sz="quarter" idx="12"/>
-          </p:nvPr>
-        </p:nvSpPr>
-        <p:spPr/>
-        <p:txBody>
-          <a:bodyPr/>
-          <a:lstStyle/>
-          <a:p>
-            <a:pPr rtl="0"/>
-            <a:fld id="{E31375A4-56A4-47D6-9801-1991572033F7}" type="slidenum">
-              <a:rPr lang="uk-UA" noProof="0" smtClean="0"/>
-              <a:t>10</a:t>
-            </a:fld>
-            <a:endParaRPr lang="uk-UA" noProof="0" dirty="0"/>
-          </a:p>
-        </p:txBody>
-      </p:sp>
-    </p:spTree>
-    <p:extLst>
-      <p:ext uri="{BB962C8B-B14F-4D97-AF65-F5344CB8AC3E}">
-        <p14:creationId xmlns:p14="http://schemas.microsoft.com/office/powerpoint/2010/main" val="3229171051"/>
-      </p:ext>
-    </p:extLst>
-  </p:cSld>
-  <p:clrMapOvr>
-    <a:masterClrMapping/>
-  </p:clrMapOvr>
-  <mc:AlternateContent xmlns:mc="http://schemas.openxmlformats.org/markup-compatibility/2006" xmlns:p14="http://schemas.microsoft.com/office/powerpoint/2010/main">
-    <mc:Choice Requires="p14">
-      <p:transition spd="med" p14:dur="700">
-        <p:fade/>
-      </p:transition>
-    </mc:Choice>
-    <mc:Fallback xmlns="">
-      <p:transition spd="med">
-        <p:fade/>
-      </p:transition>
-    </mc:Fallback>
-  </mc:AlternateContent>
-</p:sld>
-</file>
-
-<file path=ppt/slides/slide11.xml><?xml version="1.0" encoding="utf-8"?>
-<p:sld xmlns:a="http://schemas.openxmlformats.org/drawingml/2006/main" xmlns:r="http://schemas.openxmlformats.org/officeDocument/2006/relationships" xmlns:p="http://schemas.openxmlformats.org/presentationml/2006/main">
-  <p:cSld>
-    <p:spTree>
-      <p:nvGrpSpPr>
-        <p:cNvPr id="1" name=""/>
-        <p:cNvGrpSpPr/>
-        <p:nvPr/>
-      </p:nvGrpSpPr>
-      <p:grpSpPr>
-        <a:xfrm>
-          <a:off x="0" y="0"/>
-          <a:ext cx="0" cy="0"/>
-          <a:chOff x="0" y="0"/>
-          <a:chExt cx="0" cy="0"/>
-        </a:xfrm>
-      </p:grpSpPr>
-      <p:sp>
-        <p:nvSpPr>
-          <p:cNvPr id="2" name="Заголовок 1"/>
-          <p:cNvSpPr>
-            <a:spLocks noGrp="1"/>
-          </p:cNvSpPr>
-          <p:nvPr>
-            <p:ph type="title"/>
-          </p:nvPr>
-        </p:nvSpPr>
-        <p:spPr>
-          <a:xfrm>
-            <a:off x="1295400" y="503363"/>
-            <a:ext cx="9601200" cy="701759"/>
-          </a:xfrm>
-        </p:spPr>
-        <p:txBody>
-          <a:bodyPr rtlCol="0"/>
-          <a:lstStyle/>
-          <a:p>
-            <a:pPr algn="ctr" rtl="0"/>
-            <a:r>
-              <a:rPr lang="uk-UA" dirty="0"/>
-              <a:t>Реалізація сервісу підписок</a:t>
-            </a:r>
-          </a:p>
-        </p:txBody>
-      </p:sp>
-      <p:pic>
-        <p:nvPicPr>
-          <p:cNvPr id="4" name="Рисунок 3">
-            <a:extLst>
-              <a:ext uri="{FF2B5EF4-FFF2-40B4-BE49-F238E27FC236}">
-                <a16:creationId xmlns:a16="http://schemas.microsoft.com/office/drawing/2014/main" id="{E051B497-FD01-AA8A-CEFF-E3EDD91BE789}"/>
-              </a:ext>
-            </a:extLst>
-          </p:cNvPr>
-          <p:cNvPicPr>
-            <a:picLocks noChangeAspect="1"/>
-          </p:cNvPicPr>
-          <p:nvPr/>
-        </p:nvPicPr>
-        <p:blipFill>
-          <a:blip r:embed="rId3"/>
-          <a:stretch>
-            <a:fillRect/>
-          </a:stretch>
-        </p:blipFill>
-        <p:spPr>
-          <a:xfrm>
-            <a:off x="1921140" y="1423737"/>
-            <a:ext cx="8349719" cy="4279231"/>
-          </a:xfrm>
-          <a:prstGeom prst="rect">
-            <a:avLst/>
-          </a:prstGeom>
-        </p:spPr>
-      </p:pic>
-      <p:sp>
-        <p:nvSpPr>
-          <p:cNvPr id="5" name="Місце для номера слайда 4">
-            <a:extLst>
-              <a:ext uri="{FF2B5EF4-FFF2-40B4-BE49-F238E27FC236}">
-                <a16:creationId xmlns:a16="http://schemas.microsoft.com/office/drawing/2014/main" id="{4C8D934C-3AD0-56C8-4A95-250386CF22E9}"/>
-              </a:ext>
-            </a:extLst>
-          </p:cNvPr>
-          <p:cNvSpPr>
-            <a:spLocks noGrp="1"/>
-          </p:cNvSpPr>
-          <p:nvPr>
-            <p:ph type="sldNum" sz="quarter" idx="12"/>
-          </p:nvPr>
-        </p:nvSpPr>
-        <p:spPr/>
-        <p:txBody>
-          <a:bodyPr/>
-          <a:lstStyle/>
-          <a:p>
-            <a:pPr rtl="0"/>
-            <a:fld id="{E31375A4-56A4-47D6-9801-1991572033F7}" type="slidenum">
-              <a:rPr lang="uk-UA" noProof="0" smtClean="0"/>
-              <a:t>11</a:t>
-            </a:fld>
-            <a:endParaRPr lang="uk-UA" noProof="0" dirty="0"/>
-          </a:p>
-        </p:txBody>
-      </p:sp>
-    </p:spTree>
-    <p:extLst>
-      <p:ext uri="{BB962C8B-B14F-4D97-AF65-F5344CB8AC3E}">
-        <p14:creationId xmlns:p14="http://schemas.microsoft.com/office/powerpoint/2010/main" val="452733939"/>
-      </p:ext>
-    </p:extLst>
-  </p:cSld>
-  <p:clrMapOvr>
-    <a:masterClrMapping/>
-  </p:clrMapOvr>
-  <mc:AlternateContent xmlns:mc="http://schemas.openxmlformats.org/markup-compatibility/2006" xmlns:p14="http://schemas.microsoft.com/office/powerpoint/2010/main">
-    <mc:Choice Requires="p14">
-      <p:transition spd="med" p14:dur="700">
-        <p:fade/>
-      </p:transition>
-    </mc:Choice>
-    <mc:Fallback xmlns="">
-      <p:transition spd="med">
-        <p:fade/>
-      </p:transition>
-    </mc:Fallback>
-  </mc:AlternateContent>
-</p:sld>
-</file>
-
-<file path=ppt/slides/slide12.xml><?xml version="1.0" encoding="utf-8"?>
-<p:sld xmlns:a="http://schemas.openxmlformats.org/drawingml/2006/main" xmlns:r="http://schemas.openxmlformats.org/officeDocument/2006/relationships" xmlns:p="http://schemas.openxmlformats.org/presentationml/2006/main">
-  <p:cSld>
-    <p:spTree>
-      <p:nvGrpSpPr>
         <p:cNvPr id="1" name="">
           <a:extLst>
             <a:ext uri="{FF2B5EF4-FFF2-40B4-BE49-F238E27FC236}">
@@ -20207,7 +16429,7 @@
             <a:pPr rtl="0"/>
             <a:fld id="{E31375A4-56A4-47D6-9801-1991572033F7}" type="slidenum">
               <a:rPr lang="uk-UA" noProof="0" smtClean="0"/>
-              <a:t>12</a:t>
+              <a:t>10</a:t>
             </a:fld>
             <a:endParaRPr lang="uk-UA" noProof="0" dirty="0"/>
           </a:p>
@@ -20223,13 +16445,13 @@
   <p:clrMapOvr>
     <a:masterClrMapping/>
   </p:clrMapOvr>
-  <mc:AlternateContent xmlns:mc="http://schemas.openxmlformats.org/markup-compatibility/2006">
-    <mc:Choice xmlns:p14="http://schemas.microsoft.com/office/powerpoint/2010/main" Requires="p14">
+  <mc:AlternateContent xmlns:mc="http://schemas.openxmlformats.org/markup-compatibility/2006" xmlns:p14="http://schemas.microsoft.com/office/powerpoint/2010/main">
+    <mc:Choice Requires="p14">
       <p:transition spd="med" p14:dur="700">
         <p:fade/>
       </p:transition>
     </mc:Choice>
-    <mc:Fallback>
+    <mc:Fallback xmlns="">
       <p:transition spd="med">
         <p:fade/>
       </p:transition>
@@ -20238,7 +16460,7 @@
 </p:sld>
 </file>
 
-<file path=ppt/slides/slide13.xml><?xml version="1.0" encoding="utf-8"?>
+<file path=ppt/slides/slide11.xml><?xml version="1.0" encoding="utf-8"?>
 <p:sld xmlns:a="http://schemas.openxmlformats.org/drawingml/2006/main" xmlns:r="http://schemas.openxmlformats.org/officeDocument/2006/relationships" xmlns:p="http://schemas.openxmlformats.org/presentationml/2006/main">
   <p:cSld>
     <p:spTree>
@@ -20349,7 +16571,7 @@
             <a:pPr rtl="0"/>
             <a:fld id="{E31375A4-56A4-47D6-9801-1991572033F7}" type="slidenum">
               <a:rPr lang="uk-UA" noProof="0" smtClean="0"/>
-              <a:t>13</a:t>
+              <a:t>11</a:t>
             </a:fld>
             <a:endParaRPr lang="uk-UA" noProof="0" dirty="0"/>
           </a:p>
@@ -20365,13 +16587,13 @@
   <p:clrMapOvr>
     <a:masterClrMapping/>
   </p:clrMapOvr>
-  <mc:AlternateContent xmlns:mc="http://schemas.openxmlformats.org/markup-compatibility/2006">
-    <mc:Choice xmlns:p14="http://schemas.microsoft.com/office/powerpoint/2010/main" Requires="p14">
+  <mc:AlternateContent xmlns:mc="http://schemas.openxmlformats.org/markup-compatibility/2006" xmlns:p14="http://schemas.microsoft.com/office/powerpoint/2010/main">
+    <mc:Choice Requires="p14">
       <p:transition spd="med" p14:dur="700">
         <p:fade/>
       </p:transition>
     </mc:Choice>
-    <mc:Fallback>
+    <mc:Fallback xmlns="">
       <p:transition spd="med">
         <p:fade/>
       </p:transition>
@@ -20380,7 +16602,7 @@
 </p:sld>
 </file>
 
-<file path=ppt/slides/slide14.xml><?xml version="1.0" encoding="utf-8"?>
+<file path=ppt/slides/slide12.xml><?xml version="1.0" encoding="utf-8"?>
 <p:sld xmlns:a="http://schemas.openxmlformats.org/drawingml/2006/main" xmlns:r="http://schemas.openxmlformats.org/officeDocument/2006/relationships" xmlns:p="http://schemas.openxmlformats.org/presentationml/2006/main">
   <p:cSld>
     <p:spTree>
@@ -20587,7 +16809,7 @@
             </a:r>
             <a:r>
               <a:rPr lang="uk-UA" dirty="0"/>
-              <a:t> є створення соціальної мережі зі ,зручною для користувачів, системою сповіщення про публікації.</a:t>
+              <a:t> є створення соціальної мережі зі зручною для користувачів, системою сповіщення про публікації.</a:t>
             </a:r>
           </a:p>
           <a:p>
@@ -20657,212 +16879,6 @@
 </file>
 
 <file path=ppt/slides/slide3.xml><?xml version="1.0" encoding="utf-8"?>
-<p:sld xmlns:a="http://schemas.openxmlformats.org/drawingml/2006/main" xmlns:r="http://schemas.openxmlformats.org/officeDocument/2006/relationships" xmlns:p="http://schemas.openxmlformats.org/presentationml/2006/main">
-  <p:cSld>
-    <p:spTree>
-      <p:nvGrpSpPr>
-        <p:cNvPr id="1" name=""/>
-        <p:cNvGrpSpPr/>
-        <p:nvPr/>
-      </p:nvGrpSpPr>
-      <p:grpSpPr>
-        <a:xfrm>
-          <a:off x="0" y="0"/>
-          <a:ext cx="0" cy="0"/>
-          <a:chOff x="0" y="0"/>
-          <a:chExt cx="0" cy="0"/>
-        </a:xfrm>
-      </p:grpSpPr>
-      <p:sp>
-        <p:nvSpPr>
-          <p:cNvPr id="2" name="Заголовок 1"/>
-          <p:cNvSpPr>
-            <a:spLocks noGrp="1"/>
-          </p:cNvSpPr>
-          <p:nvPr>
-            <p:ph type="title"/>
-          </p:nvPr>
-        </p:nvSpPr>
-        <p:spPr>
-          <a:xfrm>
-            <a:off x="1295400" y="72496"/>
-            <a:ext cx="9601200" cy="1142385"/>
-          </a:xfrm>
-        </p:spPr>
-        <p:txBody>
-          <a:bodyPr rtlCol="0"/>
-          <a:lstStyle/>
-          <a:p>
-            <a:pPr rtl="0"/>
-            <a:r>
-              <a:rPr lang="uk-UA" dirty="0"/>
-              <a:t>Зміст презентації:</a:t>
-            </a:r>
-          </a:p>
-        </p:txBody>
-      </p:sp>
-      <p:sp>
-        <p:nvSpPr>
-          <p:cNvPr id="3" name="Місце для вмісту 2"/>
-          <p:cNvSpPr>
-            <a:spLocks noGrp="1"/>
-          </p:cNvSpPr>
-          <p:nvPr>
-            <p:ph idx="1"/>
-          </p:nvPr>
-        </p:nvSpPr>
-        <p:spPr>
-          <a:xfrm>
-            <a:off x="1295400" y="1407695"/>
-            <a:ext cx="5731042" cy="4806616"/>
-          </a:xfrm>
-        </p:spPr>
-        <p:txBody>
-          <a:bodyPr rtlCol="0">
-            <a:normAutofit lnSpcReduction="10000"/>
-          </a:bodyPr>
-          <a:lstStyle/>
-          <a:p>
-            <a:pPr rtl="0"/>
-            <a:r>
-              <a:rPr lang="uk-UA" dirty="0"/>
-              <a:t>Аналіз проблем сучасних соціальних мереж</a:t>
-            </a:r>
-          </a:p>
-          <a:p>
-            <a:pPr rtl="0"/>
-            <a:r>
-              <a:rPr lang="uk-UA" dirty="0"/>
-              <a:t>Аналіз існуючих аналогів</a:t>
-            </a:r>
-          </a:p>
-          <a:p>
-            <a:pPr rtl="0"/>
-            <a:r>
-              <a:rPr lang="uk-UA" dirty="0"/>
-              <a:t>Новий підхід зі сповіщення користувачів</a:t>
-            </a:r>
-          </a:p>
-          <a:p>
-            <a:pPr rtl="0"/>
-            <a:r>
-              <a:rPr lang="uk-UA" dirty="0"/>
-              <a:t>Технології розробки </a:t>
-            </a:r>
-            <a:r>
-              <a:rPr lang="uk-UA" dirty="0" err="1"/>
-              <a:t>проєкту</a:t>
-            </a:r>
-            <a:endParaRPr lang="uk-UA" dirty="0"/>
-          </a:p>
-          <a:p>
-            <a:pPr rtl="0"/>
-            <a:r>
-              <a:rPr lang="uk-UA" dirty="0"/>
-              <a:t>Опис архітектури соціальної мережі</a:t>
-            </a:r>
-          </a:p>
-          <a:p>
-            <a:pPr rtl="0"/>
-            <a:r>
-              <a:rPr lang="uk-UA" dirty="0"/>
-              <a:t>Використані сторонні сервіси</a:t>
-            </a:r>
-          </a:p>
-          <a:p>
-            <a:pPr rtl="0"/>
-            <a:r>
-              <a:rPr lang="uk-UA" dirty="0"/>
-              <a:t>Реалізація сервісу підписок</a:t>
-            </a:r>
-          </a:p>
-          <a:p>
-            <a:pPr rtl="0"/>
-            <a:r>
-              <a:rPr lang="uk-UA" dirty="0"/>
-              <a:t>Реалізація сервісу збереження фото</a:t>
-            </a:r>
-          </a:p>
-          <a:p>
-            <a:pPr rtl="0"/>
-            <a:r>
-              <a:rPr lang="uk-UA" dirty="0"/>
-              <a:t>Інтерфейс користувача</a:t>
-            </a:r>
-          </a:p>
-          <a:p>
-            <a:pPr rtl="0"/>
-            <a:r>
-              <a:rPr lang="uk-UA" dirty="0"/>
-              <a:t>Підсумки</a:t>
-            </a:r>
-          </a:p>
-          <a:p>
-            <a:pPr rtl="0"/>
-            <a:endParaRPr lang="uk-UA" dirty="0"/>
-          </a:p>
-          <a:p>
-            <a:pPr rtl="0"/>
-            <a:endParaRPr lang="uk-UA" dirty="0"/>
-          </a:p>
-        </p:txBody>
-      </p:sp>
-      <p:sp>
-        <p:nvSpPr>
-          <p:cNvPr id="4" name="Місце для номера слайда 3">
-            <a:extLst>
-              <a:ext uri="{FF2B5EF4-FFF2-40B4-BE49-F238E27FC236}">
-                <a16:creationId xmlns:a16="http://schemas.microsoft.com/office/drawing/2014/main" id="{45B962D3-186F-58BD-0C88-747DDC8F2462}"/>
-              </a:ext>
-            </a:extLst>
-          </p:cNvPr>
-          <p:cNvSpPr>
-            <a:spLocks noGrp="1"/>
-          </p:cNvSpPr>
-          <p:nvPr>
-            <p:ph type="sldNum" sz="quarter" idx="12"/>
-          </p:nvPr>
-        </p:nvSpPr>
-        <p:spPr/>
-        <p:txBody>
-          <a:bodyPr/>
-          <a:lstStyle/>
-          <a:p>
-            <a:pPr rtl="0"/>
-            <a:fld id="{E31375A4-56A4-47D6-9801-1991572033F7}" type="slidenum">
-              <a:rPr lang="uk-UA" noProof="0" smtClean="0"/>
-              <a:t>3</a:t>
-            </a:fld>
-            <a:endParaRPr lang="uk-UA" noProof="0" dirty="0"/>
-          </a:p>
-        </p:txBody>
-      </p:sp>
-    </p:spTree>
-    <p:extLst>
-      <p:ext uri="{BB962C8B-B14F-4D97-AF65-F5344CB8AC3E}">
-        <p14:creationId xmlns:p14="http://schemas.microsoft.com/office/powerpoint/2010/main" val="3984617762"/>
-      </p:ext>
-    </p:extLst>
-  </p:cSld>
-  <p:clrMapOvr>
-    <a:masterClrMapping/>
-  </p:clrMapOvr>
-  <mc:AlternateContent xmlns:mc="http://schemas.openxmlformats.org/markup-compatibility/2006" xmlns:p14="http://schemas.microsoft.com/office/powerpoint/2010/main">
-    <mc:Choice Requires="p14">
-      <p:transition spd="med" p14:dur="700">
-        <p:fade/>
-      </p:transition>
-    </mc:Choice>
-    <mc:Fallback xmlns="">
-      <p:transition spd="med">
-        <p:fade/>
-      </p:transition>
-    </mc:Fallback>
-  </mc:AlternateContent>
-</p:sld>
-</file>
-
-<file path=ppt/slides/slide4.xml><?xml version="1.0" encoding="utf-8"?>
 <p:sld xmlns:a="http://schemas.openxmlformats.org/drawingml/2006/main" xmlns:r="http://schemas.openxmlformats.org/officeDocument/2006/relationships" xmlns:p="http://schemas.openxmlformats.org/presentationml/2006/main">
   <p:cSld>
     <p:spTree>
@@ -20987,7 +17003,7 @@
             <a:pPr rtl="0"/>
             <a:fld id="{E31375A4-56A4-47D6-9801-1991572033F7}" type="slidenum">
               <a:rPr lang="uk-UA" noProof="0" smtClean="0"/>
-              <a:t>4</a:t>
+              <a:t>3</a:t>
             </a:fld>
             <a:endParaRPr lang="uk-UA" noProof="0" dirty="0"/>
           </a:p>
@@ -21018,7 +17034,7 @@
 </p:sld>
 </file>
 
-<file path=ppt/slides/slide5.xml><?xml version="1.0" encoding="utf-8"?>
+<file path=ppt/slides/slide4.xml><?xml version="1.0" encoding="utf-8"?>
 <p:sld xmlns:a="http://schemas.openxmlformats.org/drawingml/2006/main" xmlns:r="http://schemas.openxmlformats.org/officeDocument/2006/relationships" xmlns:p="http://schemas.openxmlformats.org/presentationml/2006/main">
   <p:cSld>
     <p:spTree>
@@ -21073,14 +17089,14 @@
             <p:ph sz="half" idx="2"/>
             <p:extLst>
               <p:ext uri="{D42A27DB-BD31-4B8C-83A1-F6EECF244321}">
-                <p14:modId xmlns:p14="http://schemas.microsoft.com/office/powerpoint/2010/main" val="3696556877"/>
+                <p14:modId xmlns:p14="http://schemas.microsoft.com/office/powerpoint/2010/main" val="222120206"/>
               </p:ext>
             </p:extLst>
           </p:nvPr>
         </p:nvGraphicFramePr>
         <p:xfrm>
           <a:off x="1379621" y="1337510"/>
-          <a:ext cx="8595971" cy="4166754"/>
+          <a:ext cx="8751758" cy="4587704"/>
         </p:xfrm>
         <a:graphic>
           <a:graphicData uri="http://schemas.openxmlformats.org/drawingml/2006/table">
@@ -21089,38 +17105,31 @@
                 <a:tableStyleId>{BC89EF96-8CEA-46FF-86C4-4CE0E7609802}</a:tableStyleId>
               </a:tblPr>
               <a:tblGrid>
-                <a:gridCol w="2087821">
+                <a:gridCol w="3523247">
                   <a:extLst>
                     <a:ext uri="{9D8B030D-6E8A-4147-A177-3AD203B41FA5}">
                       <a16:colId xmlns:a16="http://schemas.microsoft.com/office/drawing/2014/main" val="2109741410"/>
                     </a:ext>
                   </a:extLst>
                 </a:gridCol>
-                <a:gridCol w="2092713">
+                <a:gridCol w="1742837">
                   <a:extLst>
                     <a:ext uri="{9D8B030D-6E8A-4147-A177-3AD203B41FA5}">
                       <a16:colId xmlns:a16="http://schemas.microsoft.com/office/drawing/2014/main" val="20000"/>
                     </a:ext>
                   </a:extLst>
                 </a:gridCol>
-                <a:gridCol w="116840">
+                <a:gridCol w="1742837">
                   <a:extLst>
                     <a:ext uri="{9D8B030D-6E8A-4147-A177-3AD203B41FA5}">
-                      <a16:colId xmlns:a16="http://schemas.microsoft.com/office/drawing/2014/main" val="2791087342"/>
+                      <a16:colId xmlns:a16="http://schemas.microsoft.com/office/drawing/2014/main" val="1654986346"/>
                     </a:ext>
                   </a:extLst>
                 </a:gridCol>
-                <a:gridCol w="2207107">
+                <a:gridCol w="1742837">
                   <a:extLst>
                     <a:ext uri="{9D8B030D-6E8A-4147-A177-3AD203B41FA5}">
-                      <a16:colId xmlns:a16="http://schemas.microsoft.com/office/drawing/2014/main" val="20001"/>
-                    </a:ext>
-                  </a:extLst>
-                </a:gridCol>
-                <a:gridCol w="2091490">
-                  <a:extLst>
-                    <a:ext uri="{9D8B030D-6E8A-4147-A177-3AD203B41FA5}">
-                      <a16:colId xmlns:a16="http://schemas.microsoft.com/office/drawing/2014/main" val="20002"/>
+                      <a16:colId xmlns:a16="http://schemas.microsoft.com/office/drawing/2014/main" val="2388263292"/>
                     </a:ext>
                   </a:extLst>
                 </a:gridCol>
@@ -21134,7 +17143,7 @@
                       <a:pPr rtl="0"/>
                       <a:r>
                         <a:rPr lang="uk-UA" sz="1600" noProof="0" dirty="0"/>
-                        <a:t>Оцінка</a:t>
+                        <a:t>Критерії</a:t>
                       </a:r>
                     </a:p>
                   </a:txBody>
@@ -21185,76 +17194,6 @@
                     </a:lnBlToTr>
                   </a:tcPr>
                 </a:tc>
-                <a:tc gridSpan="2">
-                  <a:txBody>
-                    <a:bodyPr/>
-                    <a:lstStyle/>
-                    <a:p>
-                      <a:pPr rtl="0"/>
-                      <a:r>
-                        <a:rPr lang="en-US" sz="1600" noProof="0" dirty="0"/>
-                        <a:t>Twitter (X)</a:t>
-                      </a:r>
-                      <a:endParaRPr lang="uk-UA" sz="1600" noProof="0" dirty="0"/>
-                    </a:p>
-                  </a:txBody>
-                  <a:tcPr anchor="ctr">
-                    <a:lnL w="12700" cap="flat" cmpd="sng" algn="ctr">
-                      <a:solidFill>
-                        <a:schemeClr val="tx1"/>
-                      </a:solidFill>
-                      <a:prstDash val="solid"/>
-                      <a:round/>
-                      <a:headEnd type="none" w="med" len="med"/>
-                      <a:tailEnd type="none" w="med" len="med"/>
-                    </a:lnL>
-                    <a:lnR w="12700" cap="flat" cmpd="sng" algn="ctr">
-                      <a:solidFill>
-                        <a:schemeClr val="tx1"/>
-                      </a:solidFill>
-                      <a:prstDash val="solid"/>
-                      <a:round/>
-                      <a:headEnd type="none" w="med" len="med"/>
-                      <a:tailEnd type="none" w="med" len="med"/>
-                    </a:lnR>
-                    <a:lnT w="12700" cap="flat" cmpd="sng" algn="ctr">
-                      <a:solidFill>
-                        <a:schemeClr val="tx1"/>
-                      </a:solidFill>
-                      <a:prstDash val="solid"/>
-                      <a:round/>
-                      <a:headEnd type="none" w="med" len="med"/>
-                      <a:tailEnd type="none" w="med" len="med"/>
-                    </a:lnT>
-                    <a:lnB w="12700" cap="flat" cmpd="sng" algn="ctr">
-                      <a:solidFill>
-                        <a:schemeClr val="tx1"/>
-                      </a:solidFill>
-                      <a:prstDash val="solid"/>
-                      <a:round/>
-                      <a:headEnd type="none" w="med" len="med"/>
-                      <a:tailEnd type="none" w="med" len="med"/>
-                    </a:lnB>
-                    <a:lnTlToBr w="12700" cmpd="sng">
-                      <a:noFill/>
-                      <a:prstDash val="solid"/>
-                    </a:lnTlToBr>
-                    <a:lnBlToTr w="12700" cmpd="sng">
-                      <a:noFill/>
-                      <a:prstDash val="solid"/>
-                    </a:lnBlToTr>
-                  </a:tcPr>
-                </a:tc>
-                <a:tc hMerge="1">
-                  <a:txBody>
-                    <a:bodyPr/>
-                    <a:lstStyle/>
-                    <a:p>
-                      <a:endParaRPr lang="uk-UA"/>
-                    </a:p>
-                  </a:txBody>
-                  <a:tcPr/>
-                </a:tc>
                 <a:tc>
                   <a:txBody>
                     <a:bodyPr/>
@@ -21263,7 +17202,7 @@
                       <a:pPr algn="ctr" rtl="0"/>
                       <a:r>
                         <a:rPr lang="en-US" sz="1600" noProof="0" dirty="0"/>
-                        <a:t>Facebook</a:t>
+                        <a:t>Twitter (X)</a:t>
                       </a:r>
                       <a:endParaRPr lang="uk-UA" sz="1600" noProof="0" dirty="0"/>
                     </a:p>
@@ -21320,12 +17259,72 @@
                     <a:bodyPr/>
                     <a:lstStyle/>
                     <a:p>
-                      <a:pPr algn="ctr" rtl="0"/>
+                      <a:pPr algn="ctr"/>
+                      <a:r>
+                        <a:rPr lang="en-US" sz="1600" noProof="0"/>
+                        <a:t>Facebook</a:t>
+                      </a:r>
+                      <a:endParaRPr lang="uk-UA" dirty="0"/>
+                    </a:p>
+                  </a:txBody>
+                  <a:tcPr anchor="ctr">
+                    <a:lnL w="12700" cap="flat" cmpd="sng" algn="ctr">
+                      <a:solidFill>
+                        <a:schemeClr val="tx1"/>
+                      </a:solidFill>
+                      <a:prstDash val="solid"/>
+                      <a:round/>
+                      <a:headEnd type="none" w="med" len="med"/>
+                      <a:tailEnd type="none" w="med" len="med"/>
+                    </a:lnL>
+                    <a:lnR w="12700" cap="flat" cmpd="sng" algn="ctr">
+                      <a:solidFill>
+                        <a:schemeClr val="tx1"/>
+                      </a:solidFill>
+                      <a:prstDash val="solid"/>
+                      <a:round/>
+                      <a:headEnd type="none" w="med" len="med"/>
+                      <a:tailEnd type="none" w="med" len="med"/>
+                    </a:lnR>
+                    <a:lnT w="12700" cap="flat" cmpd="sng" algn="ctr">
+                      <a:solidFill>
+                        <a:schemeClr val="tx1"/>
+                      </a:solidFill>
+                      <a:prstDash val="solid"/>
+                      <a:round/>
+                      <a:headEnd type="none" w="med" len="med"/>
+                      <a:tailEnd type="none" w="med" len="med"/>
+                    </a:lnT>
+                    <a:lnB w="12700" cap="flat" cmpd="sng" algn="ctr">
+                      <a:solidFill>
+                        <a:schemeClr val="tx1"/>
+                      </a:solidFill>
+                      <a:prstDash val="solid"/>
+                      <a:round/>
+                      <a:headEnd type="none" w="med" len="med"/>
+                      <a:tailEnd type="none" w="med" len="med"/>
+                    </a:lnB>
+                    <a:lnTlToBr w="12700" cmpd="sng">
+                      <a:noFill/>
+                      <a:prstDash val="solid"/>
+                    </a:lnTlToBr>
+                    <a:lnBlToTr w="12700" cmpd="sng">
+                      <a:noFill/>
+                      <a:prstDash val="solid"/>
+                    </a:lnBlToTr>
+                  </a:tcPr>
+                </a:tc>
+                <a:tc>
+                  <a:txBody>
+                    <a:bodyPr/>
+                    <a:lstStyle/>
+                    <a:p>
+                      <a:pPr algn="ctr"/>
                       <a:r>
                         <a:rPr lang="en-US" noProof="0" dirty="0"/>
                         <a:t>Instagram</a:t>
                       </a:r>
-                      <a:endParaRPr lang="uk-UA" noProof="0" dirty="0"/>
+                      <a:endParaRPr lang="uk-UA" dirty="0"/>
                     </a:p>
                   </a:txBody>
                   <a:tcPr anchor="ctr">
@@ -21381,8 +17380,8 @@
                   </a:ext>
                 </a:extLst>
               </a:tr>
-              <a:tr h="535478">
-                <a:tc rowSpan="3">
+              <a:tr h="675371">
+                <a:tc>
                   <a:txBody>
                     <a:bodyPr/>
                     <a:lstStyle/>
@@ -21390,7 +17389,7 @@
                       <a:pPr rtl="0"/>
                       <a:r>
                         <a:rPr lang="uk-UA" sz="1600" noProof="0" dirty="0"/>
-                        <a:t>Позитивні сторони</a:t>
+                        <a:t>Можливості взаємодії з медіа-контентом</a:t>
                       </a:r>
                     </a:p>
                   </a:txBody>
@@ -21447,15 +17446,15 @@
                     </a:solidFill>
                   </a:tcPr>
                 </a:tc>
-                <a:tc gridSpan="4">
+                <a:tc>
                   <a:txBody>
                     <a:bodyPr/>
                     <a:lstStyle/>
                     <a:p>
-                      <a:pPr algn="just" rtl="0"/>
+                      <a:pPr algn="ctr" rtl="0"/>
                       <a:r>
                         <a:rPr lang="uk-UA" sz="1600" noProof="0" dirty="0"/>
-                        <a:t>Широкі можливості взаємодії з медіа-контентом</a:t>
+                        <a:t>6/10</a:t>
                       </a:r>
                     </a:p>
                   </a:txBody>
@@ -21512,63 +17511,15 @@
                     </a:solidFill>
                   </a:tcPr>
                 </a:tc>
-                <a:tc hMerge="1">
+                <a:tc>
                   <a:txBody>
                     <a:bodyPr/>
                     <a:lstStyle/>
                     <a:p>
-                      <a:endParaRPr lang="uk-UA"/>
-                    </a:p>
-                  </a:txBody>
-                  <a:tcPr/>
-                </a:tc>
-                <a:tc hMerge="1">
-                  <a:txBody>
-                    <a:bodyPr/>
-                    <a:lstStyle/>
-                    <a:p>
-                      <a:endParaRPr/>
-                    </a:p>
-                  </a:txBody>
-                  <a:tcPr anchor="ctr"/>
-                </a:tc>
-                <a:tc hMerge="1">
-                  <a:txBody>
-                    <a:bodyPr/>
-                    <a:lstStyle/>
-                    <a:p>
-                      <a:endParaRPr dirty="0"/>
-                    </a:p>
-                  </a:txBody>
-                  <a:tcPr anchor="ctr"/>
-                </a:tc>
-                <a:extLst>
-                  <a:ext uri="{0D108BD9-81ED-4DB2-BD59-A6C34878D82A}">
-                    <a16:rowId xmlns:a16="http://schemas.microsoft.com/office/drawing/2014/main" val="10001"/>
-                  </a:ext>
-                </a:extLst>
-              </a:tr>
-              <a:tr h="535478">
-                <a:tc vMerge="1">
-                  <a:txBody>
-                    <a:bodyPr/>
-                    <a:lstStyle/>
-                    <a:p>
-                      <a:pPr rtl="0"/>
-                      <a:endParaRPr lang="uk-UA" noProof="0" dirty="0"/>
-                    </a:p>
-                  </a:txBody>
-                  <a:tcPr anchor="ctr"/>
-                </a:tc>
-                <a:tc gridSpan="4">
-                  <a:txBody>
-                    <a:bodyPr/>
-                    <a:lstStyle/>
-                    <a:p>
-                      <a:pPr algn="just" rtl="0"/>
+                      <a:pPr algn="ctr"/>
                       <a:r>
-                        <a:rPr lang="uk-UA" sz="1600" noProof="0" dirty="0"/>
-                        <a:t>Велика група розробників та велика кількість вже створеної функціональності</a:t>
+                        <a:rPr lang="uk-UA" dirty="0"/>
+                        <a:t>7/10</a:t>
                       </a:r>
                     </a:p>
                   </a:txBody>
@@ -21625,70 +17576,16 @@
                     </a:solidFill>
                   </a:tcPr>
                 </a:tc>
-                <a:tc hMerge="1">
-                  <a:txBody>
-                    <a:bodyPr/>
-                    <a:lstStyle/>
-                    <a:p>
-                      <a:pPr rtl="0"/>
-                      <a:endParaRPr lang="uk-UA" noProof="0" dirty="0"/>
-                    </a:p>
-                  </a:txBody>
-                  <a:tcPr anchor="ctr"/>
-                </a:tc>
-                <a:tc hMerge="1">
-                  <a:txBody>
-                    <a:bodyPr/>
-                    <a:lstStyle/>
-                    <a:p>
-                      <a:endParaRPr lang="uk-UA"/>
-                    </a:p>
-                  </a:txBody>
-                  <a:tcPr/>
-                </a:tc>
-                <a:tc hMerge="1">
-                  <a:txBody>
-                    <a:bodyPr/>
-                    <a:lstStyle/>
-                    <a:p>
-                      <a:endParaRPr lang="uk-UA"/>
-                    </a:p>
-                  </a:txBody>
-                  <a:tcPr/>
-                </a:tc>
-                <a:extLst>
-                  <a:ext uri="{0D108BD9-81ED-4DB2-BD59-A6C34878D82A}">
-                    <a16:rowId xmlns:a16="http://schemas.microsoft.com/office/drawing/2014/main" val="1509405663"/>
-                  </a:ext>
-                </a:extLst>
-              </a:tr>
-              <a:tr h="535478">
-                <a:tc vMerge="1">
-                  <a:txBody>
-                    <a:bodyPr/>
-                    <a:lstStyle/>
-                    <a:p>
-                      <a:pPr rtl="0"/>
-                      <a:endParaRPr lang="uk-UA" noProof="0" dirty="0"/>
-                    </a:p>
-                  </a:txBody>
-                  <a:tcPr anchor="ctr"/>
-                </a:tc>
                 <a:tc>
                   <a:txBody>
                     <a:bodyPr/>
                     <a:lstStyle/>
                     <a:p>
-                      <a:pPr algn="just" rtl="0"/>
+                      <a:pPr algn="ctr" rtl="0"/>
                       <a:r>
                         <a:rPr lang="uk-UA" sz="1600" noProof="0" dirty="0"/>
-                        <a:t>Інтеграція власного штучного інтелекту (</a:t>
+                        <a:t>10/10</a:t>
                       </a:r>
-                      <a:r>
-                        <a:rPr lang="en-US" sz="1600" noProof="0" dirty="0"/>
-                        <a:t>Grok)</a:t>
-                      </a:r>
-                      <a:endParaRPr lang="uk-UA" sz="1600" noProof="0" dirty="0"/>
                     </a:p>
                   </a:txBody>
                   <a:tcPr anchor="ctr">
@@ -21744,21 +17641,23 @@
                     </a:solidFill>
                   </a:tcPr>
                 </a:tc>
-                <a:tc gridSpan="3">
+                <a:extLst>
+                  <a:ext uri="{0D108BD9-81ED-4DB2-BD59-A6C34878D82A}">
+                    <a16:rowId xmlns:a16="http://schemas.microsoft.com/office/drawing/2014/main" val="10001"/>
+                  </a:ext>
+                </a:extLst>
+              </a:tr>
+              <a:tr h="675371">
+                <a:tc>
                   <a:txBody>
                     <a:bodyPr/>
                     <a:lstStyle/>
                     <a:p>
-                      <a:pPr algn="just" rtl="0"/>
+                      <a:pPr rtl="0"/>
                       <a:r>
                         <a:rPr lang="uk-UA" sz="1600" noProof="0" dirty="0"/>
-                        <a:t>Інтеграція штучного інтелекту </a:t>
+                        <a:t>Простота використання</a:t>
                       </a:r>
-                      <a:r>
-                        <a:rPr lang="en-US" sz="1600" noProof="0" dirty="0"/>
-                        <a:t>Meta AI</a:t>
-                      </a:r>
-                      <a:endParaRPr lang="uk-UA" sz="1600" noProof="0" dirty="0"/>
                     </a:p>
                   </a:txBody>
                   <a:tcPr anchor="ctr">
@@ -21814,42 +17713,15 @@
                     </a:solidFill>
                   </a:tcPr>
                 </a:tc>
-                <a:tc hMerge="1">
+                <a:tc>
                   <a:txBody>
                     <a:bodyPr/>
                     <a:lstStyle/>
                     <a:p>
-                      <a:endParaRPr lang="uk-UA"/>
-                    </a:p>
-                  </a:txBody>
-                  <a:tcPr/>
-                </a:tc>
-                <a:tc hMerge="1">
-                  <a:txBody>
-                    <a:bodyPr/>
-                    <a:lstStyle/>
-                    <a:p>
-                      <a:endParaRPr lang="uk-UA"/>
-                    </a:p>
-                  </a:txBody>
-                  <a:tcPr/>
-                </a:tc>
-                <a:extLst>
-                  <a:ext uri="{0D108BD9-81ED-4DB2-BD59-A6C34878D82A}">
-                    <a16:rowId xmlns:a16="http://schemas.microsoft.com/office/drawing/2014/main" val="3088700333"/>
-                  </a:ext>
-                </a:extLst>
-              </a:tr>
-              <a:tr h="535478">
-                <a:tc rowSpan="3">
-                  <a:txBody>
-                    <a:bodyPr/>
-                    <a:lstStyle/>
-                    <a:p>
-                      <a:pPr rtl="0"/>
+                      <a:pPr algn="ctr"/>
                       <a:r>
-                        <a:rPr lang="uk-UA" sz="1600" noProof="0" dirty="0"/>
-                        <a:t>Негативні сторони</a:t>
+                        <a:rPr lang="uk-UA" dirty="0"/>
+                        <a:t>8/10</a:t>
                       </a:r>
                     </a:p>
                   </a:txBody>
@@ -21899,22 +17771,141 @@
                       <a:prstDash val="solid"/>
                     </a:lnBlToTr>
                     <a:solidFill>
-                      <a:schemeClr val="accent1">
-                        <a:lumMod val="60000"/>
-                        <a:lumOff val="40000"/>
+                      <a:schemeClr val="accent5">
+                        <a:lumMod val="40000"/>
+                        <a:lumOff val="60000"/>
                       </a:schemeClr>
                     </a:solidFill>
                   </a:tcPr>
                 </a:tc>
-                <a:tc gridSpan="4">
+                <a:tc>
                   <a:txBody>
                     <a:bodyPr/>
                     <a:lstStyle/>
                     <a:p>
-                      <a:pPr algn="just" rtl="0"/>
+                      <a:pPr algn="ctr"/>
+                      <a:r>
+                        <a:rPr lang="uk-UA" dirty="0"/>
+                        <a:t>6/10</a:t>
+                      </a:r>
+                    </a:p>
+                  </a:txBody>
+                  <a:tcPr anchor="ctr">
+                    <a:lnL w="12700" cap="flat" cmpd="sng" algn="ctr">
+                      <a:solidFill>
+                        <a:schemeClr val="tx1"/>
+                      </a:solidFill>
+                      <a:prstDash val="solid"/>
+                      <a:round/>
+                      <a:headEnd type="none" w="med" len="med"/>
+                      <a:tailEnd type="none" w="med" len="med"/>
+                    </a:lnL>
+                    <a:lnR w="12700" cap="flat" cmpd="sng" algn="ctr">
+                      <a:solidFill>
+                        <a:schemeClr val="tx1"/>
+                      </a:solidFill>
+                      <a:prstDash val="solid"/>
+                      <a:round/>
+                      <a:headEnd type="none" w="med" len="med"/>
+                      <a:tailEnd type="none" w="med" len="med"/>
+                    </a:lnR>
+                    <a:lnT w="12700" cap="flat" cmpd="sng" algn="ctr">
+                      <a:solidFill>
+                        <a:schemeClr val="tx1"/>
+                      </a:solidFill>
+                      <a:prstDash val="solid"/>
+                      <a:round/>
+                      <a:headEnd type="none" w="med" len="med"/>
+                      <a:tailEnd type="none" w="med" len="med"/>
+                    </a:lnT>
+                    <a:lnTlToBr w="12700" cmpd="sng">
+                      <a:noFill/>
+                      <a:prstDash val="solid"/>
+                    </a:lnTlToBr>
+                    <a:lnBlToTr w="12700" cmpd="sng">
+                      <a:noFill/>
+                      <a:prstDash val="solid"/>
+                    </a:lnBlToTr>
+                    <a:solidFill>
+                      <a:schemeClr val="accent5">
+                        <a:lumMod val="40000"/>
+                        <a:lumOff val="60000"/>
+                      </a:schemeClr>
+                    </a:solidFill>
+                  </a:tcPr>
+                </a:tc>
+                <a:tc>
+                  <a:txBody>
+                    <a:bodyPr/>
+                    <a:lstStyle/>
+                    <a:p>
+                      <a:pPr algn="ctr"/>
+                      <a:r>
+                        <a:rPr lang="uk-UA" dirty="0"/>
+                        <a:t>8/10</a:t>
+                      </a:r>
+                    </a:p>
+                  </a:txBody>
+                  <a:tcPr anchor="ctr">
+                    <a:lnL w="12700" cap="flat" cmpd="sng" algn="ctr">
+                      <a:solidFill>
+                        <a:schemeClr val="tx1"/>
+                      </a:solidFill>
+                      <a:prstDash val="solid"/>
+                      <a:round/>
+                      <a:headEnd type="none" w="med" len="med"/>
+                      <a:tailEnd type="none" w="med" len="med"/>
+                    </a:lnL>
+                    <a:lnR w="12700" cap="flat" cmpd="sng" algn="ctr">
+                      <a:solidFill>
+                        <a:schemeClr val="tx1"/>
+                      </a:solidFill>
+                      <a:prstDash val="solid"/>
+                      <a:round/>
+                      <a:headEnd type="none" w="med" len="med"/>
+                      <a:tailEnd type="none" w="med" len="med"/>
+                    </a:lnR>
+                    <a:lnT w="12700" cap="flat" cmpd="sng" algn="ctr">
+                      <a:solidFill>
+                        <a:schemeClr val="tx1"/>
+                      </a:solidFill>
+                      <a:prstDash val="solid"/>
+                      <a:round/>
+                      <a:headEnd type="none" w="med" len="med"/>
+                      <a:tailEnd type="none" w="med" len="med"/>
+                    </a:lnT>
+                    <a:lnTlToBr w="12700" cmpd="sng">
+                      <a:noFill/>
+                      <a:prstDash val="solid"/>
+                    </a:lnTlToBr>
+                    <a:lnBlToTr w="12700" cmpd="sng">
+                      <a:noFill/>
+                      <a:prstDash val="solid"/>
+                    </a:lnBlToTr>
+                    <a:solidFill>
+                      <a:schemeClr val="accent5">
+                        <a:lumMod val="40000"/>
+                        <a:lumOff val="60000"/>
+                      </a:schemeClr>
+                    </a:solidFill>
+                  </a:tcPr>
+                </a:tc>
+                <a:extLst>
+                  <a:ext uri="{0D108BD9-81ED-4DB2-BD59-A6C34878D82A}">
+                    <a16:rowId xmlns:a16="http://schemas.microsoft.com/office/drawing/2014/main" val="1053905579"/>
+                  </a:ext>
+                </a:extLst>
+              </a:tr>
+              <a:tr h="675371">
+                <a:tc>
+                  <a:txBody>
+                    <a:bodyPr/>
+                    <a:lstStyle/>
+                    <a:p>
+                      <a:pPr rtl="0"/>
                       <a:r>
                         <a:rPr lang="uk-UA" sz="1600" noProof="0" dirty="0"/>
-                        <a:t>Нав’язлива система повідомлення про нові публікації</a:t>
+                        <a:t>Зрозумілість і інтуїтивність для нових користувачів</a:t>
                       </a:r>
                     </a:p>
                   </a:txBody>
@@ -21964,92 +17955,22 @@
                       <a:prstDash val="solid"/>
                     </a:lnBlToTr>
                     <a:solidFill>
-                      <a:schemeClr val="accent1">
-                        <a:lumMod val="60000"/>
-                        <a:lumOff val="40000"/>
+                      <a:schemeClr val="accent5">
+                        <a:lumMod val="40000"/>
+                        <a:lumOff val="60000"/>
                       </a:schemeClr>
                     </a:solidFill>
                   </a:tcPr>
                 </a:tc>
-                <a:tc hMerge="1">
+                <a:tc>
                   <a:txBody>
                     <a:bodyPr/>
                     <a:lstStyle/>
                     <a:p>
-                      <a:endParaRPr lang="uk-UA"/>
-                    </a:p>
-                  </a:txBody>
-                  <a:tcPr/>
-                </a:tc>
-                <a:tc hMerge="1">
-                  <a:txBody>
-                    <a:bodyPr/>
-                    <a:lstStyle/>
-                    <a:p>
-                      <a:pPr algn="ctr" rtl="0"/>
-                      <a:endParaRPr lang="uk-UA" noProof="0" dirty="0"/>
-                    </a:p>
-                  </a:txBody>
-                  <a:tcPr anchor="ctr">
-                    <a:lnT w="12700" cap="flat" cmpd="sng" algn="ctr">
-                      <a:solidFill>
-                        <a:schemeClr val="tx1"/>
-                      </a:solidFill>
-                      <a:prstDash val="solid"/>
-                      <a:round/>
-                      <a:headEnd type="none" w="med" len="med"/>
-                      <a:tailEnd type="none" w="med" len="med"/>
-                    </a:lnT>
-                  </a:tcPr>
-                </a:tc>
-                <a:tc hMerge="1">
-                  <a:txBody>
-                    <a:bodyPr/>
-                    <a:lstStyle/>
-                    <a:p>
-                      <a:pPr algn="ctr" rtl="0"/>
-                      <a:endParaRPr lang="uk-UA" noProof="0" dirty="0"/>
-                    </a:p>
-                  </a:txBody>
-                  <a:tcPr anchor="ctr">
-                    <a:lnT w="12700" cap="flat" cmpd="sng" algn="ctr">
-                      <a:solidFill>
-                        <a:schemeClr val="tx1"/>
-                      </a:solidFill>
-                      <a:prstDash val="solid"/>
-                      <a:round/>
-                      <a:headEnd type="none" w="med" len="med"/>
-                      <a:tailEnd type="none" w="med" len="med"/>
-                    </a:lnT>
-                  </a:tcPr>
-                </a:tc>
-                <a:extLst>
-                  <a:ext uri="{0D108BD9-81ED-4DB2-BD59-A6C34878D82A}">
-                    <a16:rowId xmlns:a16="http://schemas.microsoft.com/office/drawing/2014/main" val="10002"/>
-                  </a:ext>
-                </a:extLst>
-              </a:tr>
-              <a:tr h="535478">
-                <a:tc vMerge="1">
-                  <a:txBody>
-                    <a:bodyPr/>
-                    <a:lstStyle/>
-                    <a:p>
-                      <a:pPr rtl="0"/>
-                      <a:endParaRPr lang="uk-UA" sz="1600" noProof="0" dirty="0"/>
-                    </a:p>
-                  </a:txBody>
-                  <a:tcPr anchor="ctr"/>
-                </a:tc>
-                <a:tc gridSpan="4">
-                  <a:txBody>
-                    <a:bodyPr/>
-                    <a:lstStyle/>
-                    <a:p>
-                      <a:pPr algn="just" rtl="0"/>
+                      <a:pPr algn="ctr"/>
                       <a:r>
-                        <a:rPr lang="uk-UA" sz="1600" noProof="0" dirty="0"/>
-                        <a:t>Надмірна кількість функціональності, що не використовується більшістю користувачів та заплутує нових.</a:t>
+                        <a:rPr lang="uk-UA" dirty="0"/>
+                        <a:t>7/10</a:t>
                       </a:r>
                     </a:p>
                   </a:txBody>
@@ -22099,63 +18020,27 @@
                       <a:prstDash val="solid"/>
                     </a:lnBlToTr>
                     <a:solidFill>
-                      <a:schemeClr val="accent1">
-                        <a:lumMod val="60000"/>
-                        <a:lumOff val="40000"/>
+                      <a:schemeClr val="accent5">
+                        <a:lumMod val="40000"/>
+                        <a:lumOff val="60000"/>
                       </a:schemeClr>
                     </a:solidFill>
                   </a:tcPr>
                 </a:tc>
-                <a:tc hMerge="1">
+                <a:tc>
                   <a:txBody>
                     <a:bodyPr/>
                     <a:lstStyle/>
                     <a:p>
-                      <a:endParaRPr lang="uk-UA"/>
-                    </a:p>
-                  </a:txBody>
-                  <a:tcPr/>
-                </a:tc>
-                <a:tc hMerge="1">
-                  <a:txBody>
-                    <a:bodyPr/>
-                    <a:lstStyle/>
-                    <a:p>
-                      <a:pPr algn="ctr" rtl="0"/>
-                      <a:endParaRPr lang="uk-UA" noProof="0" dirty="0"/>
-                    </a:p>
-                  </a:txBody>
-                  <a:tcPr anchor="ctr"/>
-                </a:tc>
-                <a:tc hMerge="1">
-                  <a:txBody>
-                    <a:bodyPr/>
-                    <a:lstStyle/>
-                    <a:p>
-                      <a:pPr algn="ctr" rtl="0"/>
-                      <a:endParaRPr lang="uk-UA" noProof="0" dirty="0"/>
-                    </a:p>
-                  </a:txBody>
-                  <a:tcPr anchor="ctr"/>
-                </a:tc>
-                <a:extLst>
-                  <a:ext uri="{0D108BD9-81ED-4DB2-BD59-A6C34878D82A}">
-                    <a16:rowId xmlns:a16="http://schemas.microsoft.com/office/drawing/2014/main" val="10003"/>
-                  </a:ext>
-                </a:extLst>
-              </a:tr>
-              <a:tr h="535478">
-                <a:tc vMerge="1">
-                  <a:txBody>
-                    <a:bodyPr/>
-                    <a:lstStyle/>
-                    <a:p>
-                      <a:pPr rtl="0"/>
-                      <a:endParaRPr lang="uk-UA" sz="1600" noProof="0" dirty="0"/>
+                      <a:pPr algn="ctr"/>
+                      <a:r>
+                        <a:rPr lang="uk-UA" dirty="0"/>
+                        <a:t>5/10</a:t>
+                      </a:r>
                     </a:p>
                   </a:txBody>
                   <a:tcPr anchor="ctr">
-                    <a:lnT w="12700" cap="flat" cmpd="sng" algn="ctr">
+                    <a:lnL w="12700" cap="flat" cmpd="sng" algn="ctr">
                       <a:solidFill>
                         <a:schemeClr val="tx1"/>
                       </a:solidFill>
@@ -22163,18 +18048,95 @@
                       <a:round/>
                       <a:headEnd type="none" w="med" len="med"/>
                       <a:tailEnd type="none" w="med" len="med"/>
-                    </a:lnT>
+                    </a:lnL>
+                    <a:lnR w="12700" cap="flat" cmpd="sng" algn="ctr">
+                      <a:solidFill>
+                        <a:schemeClr val="tx1"/>
+                      </a:solidFill>
+                      <a:prstDash val="solid"/>
+                      <a:round/>
+                      <a:headEnd type="none" w="med" len="med"/>
+                      <a:tailEnd type="none" w="med" len="med"/>
+                    </a:lnR>
+                    <a:lnTlToBr w="12700" cmpd="sng">
+                      <a:noFill/>
+                      <a:prstDash val="solid"/>
+                    </a:lnTlToBr>
+                    <a:lnBlToTr w="12700" cmpd="sng">
+                      <a:noFill/>
+                      <a:prstDash val="solid"/>
+                    </a:lnBlToTr>
+                    <a:solidFill>
+                      <a:schemeClr val="accent5">
+                        <a:lumMod val="40000"/>
+                        <a:lumOff val="60000"/>
+                      </a:schemeClr>
+                    </a:solidFill>
                   </a:tcPr>
                 </a:tc>
-                <a:tc gridSpan="4">
+                <a:tc>
                   <a:txBody>
                     <a:bodyPr/>
                     <a:lstStyle/>
                     <a:p>
-                      <a:pPr algn="just" rtl="0"/>
+                      <a:pPr algn="ctr"/>
+                      <a:r>
+                        <a:rPr lang="uk-UA" dirty="0"/>
+                        <a:t>7/10</a:t>
+                      </a:r>
+                    </a:p>
+                  </a:txBody>
+                  <a:tcPr anchor="ctr">
+                    <a:lnL w="12700" cap="flat" cmpd="sng" algn="ctr">
+                      <a:solidFill>
+                        <a:schemeClr val="tx1"/>
+                      </a:solidFill>
+                      <a:prstDash val="solid"/>
+                      <a:round/>
+                      <a:headEnd type="none" w="med" len="med"/>
+                      <a:tailEnd type="none" w="med" len="med"/>
+                    </a:lnL>
+                    <a:lnR w="12700" cap="flat" cmpd="sng" algn="ctr">
+                      <a:solidFill>
+                        <a:schemeClr val="tx1"/>
+                      </a:solidFill>
+                      <a:prstDash val="solid"/>
+                      <a:round/>
+                      <a:headEnd type="none" w="med" len="med"/>
+                      <a:tailEnd type="none" w="med" len="med"/>
+                    </a:lnR>
+                    <a:lnTlToBr w="12700" cmpd="sng">
+                      <a:noFill/>
+                      <a:prstDash val="solid"/>
+                    </a:lnTlToBr>
+                    <a:lnBlToTr w="12700" cmpd="sng">
+                      <a:noFill/>
+                      <a:prstDash val="solid"/>
+                    </a:lnBlToTr>
+                    <a:solidFill>
+                      <a:schemeClr val="accent5">
+                        <a:lumMod val="40000"/>
+                        <a:lumOff val="60000"/>
+                      </a:schemeClr>
+                    </a:solidFill>
+                  </a:tcPr>
+                </a:tc>
+                <a:extLst>
+                  <a:ext uri="{0D108BD9-81ED-4DB2-BD59-A6C34878D82A}">
+                    <a16:rowId xmlns:a16="http://schemas.microsoft.com/office/drawing/2014/main" val="1813422053"/>
+                  </a:ext>
+                </a:extLst>
+              </a:tr>
+              <a:tr h="675371">
+                <a:tc>
+                  <a:txBody>
+                    <a:bodyPr/>
+                    <a:lstStyle/>
+                    <a:p>
+                      <a:pPr rtl="0"/>
                       <a:r>
                         <a:rPr lang="uk-UA" sz="1600" noProof="0" dirty="0"/>
-                        <a:t>Обмеження основної функціональності власникам безкоштовних акаунтів, що не купили підписку</a:t>
+                        <a:t>Інтеграція ШІ</a:t>
                       </a:r>
                     </a:p>
                   </a:txBody>
@@ -22224,46 +18186,655 @@
                       <a:prstDash val="solid"/>
                     </a:lnBlToTr>
                     <a:solidFill>
-                      <a:schemeClr val="accent1">
-                        <a:lumMod val="60000"/>
-                        <a:lumOff val="40000"/>
+                      <a:schemeClr val="accent5">
+                        <a:lumMod val="40000"/>
+                        <a:lumOff val="60000"/>
                       </a:schemeClr>
                     </a:solidFill>
                   </a:tcPr>
                 </a:tc>
-                <a:tc hMerge="1">
+                <a:tc>
                   <a:txBody>
                     <a:bodyPr/>
                     <a:lstStyle/>
                     <a:p>
-                      <a:endParaRPr lang="uk-UA"/>
+                      <a:pPr algn="ctr"/>
+                      <a:r>
+                        <a:rPr lang="uk-UA" dirty="0"/>
+                        <a:t>9/10</a:t>
+                      </a:r>
                     </a:p>
                   </a:txBody>
-                  <a:tcPr/>
+                  <a:tcPr anchor="ctr">
+                    <a:lnL w="12700" cap="flat" cmpd="sng" algn="ctr">
+                      <a:solidFill>
+                        <a:schemeClr val="tx1"/>
+                      </a:solidFill>
+                      <a:prstDash val="solid"/>
+                      <a:round/>
+                      <a:headEnd type="none" w="med" len="med"/>
+                      <a:tailEnd type="none" w="med" len="med"/>
+                    </a:lnL>
+                    <a:lnR w="12700" cap="flat" cmpd="sng" algn="ctr">
+                      <a:solidFill>
+                        <a:schemeClr val="tx1"/>
+                      </a:solidFill>
+                      <a:prstDash val="solid"/>
+                      <a:round/>
+                      <a:headEnd type="none" w="med" len="med"/>
+                      <a:tailEnd type="none" w="med" len="med"/>
+                    </a:lnR>
+                    <a:lnT w="12700" cap="flat" cmpd="sng" algn="ctr">
+                      <a:solidFill>
+                        <a:schemeClr val="tx1"/>
+                      </a:solidFill>
+                      <a:prstDash val="solid"/>
+                      <a:round/>
+                      <a:headEnd type="none" w="med" len="med"/>
+                      <a:tailEnd type="none" w="med" len="med"/>
+                    </a:lnT>
+                    <a:lnB w="12700" cap="flat" cmpd="sng" algn="ctr">
+                      <a:solidFill>
+                        <a:schemeClr val="tx1"/>
+                      </a:solidFill>
+                      <a:prstDash val="solid"/>
+                      <a:round/>
+                      <a:headEnd type="none" w="med" len="med"/>
+                      <a:tailEnd type="none" w="med" len="med"/>
+                    </a:lnB>
+                    <a:lnTlToBr w="12700" cmpd="sng">
+                      <a:noFill/>
+                      <a:prstDash val="solid"/>
+                    </a:lnTlToBr>
+                    <a:lnBlToTr w="12700" cmpd="sng">
+                      <a:noFill/>
+                      <a:prstDash val="solid"/>
+                    </a:lnBlToTr>
+                    <a:solidFill>
+                      <a:schemeClr val="accent5">
+                        <a:lumMod val="40000"/>
+                        <a:lumOff val="60000"/>
+                      </a:schemeClr>
+                    </a:solidFill>
+                  </a:tcPr>
                 </a:tc>
-                <a:tc hMerge="1">
+                <a:tc>
                   <a:txBody>
                     <a:bodyPr/>
                     <a:lstStyle/>
                     <a:p>
-                      <a:endParaRPr lang="uk-UA"/>
+                      <a:pPr algn="ctr"/>
+                      <a:r>
+                        <a:rPr lang="uk-UA" dirty="0"/>
+                        <a:t>7/10</a:t>
+                      </a:r>
                     </a:p>
                   </a:txBody>
-                  <a:tcPr/>
+                  <a:tcPr anchor="ctr">
+                    <a:lnL w="12700" cap="flat" cmpd="sng" algn="ctr">
+                      <a:solidFill>
+                        <a:schemeClr val="tx1"/>
+                      </a:solidFill>
+                      <a:prstDash val="solid"/>
+                      <a:round/>
+                      <a:headEnd type="none" w="med" len="med"/>
+                      <a:tailEnd type="none" w="med" len="med"/>
+                    </a:lnL>
+                    <a:lnR w="12700" cap="flat" cmpd="sng" algn="ctr">
+                      <a:solidFill>
+                        <a:schemeClr val="tx1"/>
+                      </a:solidFill>
+                      <a:prstDash val="solid"/>
+                      <a:round/>
+                      <a:headEnd type="none" w="med" len="med"/>
+                      <a:tailEnd type="none" w="med" len="med"/>
+                    </a:lnR>
+                    <a:lnTlToBr w="12700" cmpd="sng">
+                      <a:noFill/>
+                      <a:prstDash val="solid"/>
+                    </a:lnTlToBr>
+                    <a:lnBlToTr w="12700" cmpd="sng">
+                      <a:noFill/>
+                      <a:prstDash val="solid"/>
+                    </a:lnBlToTr>
+                    <a:solidFill>
+                      <a:schemeClr val="accent5">
+                        <a:lumMod val="40000"/>
+                        <a:lumOff val="60000"/>
+                      </a:schemeClr>
+                    </a:solidFill>
+                  </a:tcPr>
                 </a:tc>
-                <a:tc hMerge="1">
+                <a:tc>
                   <a:txBody>
                     <a:bodyPr/>
                     <a:lstStyle/>
                     <a:p>
-                      <a:endParaRPr lang="uk-UA"/>
+                      <a:pPr algn="ctr"/>
+                      <a:r>
+                        <a:rPr lang="uk-UA" dirty="0"/>
+                        <a:t>7/10</a:t>
+                      </a:r>
                     </a:p>
                   </a:txBody>
-                  <a:tcPr/>
+                  <a:tcPr anchor="ctr">
+                    <a:lnL w="12700" cap="flat" cmpd="sng" algn="ctr">
+                      <a:solidFill>
+                        <a:schemeClr val="tx1"/>
+                      </a:solidFill>
+                      <a:prstDash val="solid"/>
+                      <a:round/>
+                      <a:headEnd type="none" w="med" len="med"/>
+                      <a:tailEnd type="none" w="med" len="med"/>
+                    </a:lnL>
+                    <a:lnR w="12700" cap="flat" cmpd="sng" algn="ctr">
+                      <a:solidFill>
+                        <a:schemeClr val="tx1"/>
+                      </a:solidFill>
+                      <a:prstDash val="solid"/>
+                      <a:round/>
+                      <a:headEnd type="none" w="med" len="med"/>
+                      <a:tailEnd type="none" w="med" len="med"/>
+                    </a:lnR>
+                    <a:lnTlToBr w="12700" cmpd="sng">
+                      <a:noFill/>
+                      <a:prstDash val="solid"/>
+                    </a:lnTlToBr>
+                    <a:lnBlToTr w="12700" cmpd="sng">
+                      <a:noFill/>
+                      <a:prstDash val="solid"/>
+                    </a:lnBlToTr>
+                    <a:solidFill>
+                      <a:schemeClr val="accent5">
+                        <a:lumMod val="40000"/>
+                        <a:lumOff val="60000"/>
+                      </a:schemeClr>
+                    </a:solidFill>
+                  </a:tcPr>
                 </a:tc>
                 <a:extLst>
                   <a:ext uri="{0D108BD9-81ED-4DB2-BD59-A6C34878D82A}">
-                    <a16:rowId xmlns:a16="http://schemas.microsoft.com/office/drawing/2014/main" val="303798416"/>
+                    <a16:rowId xmlns:a16="http://schemas.microsoft.com/office/drawing/2014/main" val="2048075307"/>
+                  </a:ext>
+                </a:extLst>
+              </a:tr>
+              <a:tr h="675371">
+                <a:tc>
+                  <a:txBody>
+                    <a:bodyPr/>
+                    <a:lstStyle/>
+                    <a:p>
+                      <a:pPr rtl="0"/>
+                      <a:r>
+                        <a:rPr lang="uk-UA" sz="1600" noProof="0" dirty="0"/>
+                        <a:t>Обмеження користувацьких функцій при відсутності підписок</a:t>
+                      </a:r>
+                    </a:p>
+                  </a:txBody>
+                  <a:tcPr anchor="ctr">
+                    <a:lnL w="12700" cap="flat" cmpd="sng" algn="ctr">
+                      <a:solidFill>
+                        <a:schemeClr val="tx1"/>
+                      </a:solidFill>
+                      <a:prstDash val="solid"/>
+                      <a:round/>
+                      <a:headEnd type="none" w="med" len="med"/>
+                      <a:tailEnd type="none" w="med" len="med"/>
+                    </a:lnL>
+                    <a:lnR w="12700" cap="flat" cmpd="sng" algn="ctr">
+                      <a:solidFill>
+                        <a:schemeClr val="tx1"/>
+                      </a:solidFill>
+                      <a:prstDash val="solid"/>
+                      <a:round/>
+                      <a:headEnd type="none" w="med" len="med"/>
+                      <a:tailEnd type="none" w="med" len="med"/>
+                    </a:lnR>
+                    <a:lnT w="12700" cap="flat" cmpd="sng" algn="ctr">
+                      <a:solidFill>
+                        <a:schemeClr val="tx1"/>
+                      </a:solidFill>
+                      <a:prstDash val="solid"/>
+                      <a:round/>
+                      <a:headEnd type="none" w="med" len="med"/>
+                      <a:tailEnd type="none" w="med" len="med"/>
+                    </a:lnT>
+                    <a:lnB w="12700" cap="flat" cmpd="sng" algn="ctr">
+                      <a:solidFill>
+                        <a:schemeClr val="tx1"/>
+                      </a:solidFill>
+                      <a:prstDash val="solid"/>
+                      <a:round/>
+                      <a:headEnd type="none" w="med" len="med"/>
+                      <a:tailEnd type="none" w="med" len="med"/>
+                    </a:lnB>
+                    <a:lnTlToBr w="12700" cmpd="sng">
+                      <a:noFill/>
+                      <a:prstDash val="solid"/>
+                    </a:lnTlToBr>
+                    <a:lnBlToTr w="12700" cmpd="sng">
+                      <a:noFill/>
+                      <a:prstDash val="solid"/>
+                    </a:lnBlToTr>
+                    <a:solidFill>
+                      <a:schemeClr val="accent5">
+                        <a:lumMod val="40000"/>
+                        <a:lumOff val="60000"/>
+                      </a:schemeClr>
+                    </a:solidFill>
+                  </a:tcPr>
+                </a:tc>
+                <a:tc>
+                  <a:txBody>
+                    <a:bodyPr/>
+                    <a:lstStyle/>
+                    <a:p>
+                      <a:pPr algn="ctr"/>
+                      <a:r>
+                        <a:rPr lang="uk-UA" dirty="0"/>
+                        <a:t>4/10</a:t>
+                      </a:r>
+                    </a:p>
+                  </a:txBody>
+                  <a:tcPr anchor="ctr">
+                    <a:lnL w="12700" cap="flat" cmpd="sng" algn="ctr">
+                      <a:solidFill>
+                        <a:schemeClr val="tx1"/>
+                      </a:solidFill>
+                      <a:prstDash val="solid"/>
+                      <a:round/>
+                      <a:headEnd type="none" w="med" len="med"/>
+                      <a:tailEnd type="none" w="med" len="med"/>
+                    </a:lnL>
+                    <a:lnR w="12700" cap="flat" cmpd="sng" algn="ctr">
+                      <a:solidFill>
+                        <a:schemeClr val="tx1"/>
+                      </a:solidFill>
+                      <a:prstDash val="solid"/>
+                      <a:round/>
+                      <a:headEnd type="none" w="med" len="med"/>
+                      <a:tailEnd type="none" w="med" len="med"/>
+                    </a:lnR>
+                    <a:lnT w="12700" cap="flat" cmpd="sng" algn="ctr">
+                      <a:solidFill>
+                        <a:schemeClr val="tx1"/>
+                      </a:solidFill>
+                      <a:prstDash val="solid"/>
+                      <a:round/>
+                      <a:headEnd type="none" w="med" len="med"/>
+                      <a:tailEnd type="none" w="med" len="med"/>
+                    </a:lnT>
+                    <a:lnB w="12700" cap="flat" cmpd="sng" algn="ctr">
+                      <a:solidFill>
+                        <a:schemeClr val="tx1"/>
+                      </a:solidFill>
+                      <a:prstDash val="solid"/>
+                      <a:round/>
+                      <a:headEnd type="none" w="med" len="med"/>
+                      <a:tailEnd type="none" w="med" len="med"/>
+                    </a:lnB>
+                    <a:lnTlToBr w="12700" cmpd="sng">
+                      <a:noFill/>
+                      <a:prstDash val="solid"/>
+                    </a:lnTlToBr>
+                    <a:lnBlToTr w="12700" cmpd="sng">
+                      <a:noFill/>
+                      <a:prstDash val="solid"/>
+                    </a:lnBlToTr>
+                    <a:solidFill>
+                      <a:schemeClr val="accent5">
+                        <a:lumMod val="40000"/>
+                        <a:lumOff val="60000"/>
+                      </a:schemeClr>
+                    </a:solidFill>
+                  </a:tcPr>
+                </a:tc>
+                <a:tc>
+                  <a:txBody>
+                    <a:bodyPr/>
+                    <a:lstStyle/>
+                    <a:p>
+                      <a:pPr algn="ctr"/>
+                      <a:r>
+                        <a:rPr lang="uk-UA" dirty="0"/>
+                        <a:t>8/10</a:t>
+                      </a:r>
+                    </a:p>
+                  </a:txBody>
+                  <a:tcPr anchor="ctr">
+                    <a:lnL w="12700" cap="flat" cmpd="sng" algn="ctr">
+                      <a:solidFill>
+                        <a:schemeClr val="tx1"/>
+                      </a:solidFill>
+                      <a:prstDash val="solid"/>
+                      <a:round/>
+                      <a:headEnd type="none" w="med" len="med"/>
+                      <a:tailEnd type="none" w="med" len="med"/>
+                    </a:lnL>
+                    <a:lnR w="12700" cap="flat" cmpd="sng" algn="ctr">
+                      <a:solidFill>
+                        <a:schemeClr val="tx1"/>
+                      </a:solidFill>
+                      <a:prstDash val="solid"/>
+                      <a:round/>
+                      <a:headEnd type="none" w="med" len="med"/>
+                      <a:tailEnd type="none" w="med" len="med"/>
+                    </a:lnR>
+                    <a:lnTlToBr w="12700" cmpd="sng">
+                      <a:noFill/>
+                      <a:prstDash val="solid"/>
+                    </a:lnTlToBr>
+                    <a:lnBlToTr w="12700" cmpd="sng">
+                      <a:noFill/>
+                      <a:prstDash val="solid"/>
+                    </a:lnBlToTr>
+                    <a:solidFill>
+                      <a:schemeClr val="accent5">
+                        <a:lumMod val="40000"/>
+                        <a:lumOff val="60000"/>
+                      </a:schemeClr>
+                    </a:solidFill>
+                  </a:tcPr>
+                </a:tc>
+                <a:tc>
+                  <a:txBody>
+                    <a:bodyPr/>
+                    <a:lstStyle/>
+                    <a:p>
+                      <a:pPr algn="ctr"/>
+                      <a:r>
+                        <a:rPr lang="uk-UA" dirty="0"/>
+                        <a:t>8/10</a:t>
+                      </a:r>
+                    </a:p>
+                  </a:txBody>
+                  <a:tcPr anchor="ctr">
+                    <a:lnL w="12700" cap="flat" cmpd="sng" algn="ctr">
+                      <a:solidFill>
+                        <a:schemeClr val="tx1"/>
+                      </a:solidFill>
+                      <a:prstDash val="solid"/>
+                      <a:round/>
+                      <a:headEnd type="none" w="med" len="med"/>
+                      <a:tailEnd type="none" w="med" len="med"/>
+                    </a:lnL>
+                    <a:lnR w="12700" cap="flat" cmpd="sng" algn="ctr">
+                      <a:solidFill>
+                        <a:schemeClr val="tx1"/>
+                      </a:solidFill>
+                      <a:prstDash val="solid"/>
+                      <a:round/>
+                      <a:headEnd type="none" w="med" len="med"/>
+                      <a:tailEnd type="none" w="med" len="med"/>
+                    </a:lnR>
+                    <a:lnTlToBr w="12700" cmpd="sng">
+                      <a:noFill/>
+                      <a:prstDash val="solid"/>
+                    </a:lnTlToBr>
+                    <a:lnBlToTr w="12700" cmpd="sng">
+                      <a:noFill/>
+                      <a:prstDash val="solid"/>
+                    </a:lnBlToTr>
+                    <a:solidFill>
+                      <a:schemeClr val="accent5">
+                        <a:lumMod val="40000"/>
+                        <a:lumOff val="60000"/>
+                      </a:schemeClr>
+                    </a:solidFill>
+                  </a:tcPr>
+                </a:tc>
+                <a:extLst>
+                  <a:ext uri="{0D108BD9-81ED-4DB2-BD59-A6C34878D82A}">
+                    <a16:rowId xmlns:a16="http://schemas.microsoft.com/office/drawing/2014/main" val="186806808"/>
+                  </a:ext>
+                </a:extLst>
+              </a:tr>
+              <a:tr h="675371">
+                <a:tc>
+                  <a:txBody>
+                    <a:bodyPr/>
+                    <a:lstStyle/>
+                    <a:p>
+                      <a:pPr rtl="0"/>
+                      <a:r>
+                        <a:rPr lang="uk-UA" sz="1600" noProof="0" dirty="0"/>
+                        <a:t>Якість системи сповіщень</a:t>
+                      </a:r>
+                    </a:p>
+                  </a:txBody>
+                  <a:tcPr anchor="ctr">
+                    <a:lnL w="12700" cap="flat" cmpd="sng" algn="ctr">
+                      <a:solidFill>
+                        <a:schemeClr val="tx1"/>
+                      </a:solidFill>
+                      <a:prstDash val="solid"/>
+                      <a:round/>
+                      <a:headEnd type="none" w="med" len="med"/>
+                      <a:tailEnd type="none" w="med" len="med"/>
+                    </a:lnL>
+                    <a:lnR w="12700" cap="flat" cmpd="sng" algn="ctr">
+                      <a:solidFill>
+                        <a:schemeClr val="tx1"/>
+                      </a:solidFill>
+                      <a:prstDash val="solid"/>
+                      <a:round/>
+                      <a:headEnd type="none" w="med" len="med"/>
+                      <a:tailEnd type="none" w="med" len="med"/>
+                    </a:lnR>
+                    <a:lnT w="12700" cap="flat" cmpd="sng" algn="ctr">
+                      <a:solidFill>
+                        <a:schemeClr val="tx1"/>
+                      </a:solidFill>
+                      <a:prstDash val="solid"/>
+                      <a:round/>
+                      <a:headEnd type="none" w="med" len="med"/>
+                      <a:tailEnd type="none" w="med" len="med"/>
+                    </a:lnT>
+                    <a:lnB w="12700" cap="flat" cmpd="sng" algn="ctr">
+                      <a:solidFill>
+                        <a:schemeClr val="tx1"/>
+                      </a:solidFill>
+                      <a:prstDash val="solid"/>
+                      <a:round/>
+                      <a:headEnd type="none" w="med" len="med"/>
+                      <a:tailEnd type="none" w="med" len="med"/>
+                    </a:lnB>
+                    <a:lnTlToBr w="12700" cmpd="sng">
+                      <a:noFill/>
+                      <a:prstDash val="solid"/>
+                    </a:lnTlToBr>
+                    <a:lnBlToTr w="12700" cmpd="sng">
+                      <a:noFill/>
+                      <a:prstDash val="solid"/>
+                    </a:lnBlToTr>
+                    <a:solidFill>
+                      <a:schemeClr val="accent5">
+                        <a:lumMod val="40000"/>
+                        <a:lumOff val="60000"/>
+                      </a:schemeClr>
+                    </a:solidFill>
+                  </a:tcPr>
+                </a:tc>
+                <a:tc>
+                  <a:txBody>
+                    <a:bodyPr/>
+                    <a:lstStyle/>
+                    <a:p>
+                      <a:pPr algn="ctr"/>
+                      <a:r>
+                        <a:rPr lang="uk-UA" dirty="0"/>
+                        <a:t>7/10</a:t>
+                      </a:r>
+                    </a:p>
+                  </a:txBody>
+                  <a:tcPr anchor="ctr">
+                    <a:lnL w="12700" cap="flat" cmpd="sng" algn="ctr">
+                      <a:solidFill>
+                        <a:schemeClr val="tx1"/>
+                      </a:solidFill>
+                      <a:prstDash val="solid"/>
+                      <a:round/>
+                      <a:headEnd type="none" w="med" len="med"/>
+                      <a:tailEnd type="none" w="med" len="med"/>
+                    </a:lnL>
+                    <a:lnR w="12700" cap="flat" cmpd="sng" algn="ctr">
+                      <a:solidFill>
+                        <a:schemeClr val="tx1"/>
+                      </a:solidFill>
+                      <a:prstDash val="solid"/>
+                      <a:round/>
+                      <a:headEnd type="none" w="med" len="med"/>
+                      <a:tailEnd type="none" w="med" len="med"/>
+                    </a:lnR>
+                    <a:lnT w="12700" cap="flat" cmpd="sng" algn="ctr">
+                      <a:solidFill>
+                        <a:schemeClr val="tx1"/>
+                      </a:solidFill>
+                      <a:prstDash val="solid"/>
+                      <a:round/>
+                      <a:headEnd type="none" w="med" len="med"/>
+                      <a:tailEnd type="none" w="med" len="med"/>
+                    </a:lnT>
+                    <a:lnB w="12700" cap="flat" cmpd="sng" algn="ctr">
+                      <a:solidFill>
+                        <a:schemeClr val="tx1"/>
+                      </a:solidFill>
+                      <a:prstDash val="solid"/>
+                      <a:round/>
+                      <a:headEnd type="none" w="med" len="med"/>
+                      <a:tailEnd type="none" w="med" len="med"/>
+                    </a:lnB>
+                    <a:lnTlToBr w="12700" cmpd="sng">
+                      <a:noFill/>
+                      <a:prstDash val="solid"/>
+                    </a:lnTlToBr>
+                    <a:lnBlToTr w="12700" cmpd="sng">
+                      <a:noFill/>
+                      <a:prstDash val="solid"/>
+                    </a:lnBlToTr>
+                    <a:solidFill>
+                      <a:schemeClr val="accent5">
+                        <a:lumMod val="40000"/>
+                        <a:lumOff val="60000"/>
+                      </a:schemeClr>
+                    </a:solidFill>
+                  </a:tcPr>
+                </a:tc>
+                <a:tc>
+                  <a:txBody>
+                    <a:bodyPr/>
+                    <a:lstStyle/>
+                    <a:p>
+                      <a:pPr algn="ctr"/>
+                      <a:r>
+                        <a:rPr lang="uk-UA" dirty="0"/>
+                        <a:t>5/10</a:t>
+                      </a:r>
+                    </a:p>
+                  </a:txBody>
+                  <a:tcPr anchor="ctr">
+                    <a:lnL w="12700" cap="flat" cmpd="sng" algn="ctr">
+                      <a:solidFill>
+                        <a:schemeClr val="tx1"/>
+                      </a:solidFill>
+                      <a:prstDash val="solid"/>
+                      <a:round/>
+                      <a:headEnd type="none" w="med" len="med"/>
+                      <a:tailEnd type="none" w="med" len="med"/>
+                    </a:lnL>
+                    <a:lnR w="12700" cap="flat" cmpd="sng" algn="ctr">
+                      <a:solidFill>
+                        <a:schemeClr val="tx1"/>
+                      </a:solidFill>
+                      <a:prstDash val="solid"/>
+                      <a:round/>
+                      <a:headEnd type="none" w="med" len="med"/>
+                      <a:tailEnd type="none" w="med" len="med"/>
+                    </a:lnR>
+                    <a:lnB w="12700" cap="flat" cmpd="sng" algn="ctr">
+                      <a:solidFill>
+                        <a:schemeClr val="tx1"/>
+                      </a:solidFill>
+                      <a:prstDash val="solid"/>
+                      <a:round/>
+                      <a:headEnd type="none" w="med" len="med"/>
+                      <a:tailEnd type="none" w="med" len="med"/>
+                    </a:lnB>
+                    <a:lnTlToBr w="12700" cmpd="sng">
+                      <a:noFill/>
+                      <a:prstDash val="solid"/>
+                    </a:lnTlToBr>
+                    <a:lnBlToTr w="12700" cmpd="sng">
+                      <a:noFill/>
+                      <a:prstDash val="solid"/>
+                    </a:lnBlToTr>
+                    <a:solidFill>
+                      <a:schemeClr val="accent5">
+                        <a:lumMod val="40000"/>
+                        <a:lumOff val="60000"/>
+                      </a:schemeClr>
+                    </a:solidFill>
+                  </a:tcPr>
+                </a:tc>
+                <a:tc>
+                  <a:txBody>
+                    <a:bodyPr/>
+                    <a:lstStyle/>
+                    <a:p>
+                      <a:pPr algn="ctr"/>
+                      <a:r>
+                        <a:rPr lang="uk-UA" dirty="0"/>
+                        <a:t>6/10</a:t>
+                      </a:r>
+                    </a:p>
+                  </a:txBody>
+                  <a:tcPr anchor="ctr">
+                    <a:lnL w="12700" cap="flat" cmpd="sng" algn="ctr">
+                      <a:solidFill>
+                        <a:schemeClr val="tx1"/>
+                      </a:solidFill>
+                      <a:prstDash val="solid"/>
+                      <a:round/>
+                      <a:headEnd type="none" w="med" len="med"/>
+                      <a:tailEnd type="none" w="med" len="med"/>
+                    </a:lnL>
+                    <a:lnR w="12700" cap="flat" cmpd="sng" algn="ctr">
+                      <a:solidFill>
+                        <a:schemeClr val="tx1"/>
+                      </a:solidFill>
+                      <a:prstDash val="solid"/>
+                      <a:round/>
+                      <a:headEnd type="none" w="med" len="med"/>
+                      <a:tailEnd type="none" w="med" len="med"/>
+                    </a:lnR>
+                    <a:lnB w="12700" cap="flat" cmpd="sng" algn="ctr">
+                      <a:solidFill>
+                        <a:schemeClr val="tx1"/>
+                      </a:solidFill>
+                      <a:prstDash val="solid"/>
+                      <a:round/>
+                      <a:headEnd type="none" w="med" len="med"/>
+                      <a:tailEnd type="none" w="med" len="med"/>
+                    </a:lnB>
+                    <a:lnTlToBr w="12700" cmpd="sng">
+                      <a:noFill/>
+                      <a:prstDash val="solid"/>
+                    </a:lnTlToBr>
+                    <a:lnBlToTr w="12700" cmpd="sng">
+                      <a:noFill/>
+                      <a:prstDash val="solid"/>
+                    </a:lnBlToTr>
+                    <a:solidFill>
+                      <a:schemeClr val="accent5">
+                        <a:lumMod val="40000"/>
+                        <a:lumOff val="60000"/>
+                      </a:schemeClr>
+                    </a:solidFill>
+                  </a:tcPr>
+                </a:tc>
+                <a:extLst>
+                  <a:ext uri="{0D108BD9-81ED-4DB2-BD59-A6C34878D82A}">
+                    <a16:rowId xmlns:a16="http://schemas.microsoft.com/office/drawing/2014/main" val="2587130824"/>
                   </a:ext>
                 </a:extLst>
               </a:tr>
@@ -22295,7 +18866,7 @@
             <a:pPr rtl="0"/>
             <a:fld id="{E31375A4-56A4-47D6-9801-1991572033F7}" type="slidenum">
               <a:rPr lang="uk-UA" noProof="0" smtClean="0"/>
-              <a:t>5</a:t>
+              <a:t>4</a:t>
             </a:fld>
             <a:endParaRPr lang="uk-UA" noProof="0" dirty="0"/>
           </a:p>
@@ -22326,7 +18897,7 @@
 </p:sld>
 </file>
 
-<file path=ppt/slides/slide6.xml><?xml version="1.0" encoding="utf-8"?>
+<file path=ppt/slides/slide5.xml><?xml version="1.0" encoding="utf-8"?>
 <p:sld xmlns:a="http://schemas.openxmlformats.org/drawingml/2006/main" xmlns:r="http://schemas.openxmlformats.org/officeDocument/2006/relationships" xmlns:p="http://schemas.openxmlformats.org/presentationml/2006/main">
   <p:cSld>
     <p:spTree>
@@ -22334,7 +18905,7 @@
         <p:cNvPr id="1" name="">
           <a:extLst>
             <a:ext uri="{FF2B5EF4-FFF2-40B4-BE49-F238E27FC236}">
-              <a16:creationId xmlns:a16="http://schemas.microsoft.com/office/drawing/2014/main" id="{0A4E896B-2092-FD94-973C-1BB84B2B3B38}"/>
+              <a16:creationId xmlns:a16="http://schemas.microsoft.com/office/drawing/2014/main" id="{E85C3474-CF10-20B5-3E50-2A8C10A22AC5}"/>
             </a:ext>
           </a:extLst>
         </p:cNvPr>
@@ -22354,7 +18925,7 @@
           <p:cNvPr id="2" name="Заголовок 1">
             <a:extLst>
               <a:ext uri="{FF2B5EF4-FFF2-40B4-BE49-F238E27FC236}">
-                <a16:creationId xmlns:a16="http://schemas.microsoft.com/office/drawing/2014/main" id="{ABC35CCF-62C4-E231-B770-5C1873D76D9F}"/>
+                <a16:creationId xmlns:a16="http://schemas.microsoft.com/office/drawing/2014/main" id="{0A1A1229-DD03-ED2C-C6A5-7D3C485EAF4A}"/>
               </a:ext>
             </a:extLst>
           </p:cNvPr>
@@ -22367,25 +18938,23 @@
         </p:nvSpPr>
         <p:spPr/>
         <p:txBody>
-          <a:bodyPr>
-            <a:normAutofit/>
-          </a:bodyPr>
+          <a:bodyPr rtlCol="0"/>
           <a:lstStyle/>
           <a:p>
             <a:pPr rtl="0"/>
             <a:r>
               <a:rPr lang="uk-UA" dirty="0"/>
-              <a:t>Новий підхід зі сповіщення користувачів</a:t>
+              <a:t>Постановка задачі</a:t>
             </a:r>
           </a:p>
         </p:txBody>
       </p:sp>
       <p:sp>
         <p:nvSpPr>
-          <p:cNvPr id="3" name="Місце для вмісту 2">
+          <p:cNvPr id="4" name="Місце для вмісту 3">
             <a:extLst>
               <a:ext uri="{FF2B5EF4-FFF2-40B4-BE49-F238E27FC236}">
-                <a16:creationId xmlns:a16="http://schemas.microsoft.com/office/drawing/2014/main" id="{232351B6-0C66-436E-8ACA-39FCAAACF1D5}"/>
+                <a16:creationId xmlns:a16="http://schemas.microsoft.com/office/drawing/2014/main" id="{25D939B7-D846-5414-9A24-6E85348DDE44}"/>
               </a:ext>
             </a:extLst>
           </p:cNvPr>
@@ -22396,91 +18965,124 @@
             <p:ph idx="1"/>
           </p:nvPr>
         </p:nvSpPr>
-        <p:spPr>
-          <a:xfrm>
-            <a:off x="1295400" y="2223307"/>
-            <a:ext cx="8931442" cy="3509740"/>
-          </a:xfrm>
-        </p:spPr>
+        <p:spPr/>
         <p:txBody>
           <a:bodyPr>
-            <a:normAutofit fontScale="85000" lnSpcReduction="10000"/>
+            <a:normAutofit/>
           </a:bodyPr>
           <a:lstStyle/>
           <a:p>
-            <a:pPr marL="0" indent="0" algn="just">
+            <a:pPr marL="0" indent="0">
               <a:buNone/>
             </a:pPr>
             <a:r>
               <a:rPr lang="uk-UA" dirty="0"/>
-              <a:t>Основна ідея:</a:t>
+              <a:t>Основною задачею є проектування та реалізація соціальної мережі із системою запланованих публікацій. Ця система має забезпечувати обмін інформацією, підписку на авторів і автоматичні сповіщення про появу запланованих публікацій.</a:t>
             </a:r>
           </a:p>
           <a:p>
-            <a:pPr algn="just"/>
-            <a:r>
-              <a:rPr lang="uk-UA" dirty="0"/>
-              <a:t>Сповіщення для звичайних публікацій вимкнені.</a:t>
-            </a:r>
-          </a:p>
-          <a:p>
-            <a:pPr algn="just"/>
-            <a:r>
-              <a:rPr lang="uk-UA" dirty="0"/>
-              <a:t>Поява запланованих публікацій відбувається із розсилкою повідомлень на пошту.</a:t>
-            </a:r>
-          </a:p>
-          <a:p>
-            <a:pPr algn="just"/>
-            <a:r>
-              <a:rPr lang="uk-UA" dirty="0"/>
-              <a:t>Планується певний денний ліміт на створення запланованих публікацій.</a:t>
-            </a:r>
-          </a:p>
-          <a:p>
-            <a:pPr marL="0" indent="0" algn="just">
+            <a:pPr marL="0" indent="0">
               <a:buNone/>
             </a:pPr>
             <a:r>
               <a:rPr lang="uk-UA" dirty="0"/>
-              <a:t>Результат:</a:t>
+              <a:t>Проектування такої програмної системи має наступні завдання:</a:t>
             </a:r>
           </a:p>
           <a:p>
-            <a:pPr algn="just"/>
             <a:r>
               <a:rPr lang="uk-UA" dirty="0"/>
-              <a:t>Зменшення загальної кількості сповіщень.</a:t>
+              <a:t>Реєстрація, авторизація.</a:t>
+            </a:r>
+            <a:endParaRPr lang="ru-RU" dirty="0"/>
+          </a:p>
+          <a:p>
+            <a:r>
+              <a:rPr lang="ru-RU" dirty="0" err="1"/>
+              <a:t>Створення</a:t>
+            </a:r>
+            <a:r>
+              <a:rPr lang="ru-RU" dirty="0"/>
+              <a:t> та </a:t>
+            </a:r>
+            <a:r>
+              <a:rPr lang="ru-RU" dirty="0" err="1"/>
+              <a:t>планування</a:t>
+            </a:r>
+            <a:r>
+              <a:rPr lang="ru-RU" dirty="0"/>
+              <a:t> </a:t>
+            </a:r>
+            <a:r>
+              <a:rPr lang="ru-RU" dirty="0" err="1"/>
+              <a:t>публікацій</a:t>
+            </a:r>
+            <a:r>
+              <a:rPr lang="ru-RU" dirty="0"/>
+              <a:t>.</a:t>
             </a:r>
           </a:p>
           <a:p>
-            <a:pPr algn="just"/>
+            <a:r>
+              <a:rPr lang="ru-RU" dirty="0" err="1"/>
+              <a:t>Сповіщення</a:t>
+            </a:r>
+            <a:r>
+              <a:rPr lang="ru-RU" dirty="0"/>
+              <a:t> </a:t>
+            </a:r>
+            <a:r>
+              <a:rPr lang="ru-RU" dirty="0" err="1"/>
+              <a:t>користувачів</a:t>
+            </a:r>
+            <a:r>
+              <a:rPr lang="ru-RU" dirty="0"/>
+              <a:t> про </a:t>
+            </a:r>
+            <a:r>
+              <a:rPr lang="ru-RU" dirty="0" err="1"/>
+              <a:t>появу</a:t>
+            </a:r>
+            <a:r>
+              <a:rPr lang="ru-RU" dirty="0"/>
+              <a:t> </a:t>
+            </a:r>
+            <a:r>
+              <a:rPr lang="ru-RU" dirty="0" err="1"/>
+              <a:t>запланованих</a:t>
+            </a:r>
+            <a:r>
+              <a:rPr lang="ru-RU" dirty="0"/>
+              <a:t> </a:t>
+            </a:r>
+            <a:r>
+              <a:rPr lang="ru-RU" dirty="0" err="1"/>
+              <a:t>публікацій</a:t>
+            </a:r>
+            <a:r>
+              <a:rPr lang="ru-RU" dirty="0"/>
+              <a:t>.</a:t>
+            </a:r>
+            <a:endParaRPr lang="uk-UA" dirty="0"/>
+          </a:p>
+          <a:p>
             <a:r>
               <a:rPr lang="uk-UA" dirty="0"/>
-              <a:t>Менша нав’язливість повідомлень про сповіщення користувачам.</a:t>
+              <a:t>Керування підписками.</a:t>
             </a:r>
+            <a:endParaRPr lang="ru-RU" dirty="0"/>
           </a:p>
           <a:p>
-            <a:pPr algn="just"/>
-            <a:r>
-              <a:rPr lang="uk-UA" dirty="0"/>
-              <a:t>Сервер має обробляти меншу кількість сповіщень, що зменшує навантаження.</a:t>
-            </a:r>
-          </a:p>
-          <a:p>
-            <a:pPr marL="0" indent="0" algn="just">
-              <a:buNone/>
-            </a:pPr>
             <a:endParaRPr lang="uk-UA" dirty="0"/>
           </a:p>
         </p:txBody>
       </p:sp>
       <p:sp>
         <p:nvSpPr>
-          <p:cNvPr id="6" name="Місце для номера слайда 5">
+          <p:cNvPr id="5" name="Місце для номера слайда 4">
             <a:extLst>
               <a:ext uri="{FF2B5EF4-FFF2-40B4-BE49-F238E27FC236}">
-                <a16:creationId xmlns:a16="http://schemas.microsoft.com/office/drawing/2014/main" id="{FEB64AFB-26D7-2680-A9AD-5D50D36A3638}"/>
+                <a16:creationId xmlns:a16="http://schemas.microsoft.com/office/drawing/2014/main" id="{0D064F8E-4AC1-07CB-66DE-1FAC2AA9ACF3}"/>
               </a:ext>
             </a:extLst>
           </p:cNvPr>
@@ -22499,7 +19101,7 @@
             <a:pPr rtl="0"/>
             <a:fld id="{E31375A4-56A4-47D6-9801-1991572033F7}" type="slidenum">
               <a:rPr lang="uk-UA" noProof="0" smtClean="0"/>
-              <a:t>6</a:t>
+              <a:t>5</a:t>
             </a:fld>
             <a:endParaRPr lang="uk-UA" noProof="0" dirty="0"/>
           </a:p>
@@ -22508,20 +19110,20 @@
     </p:spTree>
     <p:extLst>
       <p:ext uri="{BB962C8B-B14F-4D97-AF65-F5344CB8AC3E}">
-        <p14:creationId xmlns:p14="http://schemas.microsoft.com/office/powerpoint/2010/main" val="305157867"/>
+        <p14:creationId xmlns:p14="http://schemas.microsoft.com/office/powerpoint/2010/main" val="2746915836"/>
       </p:ext>
     </p:extLst>
   </p:cSld>
   <p:clrMapOvr>
     <a:masterClrMapping/>
   </p:clrMapOvr>
-  <mc:AlternateContent xmlns:mc="http://schemas.openxmlformats.org/markup-compatibility/2006">
-    <mc:Choice xmlns:p14="http://schemas.microsoft.com/office/powerpoint/2010/main" Requires="p14">
+  <mc:AlternateContent xmlns:mc="http://schemas.openxmlformats.org/markup-compatibility/2006" xmlns:p14="http://schemas.microsoft.com/office/powerpoint/2010/main">
+    <mc:Choice Requires="p14">
       <p:transition spd="med" p14:dur="700">
         <p:fade/>
       </p:transition>
     </mc:Choice>
-    <mc:Fallback>
+    <mc:Fallback xmlns="">
       <p:transition spd="med">
         <p:fade/>
       </p:transition>
@@ -22530,7 +19132,7 @@
 </p:sld>
 </file>
 
-<file path=ppt/slides/slide7.xml><?xml version="1.0" encoding="utf-8"?>
+<file path=ppt/slides/slide6.xml><?xml version="1.0" encoding="utf-8"?>
 <p:sld xmlns:a="http://schemas.openxmlformats.org/drawingml/2006/main" xmlns:r="http://schemas.openxmlformats.org/officeDocument/2006/relationships" xmlns:p="http://schemas.openxmlformats.org/presentationml/2006/main">
   <p:cSld>
     <p:spTree>
@@ -22811,8 +19413,8 @@
         </p:blipFill>
         <p:spPr>
           <a:xfrm>
-            <a:off x="7433510" y="2640024"/>
-            <a:ext cx="1697205" cy="1697205"/>
+            <a:off x="7800205" y="2640024"/>
+            <a:ext cx="1348557" cy="1348557"/>
           </a:xfrm>
           <a:prstGeom prst="rect">
             <a:avLst/>
@@ -22912,141 +19514,141 @@
             <a:pPr rtl="0"/>
             <a:fld id="{E31375A4-56A4-47D6-9801-1991572033F7}" type="slidenum">
               <a:rPr lang="uk-UA" noProof="0" smtClean="0"/>
-              <a:t>7</a:t>
+              <a:t>6</a:t>
             </a:fld>
             <a:endParaRPr lang="uk-UA" noProof="0" dirty="0"/>
           </a:p>
         </p:txBody>
       </p:sp>
+      <p:sp>
+        <p:nvSpPr>
+          <p:cNvPr id="3" name="TextBox 2">
+            <a:extLst>
+              <a:ext uri="{FF2B5EF4-FFF2-40B4-BE49-F238E27FC236}">
+                <a16:creationId xmlns:a16="http://schemas.microsoft.com/office/drawing/2014/main" id="{D217B95B-88C8-427D-7558-FD9DD0C4204A}"/>
+              </a:ext>
+            </a:extLst>
+          </p:cNvPr>
+          <p:cNvSpPr txBox="1"/>
+          <p:nvPr/>
+        </p:nvSpPr>
+        <p:spPr>
+          <a:xfrm>
+            <a:off x="8688194" y="4226063"/>
+            <a:ext cx="2167773" cy="369332"/>
+          </a:xfrm>
+          <a:prstGeom prst="rect">
+            <a:avLst/>
+          </a:prstGeom>
+          <a:noFill/>
+        </p:spPr>
+        <p:txBody>
+          <a:bodyPr wrap="none" rtlCol="0">
+            <a:spAutoFit/>
+          </a:bodyPr>
+          <a:lstStyle/>
+          <a:p>
+            <a:r>
+              <a:rPr lang="uk-UA" b="1" dirty="0">
+                <a:solidFill>
+                  <a:schemeClr val="accent1">
+                    <a:lumMod val="60000"/>
+                    <a:lumOff val="40000"/>
+                  </a:schemeClr>
+                </a:solidFill>
+              </a:rPr>
+              <a:t>Сторонні сервіси</a:t>
+            </a:r>
+          </a:p>
+        </p:txBody>
+      </p:sp>
+      <p:pic>
+        <p:nvPicPr>
+          <p:cNvPr id="4" name="Місце для вмісту 7">
+            <a:extLst>
+              <a:ext uri="{FF2B5EF4-FFF2-40B4-BE49-F238E27FC236}">
+                <a16:creationId xmlns:a16="http://schemas.microsoft.com/office/drawing/2014/main" id="{5D6D5589-8ADE-C024-70E3-04DF9AB2293A}"/>
+              </a:ext>
+            </a:extLst>
+          </p:cNvPr>
+          <p:cNvPicPr>
+            <a:picLocks noChangeAspect="1"/>
+          </p:cNvPicPr>
+          <p:nvPr/>
+        </p:nvPicPr>
+        <p:blipFill>
+          <a:blip r:embed="rId7">
+            <a:extLst>
+              <a:ext uri="{96DAC541-7B7A-43D3-8B79-37D633B846F1}">
+                <asvg:svgBlip xmlns:asvg="http://schemas.microsoft.com/office/drawing/2016/SVG/main" r:embed="rId8"/>
+              </a:ext>
+            </a:extLst>
+          </a:blip>
+          <a:stretch>
+            <a:fillRect/>
+          </a:stretch>
+        </p:blipFill>
+        <p:spPr>
+          <a:xfrm>
+            <a:off x="7031450" y="4595395"/>
+            <a:ext cx="1537509" cy="1338384"/>
+          </a:xfrm>
+          <a:prstGeom prst="rect">
+            <a:avLst/>
+          </a:prstGeom>
+        </p:spPr>
+      </p:pic>
+      <p:pic>
+        <p:nvPicPr>
+          <p:cNvPr id="1026" name="Picture 2" descr="Master the Gmail SMTP in 2025: Complete Setup Guide">
+            <a:extLst>
+              <a:ext uri="{FF2B5EF4-FFF2-40B4-BE49-F238E27FC236}">
+                <a16:creationId xmlns:a16="http://schemas.microsoft.com/office/drawing/2014/main" id="{E4FE78FC-555F-3702-7181-13BD86853A6D}"/>
+              </a:ext>
+            </a:extLst>
+          </p:cNvPr>
+          <p:cNvPicPr>
+            <a:picLocks noChangeAspect="1" noChangeArrowheads="1"/>
+          </p:cNvPicPr>
+          <p:nvPr/>
+        </p:nvPicPr>
+        <p:blipFill>
+          <a:blip r:embed="rId9">
+            <a:extLst>
+              <a:ext uri="{28A0092B-C50C-407E-A947-70E740481C1C}">
+                <a14:useLocalDpi xmlns:a14="http://schemas.microsoft.com/office/drawing/2010/main" val="0"/>
+              </a:ext>
+            </a:extLst>
+          </a:blip>
+          <a:srcRect/>
+          <a:stretch>
+            <a:fillRect/>
+          </a:stretch>
+        </p:blipFill>
+        <p:spPr bwMode="auto">
+          <a:xfrm>
+            <a:off x="9148762" y="4839404"/>
+            <a:ext cx="2398438" cy="953285"/>
+          </a:xfrm>
+          <a:prstGeom prst="rect">
+            <a:avLst/>
+          </a:prstGeom>
+          <a:noFill/>
+          <a:extLst>
+            <a:ext uri="{909E8E84-426E-40DD-AFC4-6F175D3DCCD1}">
+              <a14:hiddenFill xmlns:a14="http://schemas.microsoft.com/office/drawing/2010/main">
+                <a:solidFill>
+                  <a:srgbClr val="FFFFFF"/>
+                </a:solidFill>
+              </a14:hiddenFill>
+            </a:ext>
+          </a:extLst>
+        </p:spPr>
+      </p:pic>
     </p:spTree>
     <p:extLst>
       <p:ext uri="{BB962C8B-B14F-4D97-AF65-F5344CB8AC3E}">
         <p14:creationId xmlns:p14="http://schemas.microsoft.com/office/powerpoint/2010/main" val="3567701601"/>
-      </p:ext>
-    </p:extLst>
-  </p:cSld>
-  <p:clrMapOvr>
-    <a:masterClrMapping/>
-  </p:clrMapOvr>
-  <mc:AlternateContent xmlns:mc="http://schemas.openxmlformats.org/markup-compatibility/2006">
-    <mc:Choice xmlns:p14="http://schemas.microsoft.com/office/powerpoint/2010/main" Requires="p14">
-      <p:transition spd="med" p14:dur="700">
-        <p:fade/>
-      </p:transition>
-    </mc:Choice>
-    <mc:Fallback>
-      <p:transition spd="med">
-        <p:fade/>
-      </p:transition>
-    </mc:Fallback>
-  </mc:AlternateContent>
-</p:sld>
-</file>
-
-<file path=ppt/slides/slide8.xml><?xml version="1.0" encoding="utf-8"?>
-<p:sld xmlns:a="http://schemas.openxmlformats.org/drawingml/2006/main" xmlns:r="http://schemas.openxmlformats.org/officeDocument/2006/relationships" xmlns:p="http://schemas.openxmlformats.org/presentationml/2006/main">
-  <p:cSld>
-    <p:spTree>
-      <p:nvGrpSpPr>
-        <p:cNvPr id="1" name=""/>
-        <p:cNvGrpSpPr/>
-        <p:nvPr/>
-      </p:nvGrpSpPr>
-      <p:grpSpPr>
-        <a:xfrm>
-          <a:off x="0" y="0"/>
-          <a:ext cx="0" cy="0"/>
-          <a:chOff x="0" y="0"/>
-          <a:chExt cx="0" cy="0"/>
-        </a:xfrm>
-      </p:grpSpPr>
-      <p:sp>
-        <p:nvSpPr>
-          <p:cNvPr id="2" name="Заголовок 1"/>
-          <p:cNvSpPr>
-            <a:spLocks noGrp="1"/>
-          </p:cNvSpPr>
-          <p:nvPr>
-            <p:ph type="title"/>
-          </p:nvPr>
-        </p:nvSpPr>
-        <p:spPr/>
-        <p:txBody>
-          <a:bodyPr rtlCol="0"/>
-          <a:lstStyle/>
-          <a:p>
-            <a:pPr rtl="0"/>
-            <a:r>
-              <a:rPr lang="uk-UA" dirty="0"/>
-              <a:t>Макет заголовка та вмісту з рисунком </a:t>
-            </a:r>
-            <a:r>
-              <a:rPr lang="uk-UA" dirty="0" err="1"/>
-              <a:t>SmartArt</a:t>
-            </a:r>
-            <a:endParaRPr lang="uk-UA" dirty="0"/>
-          </a:p>
-        </p:txBody>
-      </p:sp>
-      <p:graphicFrame>
-        <p:nvGraphicFramePr>
-          <p:cNvPr id="4" name="Місце для вмісту 3" descr="Схема стрілок процесу, у якій зліва направо розташовано 3 кроки з описами завдань для кожної групи"/>
-          <p:cNvGraphicFramePr>
-            <a:graphicFrameLocks noGrp="1"/>
-          </p:cNvGraphicFramePr>
-          <p:nvPr>
-            <p:ph idx="1"/>
-            <p:extLst>
-              <p:ext uri="{D42A27DB-BD31-4B8C-83A1-F6EECF244321}">
-                <p14:modId xmlns:p14="http://schemas.microsoft.com/office/powerpoint/2010/main" val="1081741793"/>
-              </p:ext>
-            </p:extLst>
-          </p:nvPr>
-        </p:nvGraphicFramePr>
-        <p:xfrm>
-          <a:off x="1295400" y="1981200"/>
-          <a:ext cx="9601200" cy="3810000"/>
-        </p:xfrm>
-        <a:graphic>
-          <a:graphicData uri="http://schemas.openxmlformats.org/drawingml/2006/diagram">
-            <dgm:relIds xmlns:dgm="http://schemas.openxmlformats.org/drawingml/2006/diagram" xmlns:r="http://schemas.openxmlformats.org/officeDocument/2006/relationships" r:dm="rId3" r:lo="rId4" r:qs="rId5" r:cs="rId6"/>
-          </a:graphicData>
-        </a:graphic>
-      </p:graphicFrame>
-      <p:sp>
-        <p:nvSpPr>
-          <p:cNvPr id="3" name="Місце для номера слайда 2">
-            <a:extLst>
-              <a:ext uri="{FF2B5EF4-FFF2-40B4-BE49-F238E27FC236}">
-                <a16:creationId xmlns:a16="http://schemas.microsoft.com/office/drawing/2014/main" id="{968C754B-2185-1B8E-6229-2D5E8269E0FD}"/>
-              </a:ext>
-            </a:extLst>
-          </p:cNvPr>
-          <p:cNvSpPr>
-            <a:spLocks noGrp="1"/>
-          </p:cNvSpPr>
-          <p:nvPr>
-            <p:ph type="sldNum" sz="quarter" idx="12"/>
-          </p:nvPr>
-        </p:nvSpPr>
-        <p:spPr/>
-        <p:txBody>
-          <a:bodyPr/>
-          <a:lstStyle/>
-          <a:p>
-            <a:pPr rtl="0"/>
-            <a:fld id="{E31375A4-56A4-47D6-9801-1991572033F7}" type="slidenum">
-              <a:rPr lang="uk-UA" noProof="0" smtClean="0"/>
-              <a:t>8</a:t>
-            </a:fld>
-            <a:endParaRPr lang="uk-UA" noProof="0" dirty="0"/>
-          </a:p>
-        </p:txBody>
-      </p:sp>
-    </p:spTree>
-    <p:extLst>
-      <p:ext uri="{BB962C8B-B14F-4D97-AF65-F5344CB8AC3E}">
-        <p14:creationId xmlns:p14="http://schemas.microsoft.com/office/powerpoint/2010/main" val="2761515851"/>
       </p:ext>
     </p:extLst>
   </p:cSld>
@@ -23068,7 +19670,449 @@
 </p:sld>
 </file>
 
-<file path=ppt/slides/slide9.xml><?xml version="1.0" encoding="utf-8"?>
+<file path=ppt/slides/slide7.xml><?xml version="1.0" encoding="utf-8"?>
+<p:sld xmlns:a="http://schemas.openxmlformats.org/drawingml/2006/main" xmlns:r="http://schemas.openxmlformats.org/officeDocument/2006/relationships" xmlns:p="http://schemas.openxmlformats.org/presentationml/2006/main">
+  <p:cSld>
+    <p:spTree>
+      <p:nvGrpSpPr>
+        <p:cNvPr id="1" name=""/>
+        <p:cNvGrpSpPr/>
+        <p:nvPr/>
+      </p:nvGrpSpPr>
+      <p:grpSpPr>
+        <a:xfrm>
+          <a:off x="0" y="0"/>
+          <a:ext cx="0" cy="0"/>
+          <a:chOff x="0" y="0"/>
+          <a:chExt cx="0" cy="0"/>
+        </a:xfrm>
+      </p:grpSpPr>
+      <p:sp>
+        <p:nvSpPr>
+          <p:cNvPr id="2" name="Заголовок 1"/>
+          <p:cNvSpPr>
+            <a:spLocks noGrp="1"/>
+          </p:cNvSpPr>
+          <p:nvPr>
+            <p:ph type="title"/>
+          </p:nvPr>
+        </p:nvSpPr>
+        <p:spPr/>
+        <p:txBody>
+          <a:bodyPr rtlCol="0"/>
+          <a:lstStyle/>
+          <a:p>
+            <a:pPr rtl="0"/>
+            <a:r>
+              <a:rPr lang="uk-UA" dirty="0"/>
+              <a:t>Використані сторонні сервіси</a:t>
+            </a:r>
+          </a:p>
+        </p:txBody>
+      </p:sp>
+      <p:sp>
+        <p:nvSpPr>
+          <p:cNvPr id="3" name="Місце для тексту 2"/>
+          <p:cNvSpPr>
+            <a:spLocks noGrp="1"/>
+          </p:cNvSpPr>
+          <p:nvPr>
+            <p:ph type="body" idx="1"/>
+          </p:nvPr>
+        </p:nvSpPr>
+        <p:spPr/>
+        <p:txBody>
+          <a:bodyPr rtlCol="0"/>
+          <a:lstStyle/>
+          <a:p>
+            <a:pPr rtl="0"/>
+            <a:r>
+              <a:rPr lang="uk-UA" dirty="0"/>
+              <a:t>Хмарний сервіс збереження фото </a:t>
+            </a:r>
+            <a:r>
+              <a:rPr lang="en-US" dirty="0" err="1"/>
+              <a:t>Cloudinary</a:t>
+            </a:r>
+            <a:endParaRPr lang="uk-UA" dirty="0"/>
+          </a:p>
+        </p:txBody>
+      </p:sp>
+      <p:sp>
+        <p:nvSpPr>
+          <p:cNvPr id="4" name="Місце для вмісту 3"/>
+          <p:cNvSpPr>
+            <a:spLocks noGrp="1"/>
+          </p:cNvSpPr>
+          <p:nvPr>
+            <p:ph sz="half" idx="2"/>
+          </p:nvPr>
+        </p:nvSpPr>
+        <p:spPr/>
+        <p:txBody>
+          <a:bodyPr rtlCol="0"/>
+          <a:lstStyle/>
+          <a:p>
+            <a:pPr marL="0" indent="0" algn="just" rtl="0">
+              <a:buNone/>
+            </a:pPr>
+            <a:r>
+              <a:rPr lang="uk-UA" dirty="0"/>
+              <a:t>Цей сервіс дозволяє зберігати та модифікувати фото, що зменшує навантаження на сервер.</a:t>
+            </a:r>
+          </a:p>
+        </p:txBody>
+      </p:sp>
+      <p:sp>
+        <p:nvSpPr>
+          <p:cNvPr id="5" name="Місце для тексту 4"/>
+          <p:cNvSpPr>
+            <a:spLocks noGrp="1"/>
+          </p:cNvSpPr>
+          <p:nvPr>
+            <p:ph type="body" sz="quarter" idx="3"/>
+          </p:nvPr>
+        </p:nvSpPr>
+        <p:spPr>
+          <a:xfrm>
+            <a:off x="6324602" y="1818322"/>
+            <a:ext cx="4572000" cy="641350"/>
+          </a:xfrm>
+        </p:spPr>
+        <p:txBody>
+          <a:bodyPr rtlCol="0"/>
+          <a:lstStyle/>
+          <a:p>
+            <a:pPr rtl="0"/>
+            <a:r>
+              <a:rPr lang="en-US" dirty="0"/>
+              <a:t>SMTP </a:t>
+            </a:r>
+            <a:r>
+              <a:rPr lang="uk-UA" dirty="0"/>
+              <a:t>клієнт для розсилки від </a:t>
+            </a:r>
+            <a:r>
+              <a:rPr lang="en-US" dirty="0"/>
+              <a:t>Google</a:t>
+            </a:r>
+            <a:endParaRPr lang="uk-UA" dirty="0"/>
+          </a:p>
+        </p:txBody>
+      </p:sp>
+      <p:sp>
+        <p:nvSpPr>
+          <p:cNvPr id="9" name="Місце для вмісту 3">
+            <a:extLst>
+              <a:ext uri="{FF2B5EF4-FFF2-40B4-BE49-F238E27FC236}">
+                <a16:creationId xmlns:a16="http://schemas.microsoft.com/office/drawing/2014/main" id="{67FE1965-601B-FE39-9A3F-62862F3A4E29}"/>
+              </a:ext>
+            </a:extLst>
+          </p:cNvPr>
+          <p:cNvSpPr txBox="1">
+            <a:spLocks/>
+          </p:cNvSpPr>
+          <p:nvPr/>
+        </p:nvSpPr>
+        <p:spPr>
+          <a:xfrm>
+            <a:off x="6324602" y="2631756"/>
+            <a:ext cx="4572000" cy="3287487"/>
+          </a:xfrm>
+          <a:prstGeom prst="rect">
+            <a:avLst/>
+          </a:prstGeom>
+        </p:spPr>
+        <p:txBody>
+          <a:bodyPr vert="horz" lIns="91440" tIns="45720" rIns="91440" bIns="45720" rtlCol="0">
+            <a:normAutofit/>
+          </a:bodyPr>
+          <a:lstStyle>
+            <a:lvl1pPr marL="228600" indent="-228600" algn="l" defTabSz="914400" rtl="0" eaLnBrk="1" latinLnBrk="0" hangingPunct="1">
+              <a:lnSpc>
+                <a:spcPct val="90000"/>
+              </a:lnSpc>
+              <a:spcBef>
+                <a:spcPts val="1800"/>
+              </a:spcBef>
+              <a:buClr>
+                <a:schemeClr val="accent1">
+                  <a:lumMod val="75000"/>
+                </a:schemeClr>
+              </a:buClr>
+              <a:buSzPct val="100000"/>
+              <a:buFont typeface="Arial" pitchFamily="34" charset="0"/>
+              <a:buChar char="▪"/>
+              <a:defRPr sz="2000" kern="1200">
+                <a:solidFill>
+                  <a:schemeClr val="tx1"/>
+                </a:solidFill>
+                <a:latin typeface="+mn-lt"/>
+                <a:ea typeface="+mn-ea"/>
+                <a:cs typeface="+mn-cs"/>
+              </a:defRPr>
+            </a:lvl1pPr>
+            <a:lvl2pPr marL="457200" indent="-182880" algn="l" defTabSz="914400" rtl="0" eaLnBrk="1" latinLnBrk="0" hangingPunct="1">
+              <a:lnSpc>
+                <a:spcPct val="90000"/>
+              </a:lnSpc>
+              <a:spcBef>
+                <a:spcPts val="1200"/>
+              </a:spcBef>
+              <a:buClr>
+                <a:schemeClr val="accent1">
+                  <a:lumMod val="75000"/>
+                </a:schemeClr>
+              </a:buClr>
+              <a:buSzPct val="100000"/>
+              <a:buFont typeface="Arial" pitchFamily="34" charset="0"/>
+              <a:buChar char="▪"/>
+              <a:defRPr sz="1800" kern="1200">
+                <a:solidFill>
+                  <a:schemeClr val="tx1"/>
+                </a:solidFill>
+                <a:latin typeface="+mn-lt"/>
+                <a:ea typeface="+mn-ea"/>
+                <a:cs typeface="+mn-cs"/>
+              </a:defRPr>
+            </a:lvl2pPr>
+            <a:lvl3pPr marL="685800" indent="-179388" algn="l" defTabSz="914400" rtl="0" eaLnBrk="1" latinLnBrk="0" hangingPunct="1">
+              <a:lnSpc>
+                <a:spcPct val="90000"/>
+              </a:lnSpc>
+              <a:spcBef>
+                <a:spcPts val="800"/>
+              </a:spcBef>
+              <a:buClr>
+                <a:schemeClr val="accent1">
+                  <a:lumMod val="75000"/>
+                </a:schemeClr>
+              </a:buClr>
+              <a:buSzPct val="100000"/>
+              <a:buFont typeface="Arial" pitchFamily="34" charset="0"/>
+              <a:buChar char="▪"/>
+              <a:defRPr sz="1600" kern="1200">
+                <a:solidFill>
+                  <a:schemeClr val="tx1"/>
+                </a:solidFill>
+                <a:latin typeface="+mn-lt"/>
+                <a:ea typeface="+mn-ea"/>
+                <a:cs typeface="+mn-cs"/>
+              </a:defRPr>
+            </a:lvl3pPr>
+            <a:lvl4pPr marL="914400" indent="-182880" algn="l" defTabSz="914400" rtl="0" eaLnBrk="1" latinLnBrk="0" hangingPunct="1">
+              <a:lnSpc>
+                <a:spcPct val="90000"/>
+              </a:lnSpc>
+              <a:spcBef>
+                <a:spcPts val="800"/>
+              </a:spcBef>
+              <a:buClr>
+                <a:schemeClr val="accent1">
+                  <a:lumMod val="75000"/>
+                </a:schemeClr>
+              </a:buClr>
+              <a:buSzPct val="100000"/>
+              <a:buFont typeface="Arial" pitchFamily="34" charset="0"/>
+              <a:buChar char="▪"/>
+              <a:defRPr sz="1400" kern="1200">
+                <a:solidFill>
+                  <a:schemeClr val="tx1"/>
+                </a:solidFill>
+                <a:latin typeface="+mn-lt"/>
+                <a:ea typeface="+mn-ea"/>
+                <a:cs typeface="+mn-cs"/>
+              </a:defRPr>
+            </a:lvl4pPr>
+            <a:lvl5pPr marL="1143000" indent="-179388" algn="l" defTabSz="914400" rtl="0" eaLnBrk="1" latinLnBrk="0" hangingPunct="1">
+              <a:lnSpc>
+                <a:spcPct val="90000"/>
+              </a:lnSpc>
+              <a:spcBef>
+                <a:spcPts val="600"/>
+              </a:spcBef>
+              <a:buClr>
+                <a:schemeClr val="accent1">
+                  <a:lumMod val="75000"/>
+                </a:schemeClr>
+              </a:buClr>
+              <a:buSzPct val="100000"/>
+              <a:buFont typeface="Arial" pitchFamily="34" charset="0"/>
+              <a:buChar char="▪"/>
+              <a:defRPr sz="1400" kern="1200">
+                <a:solidFill>
+                  <a:schemeClr val="tx1"/>
+                </a:solidFill>
+                <a:latin typeface="+mn-lt"/>
+                <a:ea typeface="+mn-ea"/>
+                <a:cs typeface="+mn-cs"/>
+              </a:defRPr>
+            </a:lvl5pPr>
+            <a:lvl6pPr marL="1371600" indent="-182880" algn="l" defTabSz="914400" rtl="0" eaLnBrk="1" latinLnBrk="0" hangingPunct="1">
+              <a:lnSpc>
+                <a:spcPct val="90000"/>
+              </a:lnSpc>
+              <a:spcBef>
+                <a:spcPts val="600"/>
+              </a:spcBef>
+              <a:buClr>
+                <a:schemeClr val="accent1">
+                  <a:lumMod val="75000"/>
+                </a:schemeClr>
+              </a:buClr>
+              <a:buSzPct val="100000"/>
+              <a:buFont typeface="Arial" pitchFamily="34" charset="0"/>
+              <a:buChar char="▪"/>
+              <a:defRPr sz="1600" kern="1200">
+                <a:solidFill>
+                  <a:schemeClr val="tx1"/>
+                </a:solidFill>
+                <a:latin typeface="+mn-lt"/>
+                <a:ea typeface="+mn-ea"/>
+                <a:cs typeface="+mn-cs"/>
+              </a:defRPr>
+            </a:lvl6pPr>
+            <a:lvl7pPr marL="1600200" indent="-179388" algn="l" defTabSz="914400" rtl="0" eaLnBrk="1" latinLnBrk="0" hangingPunct="1">
+              <a:lnSpc>
+                <a:spcPct val="90000"/>
+              </a:lnSpc>
+              <a:spcBef>
+                <a:spcPts val="600"/>
+              </a:spcBef>
+              <a:buClr>
+                <a:schemeClr val="accent1">
+                  <a:lumMod val="75000"/>
+                </a:schemeClr>
+              </a:buClr>
+              <a:buSzPct val="100000"/>
+              <a:buFont typeface="Arial" pitchFamily="34" charset="0"/>
+              <a:buChar char="▪"/>
+              <a:defRPr sz="1600" kern="1200">
+                <a:solidFill>
+                  <a:schemeClr val="tx1"/>
+                </a:solidFill>
+                <a:latin typeface="+mn-lt"/>
+                <a:ea typeface="+mn-ea"/>
+                <a:cs typeface="+mn-cs"/>
+              </a:defRPr>
+            </a:lvl7pPr>
+            <a:lvl8pPr marL="1828800" indent="-182880" algn="l" defTabSz="914400" rtl="0" eaLnBrk="1" latinLnBrk="0" hangingPunct="1">
+              <a:lnSpc>
+                <a:spcPct val="90000"/>
+              </a:lnSpc>
+              <a:spcBef>
+                <a:spcPts val="600"/>
+              </a:spcBef>
+              <a:buClr>
+                <a:schemeClr val="accent1">
+                  <a:lumMod val="75000"/>
+                </a:schemeClr>
+              </a:buClr>
+              <a:buSzPct val="100000"/>
+              <a:buFont typeface="Arial" pitchFamily="34" charset="0"/>
+              <a:buChar char="▪"/>
+              <a:defRPr sz="1600" kern="1200">
+                <a:solidFill>
+                  <a:schemeClr val="tx1"/>
+                </a:solidFill>
+                <a:latin typeface="+mn-lt"/>
+                <a:ea typeface="+mn-ea"/>
+                <a:cs typeface="+mn-cs"/>
+              </a:defRPr>
+            </a:lvl8pPr>
+            <a:lvl9pPr marL="1878012" indent="0" algn="l" defTabSz="914400" rtl="0" eaLnBrk="1" latinLnBrk="0" hangingPunct="1">
+              <a:lnSpc>
+                <a:spcPct val="90000"/>
+              </a:lnSpc>
+              <a:spcBef>
+                <a:spcPts val="600"/>
+              </a:spcBef>
+              <a:buClr>
+                <a:schemeClr val="accent1">
+                  <a:lumMod val="75000"/>
+                </a:schemeClr>
+              </a:buClr>
+              <a:buSzPct val="100000"/>
+              <a:buFont typeface="Arial" pitchFamily="34" charset="0"/>
+              <a:buNone/>
+              <a:defRPr sz="1600" kern="1200">
+                <a:solidFill>
+                  <a:schemeClr val="tx1"/>
+                </a:solidFill>
+                <a:latin typeface="+mn-lt"/>
+                <a:ea typeface="+mn-ea"/>
+                <a:cs typeface="+mn-cs"/>
+              </a:defRPr>
+            </a:lvl9pPr>
+          </a:lstStyle>
+          <a:p>
+            <a:pPr marL="0" indent="0" algn="just">
+              <a:buFont typeface="Arial" pitchFamily="34" charset="0"/>
+              <a:buNone/>
+            </a:pPr>
+            <a:r>
+              <a:rPr lang="uk-UA" dirty="0"/>
+              <a:t>Дозволяє виконувати розсилку за електронною поштою користувача і повідомляти про нову публікацію чи певні інші необхідні дані.</a:t>
+            </a:r>
+          </a:p>
+        </p:txBody>
+      </p:sp>
+      <p:sp>
+        <p:nvSpPr>
+          <p:cNvPr id="11" name="Місце для номера слайда 10">
+            <a:extLst>
+              <a:ext uri="{FF2B5EF4-FFF2-40B4-BE49-F238E27FC236}">
+                <a16:creationId xmlns:a16="http://schemas.microsoft.com/office/drawing/2014/main" id="{88B200C0-AAE4-9661-AE69-6AE72D161446}"/>
+              </a:ext>
+            </a:extLst>
+          </p:cNvPr>
+          <p:cNvSpPr>
+            <a:spLocks noGrp="1"/>
+          </p:cNvSpPr>
+          <p:nvPr>
+            <p:ph type="sldNum" sz="quarter" idx="12"/>
+          </p:nvPr>
+        </p:nvSpPr>
+        <p:spPr/>
+        <p:txBody>
+          <a:bodyPr/>
+          <a:lstStyle/>
+          <a:p>
+            <a:pPr rtl="0"/>
+            <a:fld id="{E31375A4-56A4-47D6-9801-1991572033F7}" type="slidenum">
+              <a:rPr lang="uk-UA" noProof="0" smtClean="0"/>
+              <a:t>7</a:t>
+            </a:fld>
+            <a:endParaRPr lang="uk-UA" noProof="0" dirty="0"/>
+          </a:p>
+        </p:txBody>
+      </p:sp>
+    </p:spTree>
+    <p:extLst>
+      <p:ext uri="{BB962C8B-B14F-4D97-AF65-F5344CB8AC3E}">
+        <p14:creationId xmlns:p14="http://schemas.microsoft.com/office/powerpoint/2010/main" val="3229171051"/>
+      </p:ext>
+    </p:extLst>
+  </p:cSld>
+  <p:clrMapOvr>
+    <a:masterClrMapping/>
+  </p:clrMapOvr>
+  <mc:AlternateContent xmlns:mc="http://schemas.openxmlformats.org/markup-compatibility/2006" xmlns:p14="http://schemas.microsoft.com/office/powerpoint/2010/main">
+    <mc:Choice Requires="p14">
+      <p:transition spd="med" p14:dur="700">
+        <p:fade/>
+      </p:transition>
+    </mc:Choice>
+    <mc:Fallback xmlns="">
+      <p:transition spd="med">
+        <p:fade/>
+      </p:transition>
+    </mc:Fallback>
+  </mc:AlternateContent>
+</p:sld>
+</file>
+
+<file path=ppt/slides/slide8.xml><?xml version="1.0" encoding="utf-8"?>
 <p:sld xmlns:a="http://schemas.openxmlformats.org/drawingml/2006/main" xmlns:r="http://schemas.openxmlformats.org/officeDocument/2006/relationships" xmlns:p="http://schemas.openxmlformats.org/presentationml/2006/main">
   <p:cSld>
     <p:spTree>
@@ -23110,7 +20154,7 @@
         <p:spPr>
           <a:xfrm>
             <a:off x="1221204" y="86658"/>
-            <a:ext cx="9601200" cy="816059"/>
+            <a:ext cx="9601200" cy="635237"/>
           </a:xfrm>
         </p:spPr>
         <p:txBody>
@@ -23122,7 +20166,7 @@
             <a:pPr algn="ctr" rtl="0"/>
             <a:r>
               <a:rPr lang="uk-UA" dirty="0"/>
-              <a:t>Опис архітектури соціальної мережі</a:t>
+              <a:t>Архітектура програмної системи</a:t>
             </a:r>
           </a:p>
         </p:txBody>
@@ -23145,8 +20189,8 @@
         </p:nvSpPr>
         <p:spPr>
           <a:xfrm>
-            <a:off x="3102144" y="3515077"/>
-            <a:ext cx="5556584" cy="537940"/>
+            <a:off x="3096128" y="4075039"/>
+            <a:ext cx="5556584" cy="434383"/>
           </a:xfrm>
         </p:spPr>
         <p:txBody>
@@ -23165,36 +20209,6 @@
           </a:p>
         </p:txBody>
       </p:sp>
-      <p:pic>
-        <p:nvPicPr>
-          <p:cNvPr id="5" name="Рисунок 4">
-            <a:extLst>
-              <a:ext uri="{FF2B5EF4-FFF2-40B4-BE49-F238E27FC236}">
-                <a16:creationId xmlns:a16="http://schemas.microsoft.com/office/drawing/2014/main" id="{56E6367B-261A-372A-A94F-46148B43E1BF}"/>
-              </a:ext>
-            </a:extLst>
-          </p:cNvPr>
-          <p:cNvPicPr>
-            <a:picLocks noChangeAspect="1"/>
-          </p:cNvPicPr>
-          <p:nvPr/>
-        </p:nvPicPr>
-        <p:blipFill>
-          <a:blip r:embed="rId2"/>
-          <a:stretch>
-            <a:fillRect/>
-          </a:stretch>
-        </p:blipFill>
-        <p:spPr>
-          <a:xfrm>
-            <a:off x="4150896" y="1043693"/>
-            <a:ext cx="3459080" cy="2385307"/>
-          </a:xfrm>
-          <a:prstGeom prst="rect">
-            <a:avLst/>
-          </a:prstGeom>
-        </p:spPr>
-      </p:pic>
       <p:sp>
         <p:nvSpPr>
           <p:cNvPr id="4" name="Місце для вмісту 2">
@@ -23211,8 +20225,8 @@
         </p:nvSpPr>
         <p:spPr>
           <a:xfrm>
-            <a:off x="437146" y="4139095"/>
-            <a:ext cx="9675396" cy="1956763"/>
+            <a:off x="587541" y="4413170"/>
+            <a:ext cx="8652712" cy="1624031"/>
           </a:xfrm>
           <a:prstGeom prst="rect">
             <a:avLst/>
@@ -23220,7 +20234,7 @@
         </p:spPr>
         <p:txBody>
           <a:bodyPr vert="horz" lIns="91440" tIns="45720" rIns="91440" bIns="45720" rtlCol="0">
-            <a:normAutofit fontScale="70000" lnSpcReduction="20000"/>
+            <a:normAutofit fontScale="55000" lnSpcReduction="20000"/>
           </a:bodyPr>
           <a:lstStyle>
             <a:lvl1pPr marL="228600" indent="-228600" algn="l" defTabSz="914400" rtl="0" eaLnBrk="1" latinLnBrk="0" hangingPunct="1">
@@ -23545,12 +20559,42 @@
             <a:pPr rtl="0"/>
             <a:fld id="{E31375A4-56A4-47D6-9801-1991572033F7}" type="slidenum">
               <a:rPr lang="uk-UA" noProof="0" smtClean="0"/>
-              <a:t>9</a:t>
+              <a:t>8</a:t>
             </a:fld>
             <a:endParaRPr lang="uk-UA" noProof="0" dirty="0"/>
           </a:p>
         </p:txBody>
       </p:sp>
+      <p:pic>
+        <p:nvPicPr>
+          <p:cNvPr id="8" name="Рисунок 7">
+            <a:extLst>
+              <a:ext uri="{FF2B5EF4-FFF2-40B4-BE49-F238E27FC236}">
+                <a16:creationId xmlns:a16="http://schemas.microsoft.com/office/drawing/2014/main" id="{BB09D38F-E589-706E-FEE2-741D506B2545}"/>
+              </a:ext>
+            </a:extLst>
+          </p:cNvPr>
+          <p:cNvPicPr>
+            <a:picLocks noChangeAspect="1"/>
+          </p:cNvPicPr>
+          <p:nvPr/>
+        </p:nvPicPr>
+        <p:blipFill>
+          <a:blip r:embed="rId2"/>
+          <a:stretch>
+            <a:fillRect/>
+          </a:stretch>
+        </p:blipFill>
+        <p:spPr>
+          <a:xfrm>
+            <a:off x="3842968" y="742018"/>
+            <a:ext cx="4212173" cy="3216645"/>
+          </a:xfrm>
+          <a:prstGeom prst="rect">
+            <a:avLst/>
+          </a:prstGeom>
+        </p:spPr>
+      </p:pic>
     </p:spTree>
     <p:extLst>
       <p:ext uri="{BB962C8B-B14F-4D97-AF65-F5344CB8AC3E}">
@@ -23561,13 +20605,143 @@
   <p:clrMapOvr>
     <a:masterClrMapping/>
   </p:clrMapOvr>
-  <mc:AlternateContent xmlns:mc="http://schemas.openxmlformats.org/markup-compatibility/2006">
-    <mc:Choice xmlns:p14="http://schemas.microsoft.com/office/powerpoint/2010/main" Requires="p14">
+  <mc:AlternateContent xmlns:mc="http://schemas.openxmlformats.org/markup-compatibility/2006" xmlns:p14="http://schemas.microsoft.com/office/powerpoint/2010/main">
+    <mc:Choice Requires="p14">
       <p:transition spd="med" p14:dur="700">
         <p:fade/>
       </p:transition>
     </mc:Choice>
-    <mc:Fallback>
+    <mc:Fallback xmlns="">
+      <p:transition spd="med">
+        <p:fade/>
+      </p:transition>
+    </mc:Fallback>
+  </mc:AlternateContent>
+</p:sld>
+</file>
+
+<file path=ppt/slides/slide9.xml><?xml version="1.0" encoding="utf-8"?>
+<p:sld xmlns:a="http://schemas.openxmlformats.org/drawingml/2006/main" xmlns:r="http://schemas.openxmlformats.org/officeDocument/2006/relationships" xmlns:p="http://schemas.openxmlformats.org/presentationml/2006/main">
+  <p:cSld>
+    <p:spTree>
+      <p:nvGrpSpPr>
+        <p:cNvPr id="1" name=""/>
+        <p:cNvGrpSpPr/>
+        <p:nvPr/>
+      </p:nvGrpSpPr>
+      <p:grpSpPr>
+        <a:xfrm>
+          <a:off x="0" y="0"/>
+          <a:ext cx="0" cy="0"/>
+          <a:chOff x="0" y="0"/>
+          <a:chExt cx="0" cy="0"/>
+        </a:xfrm>
+      </p:grpSpPr>
+      <p:sp>
+        <p:nvSpPr>
+          <p:cNvPr id="2" name="Заголовок 1"/>
+          <p:cNvSpPr>
+            <a:spLocks noGrp="1"/>
+          </p:cNvSpPr>
+          <p:nvPr>
+            <p:ph type="title"/>
+          </p:nvPr>
+        </p:nvSpPr>
+        <p:spPr>
+          <a:xfrm>
+            <a:off x="1295400" y="503363"/>
+            <a:ext cx="9601200" cy="701759"/>
+          </a:xfrm>
+        </p:spPr>
+        <p:txBody>
+          <a:bodyPr rtlCol="0"/>
+          <a:lstStyle/>
+          <a:p>
+            <a:pPr algn="ctr" rtl="0"/>
+            <a:r>
+              <a:rPr lang="uk-UA" dirty="0"/>
+              <a:t>Реалізація сервісу підписок</a:t>
+            </a:r>
+          </a:p>
+        </p:txBody>
+      </p:sp>
+      <p:pic>
+        <p:nvPicPr>
+          <p:cNvPr id="4" name="Рисунок 3">
+            <a:extLst>
+              <a:ext uri="{FF2B5EF4-FFF2-40B4-BE49-F238E27FC236}">
+                <a16:creationId xmlns:a16="http://schemas.microsoft.com/office/drawing/2014/main" id="{E051B497-FD01-AA8A-CEFF-E3EDD91BE789}"/>
+              </a:ext>
+            </a:extLst>
+          </p:cNvPr>
+          <p:cNvPicPr>
+            <a:picLocks noChangeAspect="1"/>
+          </p:cNvPicPr>
+          <p:nvPr/>
+        </p:nvPicPr>
+        <p:blipFill>
+          <a:blip r:embed="rId3"/>
+          <a:stretch>
+            <a:fillRect/>
+          </a:stretch>
+        </p:blipFill>
+        <p:spPr>
+          <a:xfrm>
+            <a:off x="1921140" y="1423737"/>
+            <a:ext cx="8349719" cy="4279231"/>
+          </a:xfrm>
+          <a:prstGeom prst="rect">
+            <a:avLst/>
+          </a:prstGeom>
+        </p:spPr>
+      </p:pic>
+      <p:sp>
+        <p:nvSpPr>
+          <p:cNvPr id="5" name="Місце для номера слайда 4">
+            <a:extLst>
+              <a:ext uri="{FF2B5EF4-FFF2-40B4-BE49-F238E27FC236}">
+                <a16:creationId xmlns:a16="http://schemas.microsoft.com/office/drawing/2014/main" id="{4C8D934C-3AD0-56C8-4A95-250386CF22E9}"/>
+              </a:ext>
+            </a:extLst>
+          </p:cNvPr>
+          <p:cNvSpPr>
+            <a:spLocks noGrp="1"/>
+          </p:cNvSpPr>
+          <p:nvPr>
+            <p:ph type="sldNum" sz="quarter" idx="12"/>
+          </p:nvPr>
+        </p:nvSpPr>
+        <p:spPr/>
+        <p:txBody>
+          <a:bodyPr/>
+          <a:lstStyle/>
+          <a:p>
+            <a:pPr rtl="0"/>
+            <a:fld id="{E31375A4-56A4-47D6-9801-1991572033F7}" type="slidenum">
+              <a:rPr lang="uk-UA" noProof="0" smtClean="0"/>
+              <a:t>9</a:t>
+            </a:fld>
+            <a:endParaRPr lang="uk-UA" noProof="0" dirty="0"/>
+          </a:p>
+        </p:txBody>
+      </p:sp>
+    </p:spTree>
+    <p:extLst>
+      <p:ext uri="{BB962C8B-B14F-4D97-AF65-F5344CB8AC3E}">
+        <p14:creationId xmlns:p14="http://schemas.microsoft.com/office/powerpoint/2010/main" val="452733939"/>
+      </p:ext>
+    </p:extLst>
+  </p:cSld>
+  <p:clrMapOvr>
+    <a:masterClrMapping/>
+  </p:clrMapOvr>
+  <mc:AlternateContent xmlns:mc="http://schemas.openxmlformats.org/markup-compatibility/2006" xmlns:p14="http://schemas.microsoft.com/office/powerpoint/2010/main">
+    <mc:Choice Requires="p14">
+      <p:transition spd="med" p14:dur="700">
+        <p:fade/>
+      </p:transition>
+    </mc:Choice>
+    <mc:Fallback xmlns="">
       <p:transition spd="med">
         <p:fade/>
       </p:transition>
